--- a/resources/ppt-slides/control-flow-do-while-loop.pptx
+++ b/resources/ppt-slides/control-flow-do-while-loop.pptx
@@ -7,12 +7,12 @@
   <p:sldIdLst>
     <p:sldId id="287" r:id="rId2"/>
     <p:sldId id="288" r:id="rId3"/>
-    <p:sldId id="289" r:id="rId4"/>
-    <p:sldId id="290" r:id="rId5"/>
-    <p:sldId id="291" r:id="rId6"/>
-    <p:sldId id="292" r:id="rId7"/>
-    <p:sldId id="293" r:id="rId8"/>
-    <p:sldId id="294" r:id="rId9"/>
+    <p:sldId id="292" r:id="rId4"/>
+    <p:sldId id="293" r:id="rId5"/>
+    <p:sldId id="294" r:id="rId6"/>
+    <p:sldId id="297" r:id="rId7"/>
+    <p:sldId id="296" r:id="rId8"/>
+    <p:sldId id="298" r:id="rId9"/>
     <p:sldId id="295" r:id="rId10"/>
   </p:sldIdLst>
   <p:sldSz cx="7559675" cy="5040313"/>
@@ -251,7 +251,7 @@
           <a:p>
             <a:fld id="{964302DC-9F53-934F-AE4D-0F1F197008C1}" type="datetimeFigureOut">
               <a:rPr lang="en-US" smtClean="0"/>
-              <a:t>10/17/23</a:t>
+              <a:t>10/19/23</a:t>
             </a:fld>
             <a:endParaRPr lang="en-US"/>
           </a:p>
@@ -421,7 +421,7 @@
           <a:p>
             <a:fld id="{964302DC-9F53-934F-AE4D-0F1F197008C1}" type="datetimeFigureOut">
               <a:rPr lang="en-US" smtClean="0"/>
-              <a:t>10/17/23</a:t>
+              <a:t>10/19/23</a:t>
             </a:fld>
             <a:endParaRPr lang="en-US"/>
           </a:p>
@@ -601,7 +601,7 @@
           <a:p>
             <a:fld id="{964302DC-9F53-934F-AE4D-0F1F197008C1}" type="datetimeFigureOut">
               <a:rPr lang="en-US" smtClean="0"/>
-              <a:t>10/17/23</a:t>
+              <a:t>10/19/23</a:t>
             </a:fld>
             <a:endParaRPr lang="en-US"/>
           </a:p>
@@ -771,7 +771,7 @@
           <a:p>
             <a:fld id="{964302DC-9F53-934F-AE4D-0F1F197008C1}" type="datetimeFigureOut">
               <a:rPr lang="en-US" smtClean="0"/>
-              <a:t>10/17/23</a:t>
+              <a:t>10/19/23</a:t>
             </a:fld>
             <a:endParaRPr lang="en-US"/>
           </a:p>
@@ -1015,7 +1015,7 @@
           <a:p>
             <a:fld id="{964302DC-9F53-934F-AE4D-0F1F197008C1}" type="datetimeFigureOut">
               <a:rPr lang="en-US" smtClean="0"/>
-              <a:t>10/17/23</a:t>
+              <a:t>10/19/23</a:t>
             </a:fld>
             <a:endParaRPr lang="en-US"/>
           </a:p>
@@ -1247,7 +1247,7 @@
           <a:p>
             <a:fld id="{964302DC-9F53-934F-AE4D-0F1F197008C1}" type="datetimeFigureOut">
               <a:rPr lang="en-US" smtClean="0"/>
-              <a:t>10/17/23</a:t>
+              <a:t>10/19/23</a:t>
             </a:fld>
             <a:endParaRPr lang="en-US"/>
           </a:p>
@@ -1614,7 +1614,7 @@
           <a:p>
             <a:fld id="{964302DC-9F53-934F-AE4D-0F1F197008C1}" type="datetimeFigureOut">
               <a:rPr lang="en-US" smtClean="0"/>
-              <a:t>10/17/23</a:t>
+              <a:t>10/19/23</a:t>
             </a:fld>
             <a:endParaRPr lang="en-US"/>
           </a:p>
@@ -1732,7 +1732,7 @@
           <a:p>
             <a:fld id="{964302DC-9F53-934F-AE4D-0F1F197008C1}" type="datetimeFigureOut">
               <a:rPr lang="en-US" smtClean="0"/>
-              <a:t>10/17/23</a:t>
+              <a:t>10/19/23</a:t>
             </a:fld>
             <a:endParaRPr lang="en-US"/>
           </a:p>
@@ -1827,7 +1827,7 @@
           <a:p>
             <a:fld id="{964302DC-9F53-934F-AE4D-0F1F197008C1}" type="datetimeFigureOut">
               <a:rPr lang="en-US" smtClean="0"/>
-              <a:t>10/17/23</a:t>
+              <a:t>10/19/23</a:t>
             </a:fld>
             <a:endParaRPr lang="en-US"/>
           </a:p>
@@ -2104,7 +2104,7 @@
           <a:p>
             <a:fld id="{964302DC-9F53-934F-AE4D-0F1F197008C1}" type="datetimeFigureOut">
               <a:rPr lang="en-US" smtClean="0"/>
-              <a:t>10/17/23</a:t>
+              <a:t>10/19/23</a:t>
             </a:fld>
             <a:endParaRPr lang="en-US"/>
           </a:p>
@@ -2361,7 +2361,7 @@
           <a:p>
             <a:fld id="{964302DC-9F53-934F-AE4D-0F1F197008C1}" type="datetimeFigureOut">
               <a:rPr lang="en-US" smtClean="0"/>
-              <a:t>10/17/23</a:t>
+              <a:t>10/19/23</a:t>
             </a:fld>
             <a:endParaRPr lang="en-US"/>
           </a:p>
@@ -2574,7 +2574,7 @@
           <a:p>
             <a:fld id="{964302DC-9F53-934F-AE4D-0F1F197008C1}" type="datetimeFigureOut">
               <a:rPr lang="en-US" smtClean="0"/>
-              <a:t>10/17/23</a:t>
+              <a:t>10/19/23</a:t>
             </a:fld>
             <a:endParaRPr lang="en-US"/>
           </a:p>
@@ -3028,7 +3028,7 @@
           <p:spPr>
             <a:xfrm>
               <a:off x="2275695" y="-2481252"/>
-              <a:ext cx="5046276" cy="2800767"/>
+              <a:ext cx="5046276" cy="2554545"/>
             </a:xfrm>
             <a:prstGeom prst="rect">
               <a:avLst/>
@@ -3046,97 +3046,13 @@
                 <a:buAutoNum type="arabicPeriod"/>
               </a:pPr>
               <a:r>
-                <a:rPr lang="en-AU" sz="1600" dirty="0">
-                  <a:solidFill>
-                    <a:schemeClr val="bg1">
-                      <a:lumMod val="65000"/>
-                    </a:schemeClr>
-                  </a:solidFill>
-                </a:rPr>
-                <a:t>using static </a:t>
-              </a:r>
-              <a:r>
-                <a:rPr lang="en-AU" sz="1600" dirty="0" err="1">
-                  <a:solidFill>
-                    <a:schemeClr val="bg1">
-                      <a:lumMod val="65000"/>
-                    </a:schemeClr>
-                  </a:solidFill>
-                </a:rPr>
-                <a:t>System.Console</a:t>
-              </a:r>
-              <a:r>
-                <a:rPr lang="en-AU" sz="1600" dirty="0">
-                  <a:solidFill>
-                    <a:schemeClr val="bg1">
-                      <a:lumMod val="65000"/>
-                    </a:schemeClr>
-                  </a:solidFill>
-                </a:rPr>
-                <a:t>;</a:t>
-              </a:r>
-            </a:p>
-            <a:p>
-              <a:pPr marL="342900" indent="-342900" rtl="0">
-                <a:buFont typeface="+mj-lt"/>
-                <a:buAutoNum type="arabicPeriod"/>
-              </a:pPr>
-              <a:r>
-                <a:rPr lang="en-AU" sz="1600" dirty="0">
-                  <a:solidFill>
-                    <a:schemeClr val="bg1">
-                      <a:lumMod val="65000"/>
-                    </a:schemeClr>
-                  </a:solidFill>
-                </a:rPr>
-                <a:t>using static </a:t>
-              </a:r>
-              <a:r>
-                <a:rPr lang="en-AU" sz="1600" dirty="0" err="1">
-                  <a:solidFill>
-                    <a:schemeClr val="bg1">
-                      <a:lumMod val="65000"/>
-                    </a:schemeClr>
-                  </a:solidFill>
-                </a:rPr>
-                <a:t>System.Convert</a:t>
-              </a:r>
-              <a:r>
-                <a:rPr lang="en-AU" sz="1600" dirty="0">
-                  <a:solidFill>
-                    <a:schemeClr val="bg1">
-                      <a:lumMod val="65000"/>
-                    </a:schemeClr>
-                  </a:solidFill>
-                </a:rPr>
-                <a:t>;</a:t>
-              </a:r>
-              <a:br>
-                <a:rPr lang="en-AU" sz="1600" dirty="0">
-                  <a:solidFill>
-                    <a:schemeClr val="bg1">
-                      <a:lumMod val="65000"/>
-                    </a:schemeClr>
-                  </a:solidFill>
-                </a:rPr>
-              </a:br>
-              <a:endParaRPr lang="en-AU" sz="1600" dirty="0">
-                <a:solidFill>
-                  <a:schemeClr val="bg1">
-                    <a:lumMod val="65000"/>
-                  </a:schemeClr>
-                </a:solidFill>
-              </a:endParaRPr>
-            </a:p>
-            <a:p>
-              <a:pPr marL="342900" indent="-342900" rtl="0">
-                <a:buFont typeface="+mj-lt"/>
-                <a:buAutoNum type="arabicPeriod"/>
-              </a:pPr>
-              <a:r>
                 <a:rPr lang="en-AU" sz="1600" dirty="0"/>
                 <a:t>string again;</a:t>
               </a:r>
+              <a:br>
+                <a:rPr lang="en-AU" sz="1600" dirty="0"/>
+              </a:br>
+              <a:endParaRPr lang="en-AU" sz="1600" dirty="0"/>
             </a:p>
             <a:p>
               <a:pPr marL="342900" indent="-342900" rtl="0">
@@ -3253,10 +3169,38 @@
                 </a:rPr>
                 <a:t>} (again == "y” || again == ”Y”);</a:t>
               </a:r>
+              <a:br>
+                <a:rPr lang="en-AU" sz="1600" dirty="0">
+                  <a:solidFill>
+                    <a:schemeClr val="bg1">
+                      <a:lumMod val="65000"/>
+                    </a:schemeClr>
+                  </a:solidFill>
+                </a:rPr>
+              </a:br>
+              <a:endParaRPr lang="en-AU" sz="1600" dirty="0">
+                <a:solidFill>
+                  <a:schemeClr val="bg1">
+                    <a:lumMod val="65000"/>
+                  </a:schemeClr>
+                </a:solidFill>
+              </a:endParaRPr>
             </a:p>
             <a:p>
-              <a:pPr rtl="0"/>
-              <a:endParaRPr lang="en-AU" sz="1600" dirty="0"/>
+              <a:pPr marL="342900" indent="-342900" rtl="0">
+                <a:buFont typeface="+mj-lt"/>
+                <a:buAutoNum type="arabicPeriod"/>
+              </a:pPr>
+              <a:r>
+                <a:rPr lang="en-AU" sz="1600" dirty="0">
+                  <a:solidFill>
+                    <a:schemeClr val="bg1">
+                      <a:lumMod val="65000"/>
+                    </a:schemeClr>
+                  </a:solidFill>
+                </a:rPr>
+                <a:t>WriteLine("Bye…");</a:t>
+              </a:r>
             </a:p>
           </p:txBody>
         </p:sp>
@@ -4786,7 +4730,7 @@
               <a:pPr algn="ctr"/>
               <a:r>
                 <a:rPr lang="en-US" dirty="0"/>
-                <a:t>3</a:t>
+                <a:t>1</a:t>
               </a:r>
             </a:p>
           </p:txBody>
@@ -5333,7 +5277,7 @@
             <a:p>
               <a:r>
                 <a:rPr lang="en-US" dirty="0"/>
-                <a:t>4</a:t>
+                <a:t>2</a:t>
               </a:r>
             </a:p>
           </p:txBody>
@@ -5454,8 +5398,8 @@
         </p:nvGrpSpPr>
         <p:grpSpPr>
           <a:xfrm>
-            <a:off x="1912319" y="1546323"/>
-            <a:ext cx="407468" cy="2316998"/>
+            <a:off x="1947652" y="818606"/>
+            <a:ext cx="407468" cy="3087760"/>
             <a:chOff x="1668759" y="-13958058"/>
             <a:chExt cx="487848" cy="22198517"/>
           </a:xfrm>
@@ -5576,8 +5520,8 @@
         </p:nvCxnSpPr>
         <p:spPr>
           <a:xfrm rot="10800000" flipV="1">
-            <a:off x="637865" y="1546323"/>
-            <a:ext cx="1160884" cy="762060"/>
+            <a:off x="637866" y="818603"/>
+            <a:ext cx="1568329" cy="1489779"/>
           </a:xfrm>
           <a:prstGeom prst="curvedConnector2">
             <a:avLst/>
@@ -5686,7 +5630,7 @@
           <p:spPr>
             <a:xfrm>
               <a:off x="2275695" y="-2481252"/>
-              <a:ext cx="5046276" cy="2800767"/>
+              <a:ext cx="5046276" cy="2554545"/>
             </a:xfrm>
             <a:prstGeom prst="rect">
               <a:avLst/>
@@ -5711,63 +5655,7 @@
                     </a:schemeClr>
                   </a:solidFill>
                 </a:rPr>
-                <a:t>using static </a:t>
-              </a:r>
-              <a:r>
-                <a:rPr lang="en-AU" sz="1600" dirty="0" err="1">
-                  <a:solidFill>
-                    <a:schemeClr val="bg1">
-                      <a:lumMod val="65000"/>
-                    </a:schemeClr>
-                  </a:solidFill>
-                </a:rPr>
-                <a:t>System.Console</a:t>
-              </a:r>
-              <a:r>
-                <a:rPr lang="en-AU" sz="1600" dirty="0">
-                  <a:solidFill>
-                    <a:schemeClr val="bg1">
-                      <a:lumMod val="65000"/>
-                    </a:schemeClr>
-                  </a:solidFill>
-                </a:rPr>
-                <a:t>;</a:t>
-              </a:r>
-            </a:p>
-            <a:p>
-              <a:pPr marL="342900" indent="-342900" rtl="0">
-                <a:buFont typeface="+mj-lt"/>
-                <a:buAutoNum type="arabicPeriod"/>
-              </a:pPr>
-              <a:r>
-                <a:rPr lang="en-AU" sz="1600" dirty="0">
-                  <a:solidFill>
-                    <a:schemeClr val="bg1">
-                      <a:lumMod val="65000"/>
-                    </a:schemeClr>
-                  </a:solidFill>
-                </a:rPr>
-                <a:t>using static </a:t>
-              </a:r>
-              <a:r>
-                <a:rPr lang="en-AU" sz="1600" dirty="0" err="1">
-                  <a:solidFill>
-                    <a:schemeClr val="bg1">
-                      <a:lumMod val="65000"/>
-                    </a:schemeClr>
-                  </a:solidFill>
-                </a:rPr>
-                <a:t>System.Convert</a:t>
-              </a:r>
-              <a:r>
-                <a:rPr lang="en-AU" sz="1600" dirty="0">
-                  <a:solidFill>
-                    <a:schemeClr val="bg1">
-                      <a:lumMod val="65000"/>
-                    </a:schemeClr>
-                  </a:solidFill>
-                </a:rPr>
-                <a:t>;</a:t>
+                <a:t>string again;</a:t>
               </a:r>
               <a:br>
                 <a:rPr lang="en-AU" sz="1600" dirty="0">
@@ -5785,22 +5673,6 @@
                   </a:schemeClr>
                 </a:solidFill>
               </a:endParaRPr>
-            </a:p>
-            <a:p>
-              <a:pPr marL="342900" indent="-342900" rtl="0">
-                <a:buFont typeface="+mj-lt"/>
-                <a:buAutoNum type="arabicPeriod"/>
-              </a:pPr>
-              <a:r>
-                <a:rPr lang="en-AU" sz="1600" dirty="0">
-                  <a:solidFill>
-                    <a:schemeClr val="bg1">
-                      <a:lumMod val="65000"/>
-                    </a:schemeClr>
-                  </a:solidFill>
-                </a:rPr>
-                <a:t>string again;</a:t>
-              </a:r>
             </a:p>
             <a:p>
               <a:pPr marL="342900" indent="-342900" rtl="0">
@@ -5911,10 +5783,38 @@
                 </a:rPr>
                 <a:t>} (again == "y” || again == ”Y”);</a:t>
               </a:r>
+              <a:br>
+                <a:rPr lang="en-AU" sz="1600" dirty="0">
+                  <a:solidFill>
+                    <a:schemeClr val="bg1">
+                      <a:lumMod val="65000"/>
+                    </a:schemeClr>
+                  </a:solidFill>
+                </a:rPr>
+              </a:br>
+              <a:endParaRPr lang="en-AU" sz="1600" dirty="0">
+                <a:solidFill>
+                  <a:schemeClr val="bg1">
+                    <a:lumMod val="65000"/>
+                  </a:schemeClr>
+                </a:solidFill>
+              </a:endParaRPr>
             </a:p>
             <a:p>
-              <a:pPr rtl="0"/>
-              <a:endParaRPr lang="en-AU" sz="1600" dirty="0"/>
+              <a:pPr marL="342900" indent="-342900" rtl="0">
+                <a:buFont typeface="+mj-lt"/>
+                <a:buAutoNum type="arabicPeriod"/>
+              </a:pPr>
+              <a:r>
+                <a:rPr lang="en-AU" sz="1600" dirty="0">
+                  <a:solidFill>
+                    <a:schemeClr val="bg1">
+                      <a:lumMod val="65000"/>
+                    </a:schemeClr>
+                  </a:solidFill>
+                </a:rPr>
+                <a:t>WriteLine("Bye…");</a:t>
+              </a:r>
             </a:p>
           </p:txBody>
         </p:sp>
@@ -7444,7 +7344,7 @@
               <a:pPr algn="ctr"/>
               <a:r>
                 <a:rPr lang="en-US" dirty="0"/>
-                <a:t>4</a:t>
+                <a:t>2</a:t>
               </a:r>
             </a:p>
           </p:txBody>
@@ -7984,7 +7884,7 @@
           <p:spPr>
             <a:xfrm>
               <a:off x="2492466" y="375300"/>
-              <a:ext cx="298435" cy="369332"/>
+              <a:ext cx="508261" cy="369332"/>
             </a:xfrm>
             <a:prstGeom prst="rect">
               <a:avLst/>
@@ -7999,7 +7899,7 @@
             <a:p>
               <a:r>
                 <a:rPr lang="en-US" dirty="0"/>
-                <a:t>5</a:t>
+                <a:t>3,4</a:t>
               </a:r>
             </a:p>
           </p:txBody>
@@ -8120,8 +8020,8 @@
         </p:nvGrpSpPr>
         <p:grpSpPr>
           <a:xfrm>
-            <a:off x="1912319" y="1787215"/>
-            <a:ext cx="407468" cy="2043110"/>
+            <a:off x="1912319" y="1306286"/>
+            <a:ext cx="407468" cy="2600080"/>
             <a:chOff x="1668759" y="-13958058"/>
             <a:chExt cx="487848" cy="22198517"/>
           </a:xfrm>
@@ -8269,6 +8169,47 @@
           <a:chExt cx="0" cy="0"/>
         </a:xfrm>
       </p:grpSpPr>
+      <p:sp>
+        <p:nvSpPr>
+          <p:cNvPr id="6" name="TextBox 5">
+            <a:extLst>
+              <a:ext uri="{FF2B5EF4-FFF2-40B4-BE49-F238E27FC236}">
+                <a16:creationId xmlns:a16="http://schemas.microsoft.com/office/drawing/2014/main" id="{05DAB3CC-BCD8-89C5-B2B3-1A640BFA1191}"/>
+              </a:ext>
+            </a:extLst>
+          </p:cNvPr>
+          <p:cNvSpPr txBox="1"/>
+          <p:nvPr/>
+        </p:nvSpPr>
+        <p:spPr>
+          <a:xfrm>
+            <a:off x="3343353" y="3614412"/>
+            <a:ext cx="3678061" cy="646331"/>
+          </a:xfrm>
+          <a:prstGeom prst="rect">
+            <a:avLst/>
+          </a:prstGeom>
+          <a:noFill/>
+        </p:spPr>
+        <p:txBody>
+          <a:bodyPr wrap="square" rtlCol="0">
+            <a:spAutoFit/>
+          </a:bodyPr>
+          <a:lstStyle/>
+          <a:p>
+            <a:r>
+              <a:rPr lang="en-US" dirty="0"/>
+              <a:t>Hello</a:t>
+            </a:r>
+          </a:p>
+          <a:p>
+            <a:r>
+              <a:rPr lang="en-US" dirty="0"/>
+              <a:t>Again: y </a:t>
+            </a:r>
+          </a:p>
+        </p:txBody>
+      </p:sp>
       <p:grpSp>
         <p:nvGrpSpPr>
           <p:cNvPr id="12" name="Group 11">
@@ -8304,7 +8245,7 @@
           <p:spPr>
             <a:xfrm>
               <a:off x="2275695" y="-2481252"/>
-              <a:ext cx="5046276" cy="2800767"/>
+              <a:ext cx="5046276" cy="2554545"/>
             </a:xfrm>
             <a:prstGeom prst="rect">
               <a:avLst/>
@@ -8329,63 +8270,7 @@
                     </a:schemeClr>
                   </a:solidFill>
                 </a:rPr>
-                <a:t>using static </a:t>
-              </a:r>
-              <a:r>
-                <a:rPr lang="en-AU" sz="1600" dirty="0" err="1">
-                  <a:solidFill>
-                    <a:schemeClr val="bg1">
-                      <a:lumMod val="65000"/>
-                    </a:schemeClr>
-                  </a:solidFill>
-                </a:rPr>
-                <a:t>System.Console</a:t>
-              </a:r>
-              <a:r>
-                <a:rPr lang="en-AU" sz="1600" dirty="0">
-                  <a:solidFill>
-                    <a:schemeClr val="bg1">
-                      <a:lumMod val="65000"/>
-                    </a:schemeClr>
-                  </a:solidFill>
-                </a:rPr>
-                <a:t>;</a:t>
-              </a:r>
-            </a:p>
-            <a:p>
-              <a:pPr marL="342900" indent="-342900" rtl="0">
-                <a:buFont typeface="+mj-lt"/>
-                <a:buAutoNum type="arabicPeriod"/>
-              </a:pPr>
-              <a:r>
-                <a:rPr lang="en-AU" sz="1600" dirty="0">
-                  <a:solidFill>
-                    <a:schemeClr val="bg1">
-                      <a:lumMod val="65000"/>
-                    </a:schemeClr>
-                  </a:solidFill>
-                </a:rPr>
-                <a:t>using static </a:t>
-              </a:r>
-              <a:r>
-                <a:rPr lang="en-AU" sz="1600" dirty="0" err="1">
-                  <a:solidFill>
-                    <a:schemeClr val="bg1">
-                      <a:lumMod val="65000"/>
-                    </a:schemeClr>
-                  </a:solidFill>
-                </a:rPr>
-                <a:t>System.Convert</a:t>
-              </a:r>
-              <a:r>
-                <a:rPr lang="en-AU" sz="1600" dirty="0">
-                  <a:solidFill>
-                    <a:schemeClr val="bg1">
-                      <a:lumMod val="65000"/>
-                    </a:schemeClr>
-                  </a:solidFill>
-                </a:rPr>
-                <a:t>;</a:t>
+                <a:t>string again;</a:t>
               </a:r>
               <a:br>
                 <a:rPr lang="en-AU" sz="1600" dirty="0">
@@ -8403,22 +8288,6 @@
                   </a:schemeClr>
                 </a:solidFill>
               </a:endParaRPr>
-            </a:p>
-            <a:p>
-              <a:pPr marL="342900" indent="-342900" rtl="0">
-                <a:buFont typeface="+mj-lt"/>
-                <a:buAutoNum type="arabicPeriod"/>
-              </a:pPr>
-              <a:r>
-                <a:rPr lang="en-AU" sz="1600" dirty="0">
-                  <a:solidFill>
-                    <a:schemeClr val="bg1">
-                      <a:lumMod val="65000"/>
-                    </a:schemeClr>
-                  </a:solidFill>
-                </a:rPr>
-                <a:t>string again;</a:t>
-              </a:r>
             </a:p>
             <a:p>
               <a:pPr marL="342900" indent="-342900" rtl="0">
@@ -8452,13 +8321,7 @@
                 <a:buAutoNum type="arabicPeriod"/>
               </a:pPr>
               <a:r>
-                <a:rPr lang="en-AU" sz="1600" dirty="0">
-                  <a:solidFill>
-                    <a:schemeClr val="bg1">
-                      <a:lumMod val="65000"/>
-                    </a:schemeClr>
-                  </a:solidFill>
-                </a:rPr>
+                <a:rPr lang="en-AU" sz="1600" dirty="0"/>
                 <a:t>    WriteLine("Hello");</a:t>
               </a:r>
             </a:p>
@@ -8468,13 +8331,7 @@
                 <a:buAutoNum type="arabicPeriod"/>
               </a:pPr>
               <a:r>
-                <a:rPr lang="en-AU" sz="1600" dirty="0">
-                  <a:solidFill>
-                    <a:schemeClr val="bg1">
-                      <a:lumMod val="65000"/>
-                    </a:schemeClr>
-                  </a:solidFill>
-                </a:rPr>
+                <a:rPr lang="en-AU" sz="1600" dirty="0"/>
                 <a:t>    Write("Again: ");</a:t>
               </a:r>
             </a:p>
@@ -8484,33 +8341,15 @@
                 <a:buAutoNum type="arabicPeriod"/>
               </a:pPr>
               <a:r>
-                <a:rPr lang="en-AU" sz="1600" dirty="0">
-                  <a:solidFill>
-                    <a:schemeClr val="bg1">
-                      <a:lumMod val="65000"/>
-                    </a:schemeClr>
-                  </a:solidFill>
-                </a:rPr>
+                <a:rPr lang="en-AU" sz="1600" dirty="0"/>
                 <a:t>     again = </a:t>
               </a:r>
               <a:r>
-                <a:rPr lang="en-AU" sz="1600" dirty="0" err="1">
-                  <a:solidFill>
-                    <a:schemeClr val="bg1">
-                      <a:lumMod val="65000"/>
-                    </a:schemeClr>
-                  </a:solidFill>
-                </a:rPr>
+                <a:rPr lang="en-AU" sz="1600" dirty="0" err="1"/>
                 <a:t>ReadLine</a:t>
               </a:r>
               <a:r>
-                <a:rPr lang="en-AU" sz="1600" dirty="0">
-                  <a:solidFill>
-                    <a:schemeClr val="bg1">
-                      <a:lumMod val="65000"/>
-                    </a:schemeClr>
-                  </a:solidFill>
-                </a:rPr>
+                <a:rPr lang="en-AU" sz="1600" dirty="0"/>
                 <a:t>();</a:t>
               </a:r>
             </a:p>
@@ -8529,10 +8368,38 @@
                 </a:rPr>
                 <a:t>} (again == "y” || again == ”Y”);</a:t>
               </a:r>
+              <a:br>
+                <a:rPr lang="en-AU" sz="1600" dirty="0">
+                  <a:solidFill>
+                    <a:schemeClr val="bg1">
+                      <a:lumMod val="65000"/>
+                    </a:schemeClr>
+                  </a:solidFill>
+                </a:rPr>
+              </a:br>
+              <a:endParaRPr lang="en-AU" sz="1600" dirty="0">
+                <a:solidFill>
+                  <a:schemeClr val="bg1">
+                    <a:lumMod val="65000"/>
+                  </a:schemeClr>
+                </a:solidFill>
+              </a:endParaRPr>
             </a:p>
             <a:p>
-              <a:pPr rtl="0"/>
-              <a:endParaRPr lang="en-AU" sz="1600" dirty="0"/>
+              <a:pPr marL="342900" indent="-342900" rtl="0">
+                <a:buFont typeface="+mj-lt"/>
+                <a:buAutoNum type="arabicPeriod"/>
+              </a:pPr>
+              <a:r>
+                <a:rPr lang="en-AU" sz="1600" dirty="0">
+                  <a:solidFill>
+                    <a:schemeClr val="bg1">
+                      <a:lumMod val="65000"/>
+                    </a:schemeClr>
+                  </a:solidFill>
+                </a:rPr>
+                <a:t>WriteLine("Bye…");</a:t>
+              </a:r>
             </a:p>
           </p:txBody>
         </p:sp>
@@ -9596,2624 +9463,6 @@
               <a:noFill/>
               <a:ln w="25400">
                 <a:solidFill>
-                  <a:schemeClr val="bg1">
-                    <a:lumMod val="65000"/>
-                  </a:schemeClr>
-                </a:solidFill>
-                <a:extLst>
-                  <a:ext uri="{C807C97D-BFC1-408E-A445-0C87EB9F89A2}">
-                    <ask:lineSketchStyleProps xmlns:ask="http://schemas.microsoft.com/office/drawing/2018/sketchyshapes" sd="1219033472">
-                      <a:prstGeom prst="rect">
-                        <a:avLst/>
-                      </a:prstGeom>
-                      <ask:type>
-                        <ask:lineSketchFreehand/>
-                      </ask:type>
-                    </ask:lineSketchStyleProps>
-                  </a:ext>
-                </a:extLst>
-              </a:ln>
-            </p:spPr>
-            <p:style>
-              <a:lnRef idx="2">
-                <a:schemeClr val="accent1">
-                  <a:shade val="15000"/>
-                </a:schemeClr>
-              </a:lnRef>
-              <a:fillRef idx="1">
-                <a:schemeClr val="accent1"/>
-              </a:fillRef>
-              <a:effectRef idx="0">
-                <a:schemeClr val="accent1"/>
-              </a:effectRef>
-              <a:fontRef idx="minor">
-                <a:schemeClr val="lt1"/>
-              </a:fontRef>
-            </p:style>
-            <p:txBody>
-              <a:bodyPr rtlCol="0" anchor="ctr"/>
-              <a:lstStyle/>
-              <a:p>
-                <a:pPr algn="ctr"/>
-                <a:endParaRPr lang="en-US" sz="2229"/>
-              </a:p>
-            </p:txBody>
-          </p:sp>
-          <p:cxnSp>
-            <p:nvCxnSpPr>
-              <p:cNvPr id="26" name="Straight Connector 25">
-                <a:extLst>
-                  <a:ext uri="{FF2B5EF4-FFF2-40B4-BE49-F238E27FC236}">
-                    <a16:creationId xmlns:a16="http://schemas.microsoft.com/office/drawing/2014/main" id="{D66AC27D-B429-2C64-1CB1-4E16FBF1C232}"/>
-                  </a:ext>
-                </a:extLst>
-              </p:cNvPr>
-              <p:cNvCxnSpPr>
-                <a:cxnSpLocks/>
-              </p:cNvCxnSpPr>
-              <p:nvPr/>
-            </p:nvCxnSpPr>
-            <p:spPr>
-              <a:xfrm flipH="1">
-                <a:off x="4993885" y="4799489"/>
-                <a:ext cx="6705679" cy="17685"/>
-              </a:xfrm>
-              <a:prstGeom prst="line">
-                <a:avLst/>
-              </a:prstGeom>
-              <a:ln w="25400">
-                <a:solidFill>
-                  <a:schemeClr val="bg1">
-                    <a:lumMod val="65000"/>
-                  </a:schemeClr>
-                </a:solidFill>
-              </a:ln>
-            </p:spPr>
-            <p:style>
-              <a:lnRef idx="1">
-                <a:schemeClr val="accent1"/>
-              </a:lnRef>
-              <a:fillRef idx="0">
-                <a:schemeClr val="accent1"/>
-              </a:fillRef>
-              <a:effectRef idx="0">
-                <a:schemeClr val="accent1"/>
-              </a:effectRef>
-              <a:fontRef idx="minor">
-                <a:schemeClr val="tx1"/>
-              </a:fontRef>
-            </p:style>
-          </p:cxnSp>
-          <p:sp>
-            <p:nvSpPr>
-              <p:cNvPr id="31" name="TextBox 30">
-                <a:extLst>
-                  <a:ext uri="{FF2B5EF4-FFF2-40B4-BE49-F238E27FC236}">
-                    <a16:creationId xmlns:a16="http://schemas.microsoft.com/office/drawing/2014/main" id="{A3B4A587-7240-6AD2-F254-3221EEE6D709}"/>
-                  </a:ext>
-                </a:extLst>
-              </p:cNvPr>
-              <p:cNvSpPr txBox="1"/>
-              <p:nvPr/>
-            </p:nvSpPr>
-            <p:spPr>
-              <a:xfrm>
-                <a:off x="5830910" y="4429523"/>
-                <a:ext cx="1689764" cy="452075"/>
-              </a:xfrm>
-              <a:prstGeom prst="rect">
-                <a:avLst/>
-              </a:prstGeom>
-              <a:noFill/>
-            </p:spPr>
-            <p:txBody>
-              <a:bodyPr wrap="none" rtlCol="0">
-                <a:spAutoFit/>
-              </a:bodyPr>
-              <a:lstStyle/>
-              <a:p>
-                <a:r>
-                  <a:rPr lang="en-US" dirty="0">
-                    <a:solidFill>
-                      <a:schemeClr val="bg1">
-                        <a:lumMod val="65000"/>
-                      </a:schemeClr>
-                    </a:solidFill>
-                    <a:latin typeface="Gaegu" pitchFamily="2" charset="0"/>
-                  </a:rPr>
-                  <a:t>Terminal</a:t>
-                </a:r>
-              </a:p>
-            </p:txBody>
-          </p:sp>
-          <p:cxnSp>
-            <p:nvCxnSpPr>
-              <p:cNvPr id="109" name="Straight Connector 108">
-                <a:extLst>
-                  <a:ext uri="{FF2B5EF4-FFF2-40B4-BE49-F238E27FC236}">
-                    <a16:creationId xmlns:a16="http://schemas.microsoft.com/office/drawing/2014/main" id="{66A45FBB-357A-5752-2DFB-F3411E54BCC4}"/>
-                  </a:ext>
-                </a:extLst>
-              </p:cNvPr>
-              <p:cNvCxnSpPr>
-                <a:cxnSpLocks/>
-              </p:cNvCxnSpPr>
-              <p:nvPr/>
-            </p:nvCxnSpPr>
-            <p:spPr>
-              <a:xfrm flipV="1">
-                <a:off x="5227292" y="4911143"/>
-                <a:ext cx="0" cy="190856"/>
-              </a:xfrm>
-              <a:prstGeom prst="line">
-                <a:avLst/>
-              </a:prstGeom>
-              <a:ln w="25400">
-                <a:solidFill>
-                  <a:schemeClr val="bg1">
-                    <a:lumMod val="65000"/>
-                  </a:schemeClr>
-                </a:solidFill>
-              </a:ln>
-            </p:spPr>
-            <p:style>
-              <a:lnRef idx="1">
-                <a:schemeClr val="accent1"/>
-              </a:lnRef>
-              <a:fillRef idx="0">
-                <a:schemeClr val="accent1"/>
-              </a:fillRef>
-              <a:effectRef idx="0">
-                <a:schemeClr val="accent1"/>
-              </a:effectRef>
-              <a:fontRef idx="minor">
-                <a:schemeClr val="tx1"/>
-              </a:fontRef>
-            </p:style>
-          </p:cxnSp>
-        </p:grpSp>
-        <p:sp>
-          <p:nvSpPr>
-            <p:cNvPr id="58" name="Rectangle 57">
-              <a:extLst>
-                <a:ext uri="{FF2B5EF4-FFF2-40B4-BE49-F238E27FC236}">
-                  <a16:creationId xmlns:a16="http://schemas.microsoft.com/office/drawing/2014/main" id="{185C1771-9148-68B9-A280-04E3AC16818D}"/>
-                </a:ext>
-              </a:extLst>
-            </p:cNvPr>
-            <p:cNvSpPr/>
-            <p:nvPr/>
-          </p:nvSpPr>
-          <p:spPr>
-            <a:xfrm>
-              <a:off x="1949880" y="721827"/>
-              <a:ext cx="286544" cy="35418"/>
-            </a:xfrm>
-            <a:prstGeom prst="rect">
-              <a:avLst/>
-            </a:prstGeom>
-            <a:noFill/>
-            <a:ln>
-              <a:noFill/>
-            </a:ln>
-          </p:spPr>
-          <p:style>
-            <a:lnRef idx="2">
-              <a:schemeClr val="accent1">
-                <a:shade val="15000"/>
-              </a:schemeClr>
-            </a:lnRef>
-            <a:fillRef idx="1">
-              <a:schemeClr val="accent1"/>
-            </a:fillRef>
-            <a:effectRef idx="0">
-              <a:schemeClr val="accent1"/>
-            </a:effectRef>
-            <a:fontRef idx="minor">
-              <a:schemeClr val="lt1"/>
-            </a:fontRef>
-          </p:style>
-          <p:txBody>
-            <a:bodyPr rtlCol="0" anchor="ctr"/>
-            <a:lstStyle/>
-            <a:p>
-              <a:pPr algn="ctr"/>
-              <a:endParaRPr lang="en-US"/>
-            </a:p>
-          </p:txBody>
-        </p:sp>
-        <p:grpSp>
-          <p:nvGrpSpPr>
-            <p:cNvPr id="14" name="Group 13">
-              <a:extLst>
-                <a:ext uri="{FF2B5EF4-FFF2-40B4-BE49-F238E27FC236}">
-                  <a16:creationId xmlns:a16="http://schemas.microsoft.com/office/drawing/2014/main" id="{CF99B1D7-71EB-E496-288D-D8E0582D3C14}"/>
-                </a:ext>
-              </a:extLst>
-            </p:cNvPr>
-            <p:cNvGrpSpPr/>
-            <p:nvPr/>
-          </p:nvGrpSpPr>
-          <p:grpSpPr>
-            <a:xfrm>
-              <a:off x="540489" y="274648"/>
-              <a:ext cx="1721392" cy="523220"/>
-              <a:chOff x="-130005" y="3475016"/>
-              <a:chExt cx="1721392" cy="523221"/>
-            </a:xfrm>
-          </p:grpSpPr>
-          <p:sp>
-            <p:nvSpPr>
-              <p:cNvPr id="15" name="TextBox 14">
-                <a:extLst>
-                  <a:ext uri="{FF2B5EF4-FFF2-40B4-BE49-F238E27FC236}">
-                    <a16:creationId xmlns:a16="http://schemas.microsoft.com/office/drawing/2014/main" id="{1F26C3E5-5F49-EEF2-7A70-013C462FCF7D}"/>
-                  </a:ext>
-                </a:extLst>
-              </p:cNvPr>
-              <p:cNvSpPr txBox="1"/>
-              <p:nvPr/>
-            </p:nvSpPr>
-            <p:spPr>
-              <a:xfrm>
-                <a:off x="-130005" y="3475016"/>
-                <a:ext cx="788999" cy="523221"/>
-              </a:xfrm>
-              <a:prstGeom prst="rect">
-                <a:avLst/>
-              </a:prstGeom>
-              <a:noFill/>
-            </p:spPr>
-            <p:txBody>
-              <a:bodyPr wrap="none" rtlCol="0">
-                <a:spAutoFit/>
-              </a:bodyPr>
-              <a:lstStyle/>
-              <a:p>
-                <a:r>
-                  <a:rPr lang="en-US" sz="1400" dirty="0"/>
-                  <a:t>Program</a:t>
-                </a:r>
-              </a:p>
-              <a:p>
-                <a:r>
-                  <a:rPr lang="en-US" sz="1400" dirty="0"/>
-                  <a:t>Counter</a:t>
-                </a:r>
-              </a:p>
-            </p:txBody>
-          </p:sp>
-          <p:sp>
-            <p:nvSpPr>
-              <p:cNvPr id="17" name="Rectangle 16">
-                <a:extLst>
-                  <a:ext uri="{FF2B5EF4-FFF2-40B4-BE49-F238E27FC236}">
-                    <a16:creationId xmlns:a16="http://schemas.microsoft.com/office/drawing/2014/main" id="{EB0EE411-0245-D51A-35B4-5FF329DF6E34}"/>
-                  </a:ext>
-                </a:extLst>
-              </p:cNvPr>
-              <p:cNvSpPr/>
-              <p:nvPr/>
-            </p:nvSpPr>
-            <p:spPr>
-              <a:xfrm>
-                <a:off x="737093" y="3620838"/>
-                <a:ext cx="854294" cy="307777"/>
-              </a:xfrm>
-              <a:custGeom>
-                <a:avLst/>
-                <a:gdLst>
-                  <a:gd name="connsiteX0" fmla="*/ 0 w 854294"/>
-                  <a:gd name="connsiteY0" fmla="*/ 0 h 307777"/>
-                  <a:gd name="connsiteX1" fmla="*/ 418604 w 854294"/>
-                  <a:gd name="connsiteY1" fmla="*/ 0 h 307777"/>
-                  <a:gd name="connsiteX2" fmla="*/ 854294 w 854294"/>
-                  <a:gd name="connsiteY2" fmla="*/ 0 h 307777"/>
-                  <a:gd name="connsiteX3" fmla="*/ 854294 w 854294"/>
-                  <a:gd name="connsiteY3" fmla="*/ 307777 h 307777"/>
-                  <a:gd name="connsiteX4" fmla="*/ 427147 w 854294"/>
-                  <a:gd name="connsiteY4" fmla="*/ 307777 h 307777"/>
-                  <a:gd name="connsiteX5" fmla="*/ 0 w 854294"/>
-                  <a:gd name="connsiteY5" fmla="*/ 307777 h 307777"/>
-                  <a:gd name="connsiteX6" fmla="*/ 0 w 854294"/>
-                  <a:gd name="connsiteY6" fmla="*/ 0 h 307777"/>
-                </a:gdLst>
-                <a:ahLst/>
-                <a:cxnLst>
-                  <a:cxn ang="0">
-                    <a:pos x="connsiteX0" y="connsiteY0"/>
-                  </a:cxn>
-                  <a:cxn ang="0">
-                    <a:pos x="connsiteX1" y="connsiteY1"/>
-                  </a:cxn>
-                  <a:cxn ang="0">
-                    <a:pos x="connsiteX2" y="connsiteY2"/>
-                  </a:cxn>
-                  <a:cxn ang="0">
-                    <a:pos x="connsiteX3" y="connsiteY3"/>
-                  </a:cxn>
-                  <a:cxn ang="0">
-                    <a:pos x="connsiteX4" y="connsiteY4"/>
-                  </a:cxn>
-                  <a:cxn ang="0">
-                    <a:pos x="connsiteX5" y="connsiteY5"/>
-                  </a:cxn>
-                  <a:cxn ang="0">
-                    <a:pos x="connsiteX6" y="connsiteY6"/>
-                  </a:cxn>
-                </a:cxnLst>
-                <a:rect l="l" t="t" r="r" b="b"/>
-                <a:pathLst>
-                  <a:path w="854294" h="307777" extrusionOk="0">
-                    <a:moveTo>
-                      <a:pt x="0" y="0"/>
-                    </a:moveTo>
-                    <a:cubicBezTo>
-                      <a:pt x="173209" y="4046"/>
-                      <a:pt x="303085" y="10214"/>
-                      <a:pt x="418604" y="0"/>
-                    </a:cubicBezTo>
-                    <a:cubicBezTo>
-                      <a:pt x="534123" y="-10214"/>
-                      <a:pt x="722488" y="-9036"/>
-                      <a:pt x="854294" y="0"/>
-                    </a:cubicBezTo>
-                    <a:cubicBezTo>
-                      <a:pt x="843460" y="62246"/>
-                      <a:pt x="843276" y="219189"/>
-                      <a:pt x="854294" y="307777"/>
-                    </a:cubicBezTo>
-                    <a:cubicBezTo>
-                      <a:pt x="762963" y="302806"/>
-                      <a:pt x="592541" y="323160"/>
-                      <a:pt x="427147" y="307777"/>
-                    </a:cubicBezTo>
-                    <a:cubicBezTo>
-                      <a:pt x="261753" y="292394"/>
-                      <a:pt x="133192" y="320592"/>
-                      <a:pt x="0" y="307777"/>
-                    </a:cubicBezTo>
-                    <a:cubicBezTo>
-                      <a:pt x="9866" y="171271"/>
-                      <a:pt x="-8953" y="65853"/>
-                      <a:pt x="0" y="0"/>
-                    </a:cubicBezTo>
-                    <a:close/>
-                  </a:path>
-                </a:pathLst>
-              </a:custGeom>
-              <a:noFill/>
-              <a:ln w="25400">
-                <a:solidFill>
-                  <a:schemeClr val="tx1"/>
-                </a:solidFill>
-                <a:extLst>
-                  <a:ext uri="{C807C97D-BFC1-408E-A445-0C87EB9F89A2}">
-                    <ask:lineSketchStyleProps xmlns:ask="http://schemas.microsoft.com/office/drawing/2018/sketchyshapes" sd="1219033472">
-                      <a:prstGeom prst="rect">
-                        <a:avLst/>
-                      </a:prstGeom>
-                      <ask:type>
-                        <ask:lineSketchFreehand/>
-                      </ask:type>
-                    </ask:lineSketchStyleProps>
-                  </a:ext>
-                </a:extLst>
-              </a:ln>
-            </p:spPr>
-            <p:style>
-              <a:lnRef idx="2">
-                <a:schemeClr val="accent1">
-                  <a:shade val="15000"/>
-                </a:schemeClr>
-              </a:lnRef>
-              <a:fillRef idx="1">
-                <a:schemeClr val="accent1"/>
-              </a:fillRef>
-              <a:effectRef idx="0">
-                <a:schemeClr val="accent1"/>
-              </a:effectRef>
-              <a:fontRef idx="minor">
-                <a:schemeClr val="lt1"/>
-              </a:fontRef>
-            </p:style>
-            <p:txBody>
-              <a:bodyPr rtlCol="0" anchor="ctr"/>
-              <a:lstStyle/>
-              <a:p>
-                <a:pPr algn="ctr"/>
-                <a:endParaRPr lang="en-US">
-                  <a:solidFill>
-                    <a:schemeClr val="tx1"/>
-                  </a:solidFill>
-                </a:endParaRPr>
-              </a:p>
-            </p:txBody>
-          </p:sp>
-        </p:grpSp>
-        <p:sp>
-          <p:nvSpPr>
-            <p:cNvPr id="19" name="TextBox 18">
-              <a:extLst>
-                <a:ext uri="{FF2B5EF4-FFF2-40B4-BE49-F238E27FC236}">
-                  <a16:creationId xmlns:a16="http://schemas.microsoft.com/office/drawing/2014/main" id="{8256C8B2-FAA4-4876-FCF6-6BCE539AF519}"/>
-                </a:ext>
-              </a:extLst>
-            </p:cNvPr>
-            <p:cNvSpPr txBox="1"/>
-            <p:nvPr/>
-          </p:nvSpPr>
-          <p:spPr>
-            <a:xfrm>
-              <a:off x="1387767" y="385491"/>
-              <a:ext cx="854294" cy="369332"/>
-            </a:xfrm>
-            <a:prstGeom prst="rect">
-              <a:avLst/>
-            </a:prstGeom>
-            <a:noFill/>
-          </p:spPr>
-          <p:txBody>
-            <a:bodyPr wrap="square" rtlCol="0">
-              <a:spAutoFit/>
-            </a:bodyPr>
-            <a:lstStyle/>
-            <a:p>
-              <a:pPr algn="ctr"/>
-              <a:r>
-                <a:rPr lang="en-US" dirty="0"/>
-                <a:t>5</a:t>
-              </a:r>
-            </a:p>
-          </p:txBody>
-        </p:sp>
-        <p:grpSp>
-          <p:nvGrpSpPr>
-            <p:cNvPr id="4" name="Group 3">
-              <a:extLst>
-                <a:ext uri="{FF2B5EF4-FFF2-40B4-BE49-F238E27FC236}">
-                  <a16:creationId xmlns:a16="http://schemas.microsoft.com/office/drawing/2014/main" id="{EDBBF7B3-5291-3612-28CC-E30BFC7C494F}"/>
-                </a:ext>
-              </a:extLst>
-            </p:cNvPr>
-            <p:cNvGrpSpPr/>
-            <p:nvPr/>
-          </p:nvGrpSpPr>
-          <p:grpSpPr>
-            <a:xfrm>
-              <a:off x="297435" y="-800115"/>
-              <a:ext cx="1503543" cy="671651"/>
-              <a:chOff x="515794" y="3612564"/>
-              <a:chExt cx="1748764" cy="671651"/>
-            </a:xfrm>
-          </p:grpSpPr>
-          <p:sp>
-            <p:nvSpPr>
-              <p:cNvPr id="7" name="TextBox 6">
-                <a:extLst>
-                  <a:ext uri="{FF2B5EF4-FFF2-40B4-BE49-F238E27FC236}">
-                    <a16:creationId xmlns:a16="http://schemas.microsoft.com/office/drawing/2014/main" id="{1DFFEA24-10B8-A617-947D-C29E5AB26B71}"/>
-                  </a:ext>
-                </a:extLst>
-              </p:cNvPr>
-              <p:cNvSpPr txBox="1"/>
-              <p:nvPr/>
-            </p:nvSpPr>
-            <p:spPr>
-              <a:xfrm>
-                <a:off x="515794" y="3612564"/>
-                <a:ext cx="797088" cy="369332"/>
-              </a:xfrm>
-              <a:prstGeom prst="rect">
-                <a:avLst/>
-              </a:prstGeom>
-              <a:noFill/>
-            </p:spPr>
-            <p:txBody>
-              <a:bodyPr wrap="none" rtlCol="0">
-                <a:spAutoFit/>
-              </a:bodyPr>
-              <a:lstStyle/>
-              <a:p>
-                <a:r>
-                  <a:rPr lang="en-US" dirty="0">
-                    <a:solidFill>
-                      <a:schemeClr val="bg1">
-                        <a:lumMod val="65000"/>
-                      </a:schemeClr>
-                    </a:solidFill>
-                  </a:rPr>
-                  <a:t>again</a:t>
-                </a:r>
-              </a:p>
-            </p:txBody>
-          </p:sp>
-          <p:sp>
-            <p:nvSpPr>
-              <p:cNvPr id="8" name="Rectangle 7">
-                <a:extLst>
-                  <a:ext uri="{FF2B5EF4-FFF2-40B4-BE49-F238E27FC236}">
-                    <a16:creationId xmlns:a16="http://schemas.microsoft.com/office/drawing/2014/main" id="{DF244664-7F2F-C0CD-7388-F7D8C585C4CA}"/>
-                  </a:ext>
-                </a:extLst>
-              </p:cNvPr>
-              <p:cNvSpPr/>
-              <p:nvPr/>
-            </p:nvSpPr>
-            <p:spPr>
-              <a:xfrm>
-                <a:off x="577150" y="3976438"/>
-                <a:ext cx="1687408" cy="307777"/>
-              </a:xfrm>
-              <a:custGeom>
-                <a:avLst/>
-                <a:gdLst>
-                  <a:gd name="connsiteX0" fmla="*/ 0 w 1687408"/>
-                  <a:gd name="connsiteY0" fmla="*/ 0 h 307777"/>
-                  <a:gd name="connsiteX1" fmla="*/ 545595 w 1687408"/>
-                  <a:gd name="connsiteY1" fmla="*/ 0 h 307777"/>
-                  <a:gd name="connsiteX2" fmla="*/ 1057442 w 1687408"/>
-                  <a:gd name="connsiteY2" fmla="*/ 0 h 307777"/>
-                  <a:gd name="connsiteX3" fmla="*/ 1687408 w 1687408"/>
-                  <a:gd name="connsiteY3" fmla="*/ 0 h 307777"/>
-                  <a:gd name="connsiteX4" fmla="*/ 1687408 w 1687408"/>
-                  <a:gd name="connsiteY4" fmla="*/ 307777 h 307777"/>
-                  <a:gd name="connsiteX5" fmla="*/ 1158687 w 1687408"/>
-                  <a:gd name="connsiteY5" fmla="*/ 307777 h 307777"/>
-                  <a:gd name="connsiteX6" fmla="*/ 562469 w 1687408"/>
-                  <a:gd name="connsiteY6" fmla="*/ 307777 h 307777"/>
-                  <a:gd name="connsiteX7" fmla="*/ 0 w 1687408"/>
-                  <a:gd name="connsiteY7" fmla="*/ 307777 h 307777"/>
-                  <a:gd name="connsiteX8" fmla="*/ 0 w 1687408"/>
-                  <a:gd name="connsiteY8" fmla="*/ 0 h 307777"/>
-                </a:gdLst>
-                <a:ahLst/>
-                <a:cxnLst>
-                  <a:cxn ang="0">
-                    <a:pos x="connsiteX0" y="connsiteY0"/>
-                  </a:cxn>
-                  <a:cxn ang="0">
-                    <a:pos x="connsiteX1" y="connsiteY1"/>
-                  </a:cxn>
-                  <a:cxn ang="0">
-                    <a:pos x="connsiteX2" y="connsiteY2"/>
-                  </a:cxn>
-                  <a:cxn ang="0">
-                    <a:pos x="connsiteX3" y="connsiteY3"/>
-                  </a:cxn>
-                  <a:cxn ang="0">
-                    <a:pos x="connsiteX4" y="connsiteY4"/>
-                  </a:cxn>
-                  <a:cxn ang="0">
-                    <a:pos x="connsiteX5" y="connsiteY5"/>
-                  </a:cxn>
-                  <a:cxn ang="0">
-                    <a:pos x="connsiteX6" y="connsiteY6"/>
-                  </a:cxn>
-                  <a:cxn ang="0">
-                    <a:pos x="connsiteX7" y="connsiteY7"/>
-                  </a:cxn>
-                  <a:cxn ang="0">
-                    <a:pos x="connsiteX8" y="connsiteY8"/>
-                  </a:cxn>
-                </a:cxnLst>
-                <a:rect l="l" t="t" r="r" b="b"/>
-                <a:pathLst>
-                  <a:path w="1687408" h="307777" extrusionOk="0">
-                    <a:moveTo>
-                      <a:pt x="0" y="0"/>
-                    </a:moveTo>
-                    <a:cubicBezTo>
-                      <a:pt x="128936" y="6660"/>
-                      <a:pt x="319593" y="-22133"/>
-                      <a:pt x="545595" y="0"/>
-                    </a:cubicBezTo>
-                    <a:cubicBezTo>
-                      <a:pt x="771597" y="22133"/>
-                      <a:pt x="809002" y="-23071"/>
-                      <a:pt x="1057442" y="0"/>
-                    </a:cubicBezTo>
-                    <a:cubicBezTo>
-                      <a:pt x="1305882" y="23071"/>
-                      <a:pt x="1451336" y="-20848"/>
-                      <a:pt x="1687408" y="0"/>
-                    </a:cubicBezTo>
-                    <a:cubicBezTo>
-                      <a:pt x="1692846" y="133970"/>
-                      <a:pt x="1683251" y="197125"/>
-                      <a:pt x="1687408" y="307777"/>
-                    </a:cubicBezTo>
-                    <a:cubicBezTo>
-                      <a:pt x="1482592" y="292155"/>
-                      <a:pt x="1308745" y="293224"/>
-                      <a:pt x="1158687" y="307777"/>
-                    </a:cubicBezTo>
-                    <a:cubicBezTo>
-                      <a:pt x="1008629" y="322330"/>
-                      <a:pt x="799311" y="298125"/>
-                      <a:pt x="562469" y="307777"/>
-                    </a:cubicBezTo>
-                    <a:cubicBezTo>
-                      <a:pt x="325627" y="317429"/>
-                      <a:pt x="126178" y="279914"/>
-                      <a:pt x="0" y="307777"/>
-                    </a:cubicBezTo>
-                    <a:cubicBezTo>
-                      <a:pt x="-6096" y="178844"/>
-                      <a:pt x="1978" y="79401"/>
-                      <a:pt x="0" y="0"/>
-                    </a:cubicBezTo>
-                    <a:close/>
-                  </a:path>
-                </a:pathLst>
-              </a:custGeom>
-              <a:noFill/>
-              <a:ln w="25400">
-                <a:solidFill>
-                  <a:schemeClr val="bg1">
-                    <a:lumMod val="65000"/>
-                  </a:schemeClr>
-                </a:solidFill>
-                <a:extLst>
-                  <a:ext uri="{C807C97D-BFC1-408E-A445-0C87EB9F89A2}">
-                    <ask:lineSketchStyleProps xmlns:ask="http://schemas.microsoft.com/office/drawing/2018/sketchyshapes" sd="1219033472">
-                      <a:prstGeom prst="rect">
-                        <a:avLst/>
-                      </a:prstGeom>
-                      <ask:type>
-                        <ask:lineSketchFreehand/>
-                      </ask:type>
-                    </ask:lineSketchStyleProps>
-                  </a:ext>
-                </a:extLst>
-              </a:ln>
-            </p:spPr>
-            <p:style>
-              <a:lnRef idx="2">
-                <a:schemeClr val="accent1">
-                  <a:shade val="15000"/>
-                </a:schemeClr>
-              </a:lnRef>
-              <a:fillRef idx="1">
-                <a:schemeClr val="accent1"/>
-              </a:fillRef>
-              <a:effectRef idx="0">
-                <a:schemeClr val="accent1"/>
-              </a:effectRef>
-              <a:fontRef idx="minor">
-                <a:schemeClr val="lt1"/>
-              </a:fontRef>
-            </p:style>
-            <p:txBody>
-              <a:bodyPr rtlCol="0" anchor="ctr"/>
-              <a:lstStyle/>
-              <a:p>
-                <a:pPr algn="ctr"/>
-                <a:endParaRPr lang="en-US"/>
-              </a:p>
-            </p:txBody>
-          </p:sp>
-        </p:grpSp>
-        <p:sp>
-          <p:nvSpPr>
-            <p:cNvPr id="38" name="Rectangle 37">
-              <a:extLst>
-                <a:ext uri="{FF2B5EF4-FFF2-40B4-BE49-F238E27FC236}">
-                  <a16:creationId xmlns:a16="http://schemas.microsoft.com/office/drawing/2014/main" id="{A6064B66-0AE2-BB50-3D9F-9AC965129215}"/>
-                </a:ext>
-              </a:extLst>
-            </p:cNvPr>
-            <p:cNvSpPr/>
-            <p:nvPr/>
-          </p:nvSpPr>
-          <p:spPr>
-            <a:xfrm>
-              <a:off x="243333" y="251717"/>
-              <a:ext cx="3005859" cy="1461786"/>
-            </a:xfrm>
-            <a:custGeom>
-              <a:avLst/>
-              <a:gdLst>
-                <a:gd name="connsiteX0" fmla="*/ 0 w 3005859"/>
-                <a:gd name="connsiteY0" fmla="*/ 0 h 1461786"/>
-                <a:gd name="connsiteX1" fmla="*/ 571113 w 3005859"/>
-                <a:gd name="connsiteY1" fmla="*/ 0 h 1461786"/>
-                <a:gd name="connsiteX2" fmla="*/ 1082109 w 3005859"/>
-                <a:gd name="connsiteY2" fmla="*/ 0 h 1461786"/>
-                <a:gd name="connsiteX3" fmla="*/ 1743398 w 3005859"/>
-                <a:gd name="connsiteY3" fmla="*/ 0 h 1461786"/>
-                <a:gd name="connsiteX4" fmla="*/ 2314511 w 3005859"/>
-                <a:gd name="connsiteY4" fmla="*/ 0 h 1461786"/>
-                <a:gd name="connsiteX5" fmla="*/ 3005859 w 3005859"/>
-                <a:gd name="connsiteY5" fmla="*/ 0 h 1461786"/>
-                <a:gd name="connsiteX6" fmla="*/ 3005859 w 3005859"/>
-                <a:gd name="connsiteY6" fmla="*/ 516498 h 1461786"/>
-                <a:gd name="connsiteX7" fmla="*/ 3005859 w 3005859"/>
-                <a:gd name="connsiteY7" fmla="*/ 1003760 h 1461786"/>
-                <a:gd name="connsiteX8" fmla="*/ 3005859 w 3005859"/>
-                <a:gd name="connsiteY8" fmla="*/ 1461786 h 1461786"/>
-                <a:gd name="connsiteX9" fmla="*/ 2464804 w 3005859"/>
-                <a:gd name="connsiteY9" fmla="*/ 1461786 h 1461786"/>
-                <a:gd name="connsiteX10" fmla="*/ 1863633 w 3005859"/>
-                <a:gd name="connsiteY10" fmla="*/ 1461786 h 1461786"/>
-                <a:gd name="connsiteX11" fmla="*/ 1262461 w 3005859"/>
-                <a:gd name="connsiteY11" fmla="*/ 1461786 h 1461786"/>
-                <a:gd name="connsiteX12" fmla="*/ 691348 w 3005859"/>
-                <a:gd name="connsiteY12" fmla="*/ 1461786 h 1461786"/>
-                <a:gd name="connsiteX13" fmla="*/ 0 w 3005859"/>
-                <a:gd name="connsiteY13" fmla="*/ 1461786 h 1461786"/>
-                <a:gd name="connsiteX14" fmla="*/ 0 w 3005859"/>
-                <a:gd name="connsiteY14" fmla="*/ 945288 h 1461786"/>
-                <a:gd name="connsiteX15" fmla="*/ 0 w 3005859"/>
-                <a:gd name="connsiteY15" fmla="*/ 428791 h 1461786"/>
-                <a:gd name="connsiteX16" fmla="*/ 0 w 3005859"/>
-                <a:gd name="connsiteY16" fmla="*/ 0 h 1461786"/>
-              </a:gdLst>
-              <a:ahLst/>
-              <a:cxnLst>
-                <a:cxn ang="0">
-                  <a:pos x="connsiteX0" y="connsiteY0"/>
-                </a:cxn>
-                <a:cxn ang="0">
-                  <a:pos x="connsiteX1" y="connsiteY1"/>
-                </a:cxn>
-                <a:cxn ang="0">
-                  <a:pos x="connsiteX2" y="connsiteY2"/>
-                </a:cxn>
-                <a:cxn ang="0">
-                  <a:pos x="connsiteX3" y="connsiteY3"/>
-                </a:cxn>
-                <a:cxn ang="0">
-                  <a:pos x="connsiteX4" y="connsiteY4"/>
-                </a:cxn>
-                <a:cxn ang="0">
-                  <a:pos x="connsiteX5" y="connsiteY5"/>
-                </a:cxn>
-                <a:cxn ang="0">
-                  <a:pos x="connsiteX6" y="connsiteY6"/>
-                </a:cxn>
-                <a:cxn ang="0">
-                  <a:pos x="connsiteX7" y="connsiteY7"/>
-                </a:cxn>
-                <a:cxn ang="0">
-                  <a:pos x="connsiteX8" y="connsiteY8"/>
-                </a:cxn>
-                <a:cxn ang="0">
-                  <a:pos x="connsiteX9" y="connsiteY9"/>
-                </a:cxn>
-                <a:cxn ang="0">
-                  <a:pos x="connsiteX10" y="connsiteY10"/>
-                </a:cxn>
-                <a:cxn ang="0">
-                  <a:pos x="connsiteX11" y="connsiteY11"/>
-                </a:cxn>
-                <a:cxn ang="0">
-                  <a:pos x="connsiteX12" y="connsiteY12"/>
-                </a:cxn>
-                <a:cxn ang="0">
-                  <a:pos x="connsiteX13" y="connsiteY13"/>
-                </a:cxn>
-                <a:cxn ang="0">
-                  <a:pos x="connsiteX14" y="connsiteY14"/>
-                </a:cxn>
-                <a:cxn ang="0">
-                  <a:pos x="connsiteX15" y="connsiteY15"/>
-                </a:cxn>
-                <a:cxn ang="0">
-                  <a:pos x="connsiteX16" y="connsiteY16"/>
-                </a:cxn>
-              </a:cxnLst>
-              <a:rect l="l" t="t" r="r" b="b"/>
-              <a:pathLst>
-                <a:path w="3005859" h="1461786" extrusionOk="0">
-                  <a:moveTo>
-                    <a:pt x="0" y="0"/>
-                  </a:moveTo>
-                  <a:cubicBezTo>
-                    <a:pt x="202126" y="629"/>
-                    <a:pt x="373438" y="-24313"/>
-                    <a:pt x="571113" y="0"/>
-                  </a:cubicBezTo>
-                  <a:cubicBezTo>
-                    <a:pt x="768788" y="24313"/>
-                    <a:pt x="943630" y="5247"/>
-                    <a:pt x="1082109" y="0"/>
-                  </a:cubicBezTo>
-                  <a:cubicBezTo>
-                    <a:pt x="1220588" y="-5247"/>
-                    <a:pt x="1567048" y="1888"/>
-                    <a:pt x="1743398" y="0"/>
-                  </a:cubicBezTo>
-                  <a:cubicBezTo>
-                    <a:pt x="1919748" y="-1888"/>
-                    <a:pt x="2096828" y="-18556"/>
-                    <a:pt x="2314511" y="0"/>
-                  </a:cubicBezTo>
-                  <a:cubicBezTo>
-                    <a:pt x="2532194" y="18556"/>
-                    <a:pt x="2773515" y="-30998"/>
-                    <a:pt x="3005859" y="0"/>
-                  </a:cubicBezTo>
-                  <a:cubicBezTo>
-                    <a:pt x="2987157" y="118191"/>
-                    <a:pt x="3002019" y="391306"/>
-                    <a:pt x="3005859" y="516498"/>
-                  </a:cubicBezTo>
-                  <a:cubicBezTo>
-                    <a:pt x="3009699" y="641690"/>
-                    <a:pt x="3008981" y="877810"/>
-                    <a:pt x="3005859" y="1003760"/>
-                  </a:cubicBezTo>
-                  <a:cubicBezTo>
-                    <a:pt x="3002737" y="1129710"/>
-                    <a:pt x="3025493" y="1335500"/>
-                    <a:pt x="3005859" y="1461786"/>
-                  </a:cubicBezTo>
-                  <a:cubicBezTo>
-                    <a:pt x="2840317" y="1474248"/>
-                    <a:pt x="2604091" y="1467429"/>
-                    <a:pt x="2464804" y="1461786"/>
-                  </a:cubicBezTo>
-                  <a:cubicBezTo>
-                    <a:pt x="2325518" y="1456143"/>
-                    <a:pt x="2096952" y="1457903"/>
-                    <a:pt x="1863633" y="1461786"/>
-                  </a:cubicBezTo>
-                  <a:cubicBezTo>
-                    <a:pt x="1630314" y="1465669"/>
-                    <a:pt x="1483968" y="1445477"/>
-                    <a:pt x="1262461" y="1461786"/>
-                  </a:cubicBezTo>
-                  <a:cubicBezTo>
-                    <a:pt x="1040954" y="1478095"/>
-                    <a:pt x="918307" y="1440121"/>
-                    <a:pt x="691348" y="1461786"/>
-                  </a:cubicBezTo>
-                  <a:cubicBezTo>
-                    <a:pt x="464389" y="1483451"/>
-                    <a:pt x="305996" y="1480305"/>
-                    <a:pt x="0" y="1461786"/>
-                  </a:cubicBezTo>
-                  <a:cubicBezTo>
-                    <a:pt x="-10709" y="1242757"/>
-                    <a:pt x="14520" y="1101216"/>
-                    <a:pt x="0" y="945288"/>
-                  </a:cubicBezTo>
-                  <a:cubicBezTo>
-                    <a:pt x="-14520" y="789360"/>
-                    <a:pt x="-13595" y="604217"/>
-                    <a:pt x="0" y="428791"/>
-                  </a:cubicBezTo>
-                  <a:cubicBezTo>
-                    <a:pt x="13595" y="253365"/>
-                    <a:pt x="-14699" y="160368"/>
-                    <a:pt x="0" y="0"/>
-                  </a:cubicBezTo>
-                  <a:close/>
-                </a:path>
-              </a:pathLst>
-            </a:custGeom>
-            <a:noFill/>
-            <a:ln w="25400">
-              <a:solidFill>
-                <a:schemeClr val="tx1"/>
-              </a:solidFill>
-              <a:extLst>
-                <a:ext uri="{C807C97D-BFC1-408E-A445-0C87EB9F89A2}">
-                  <ask:lineSketchStyleProps xmlns:ask="http://schemas.microsoft.com/office/drawing/2018/sketchyshapes" sd="1219033472">
-                    <a:prstGeom prst="rect">
-                      <a:avLst/>
-                    </a:prstGeom>
-                    <ask:type>
-                      <ask:lineSketchFreehand/>
-                    </ask:type>
-                  </ask:lineSketchStyleProps>
-                </a:ext>
-              </a:extLst>
-            </a:ln>
-          </p:spPr>
-          <p:style>
-            <a:lnRef idx="2">
-              <a:schemeClr val="accent1">
-                <a:shade val="15000"/>
-              </a:schemeClr>
-            </a:lnRef>
-            <a:fillRef idx="1">
-              <a:schemeClr val="accent1"/>
-            </a:fillRef>
-            <a:effectRef idx="0">
-              <a:schemeClr val="accent1"/>
-            </a:effectRef>
-            <a:fontRef idx="minor">
-              <a:schemeClr val="lt1"/>
-            </a:fontRef>
-          </p:style>
-          <p:txBody>
-            <a:bodyPr rtlCol="0" anchor="ctr"/>
-            <a:lstStyle/>
-            <a:p>
-              <a:pPr algn="ctr"/>
-              <a:endParaRPr lang="en-US" sz="2229" dirty="0"/>
-            </a:p>
-          </p:txBody>
-        </p:sp>
-        <p:cxnSp>
-          <p:nvCxnSpPr>
-            <p:cNvPr id="25" name="Curved Connector 24">
-              <a:extLst>
-                <a:ext uri="{FF2B5EF4-FFF2-40B4-BE49-F238E27FC236}">
-                  <a16:creationId xmlns:a16="http://schemas.microsoft.com/office/drawing/2014/main" id="{2205A775-41F0-4D53-8E98-97E335998F58}"/>
-                </a:ext>
-              </a:extLst>
-            </p:cNvPr>
-            <p:cNvCxnSpPr>
-              <a:cxnSpLocks/>
-              <a:stCxn id="19" idx="3"/>
-            </p:cNvCxnSpPr>
-            <p:nvPr/>
-          </p:nvCxnSpPr>
-          <p:spPr>
-            <a:xfrm>
-              <a:off x="2242061" y="570157"/>
-              <a:ext cx="298436" cy="12702"/>
-            </a:xfrm>
-            <a:prstGeom prst="curvedConnector3">
-              <a:avLst>
-                <a:gd name="adj1" fmla="val 50000"/>
-              </a:avLst>
-            </a:prstGeom>
-            <a:ln w="38100">
-              <a:solidFill>
-                <a:schemeClr val="accent2">
-                  <a:lumMod val="75000"/>
-                </a:schemeClr>
-              </a:solidFill>
-              <a:headEnd type="none"/>
-              <a:tailEnd type="arrow"/>
-            </a:ln>
-          </p:spPr>
-          <p:style>
-            <a:lnRef idx="1">
-              <a:schemeClr val="accent1"/>
-            </a:lnRef>
-            <a:fillRef idx="0">
-              <a:schemeClr val="accent1"/>
-            </a:fillRef>
-            <a:effectRef idx="0">
-              <a:schemeClr val="accent1"/>
-            </a:effectRef>
-            <a:fontRef idx="minor">
-              <a:schemeClr val="tx1"/>
-            </a:fontRef>
-          </p:style>
-        </p:cxnSp>
-        <p:sp>
-          <p:nvSpPr>
-            <p:cNvPr id="39" name="TextBox 38">
-              <a:extLst>
-                <a:ext uri="{FF2B5EF4-FFF2-40B4-BE49-F238E27FC236}">
-                  <a16:creationId xmlns:a16="http://schemas.microsoft.com/office/drawing/2014/main" id="{DFFB8246-5005-E1BE-7403-161BAE35F935}"/>
-                </a:ext>
-              </a:extLst>
-            </p:cNvPr>
-            <p:cNvSpPr txBox="1"/>
-            <p:nvPr/>
-          </p:nvSpPr>
-          <p:spPr>
-            <a:xfrm>
-              <a:off x="2492466" y="375300"/>
-              <a:ext cx="298435" cy="369332"/>
-            </a:xfrm>
-            <a:prstGeom prst="rect">
-              <a:avLst/>
-            </a:prstGeom>
-            <a:noFill/>
-          </p:spPr>
-          <p:txBody>
-            <a:bodyPr wrap="square" rtlCol="0">
-              <a:spAutoFit/>
-            </a:bodyPr>
-            <a:lstStyle/>
-            <a:p>
-              <a:r>
-                <a:rPr lang="en-US" dirty="0"/>
-                <a:t>6</a:t>
-              </a:r>
-            </a:p>
-          </p:txBody>
-        </p:sp>
-        <p:sp>
-          <p:nvSpPr>
-            <p:cNvPr id="62" name="TextBox 61">
-              <a:extLst>
-                <a:ext uri="{FF2B5EF4-FFF2-40B4-BE49-F238E27FC236}">
-                  <a16:creationId xmlns:a16="http://schemas.microsoft.com/office/drawing/2014/main" id="{60DBF491-F352-6979-8DF3-78B70F08047E}"/>
-                </a:ext>
-              </a:extLst>
-            </p:cNvPr>
-            <p:cNvSpPr txBox="1"/>
-            <p:nvPr/>
-          </p:nvSpPr>
-          <p:spPr>
-            <a:xfrm>
-              <a:off x="814983" y="-486612"/>
-              <a:ext cx="636607" cy="369332"/>
-            </a:xfrm>
-            <a:prstGeom prst="rect">
-              <a:avLst/>
-            </a:prstGeom>
-            <a:noFill/>
-          </p:spPr>
-          <p:txBody>
-            <a:bodyPr wrap="square" rtlCol="0">
-              <a:spAutoFit/>
-            </a:bodyPr>
-            <a:lstStyle/>
-            <a:p>
-              <a:endParaRPr lang="en-US" dirty="0"/>
-            </a:p>
-          </p:txBody>
-        </p:sp>
-        <p:pic>
-          <p:nvPicPr>
-            <p:cNvPr id="63" name="Picture 62">
-              <a:extLst>
-                <a:ext uri="{FF2B5EF4-FFF2-40B4-BE49-F238E27FC236}">
-                  <a16:creationId xmlns:a16="http://schemas.microsoft.com/office/drawing/2014/main" id="{329DC273-B102-9F5D-CEA3-63DE1E27CDEF}"/>
-                </a:ext>
-              </a:extLst>
-            </p:cNvPr>
-            <p:cNvPicPr>
-              <a:picLocks noChangeAspect="1"/>
-            </p:cNvPicPr>
-            <p:nvPr/>
-          </p:nvPicPr>
-          <p:blipFill>
-            <a:blip r:embed="rId4">
-              <a:alphaModFix amt="30000"/>
-            </a:blip>
-            <a:stretch>
-              <a:fillRect/>
-            </a:stretch>
-          </p:blipFill>
-          <p:spPr>
-            <a:xfrm>
-              <a:off x="3432106" y="294495"/>
-              <a:ext cx="426016" cy="152400"/>
-            </a:xfrm>
-            <a:prstGeom prst="rect">
-              <a:avLst/>
-            </a:prstGeom>
-          </p:spPr>
-        </p:pic>
-        <p:sp>
-          <p:nvSpPr>
-            <p:cNvPr id="11" name="TextBox 10">
-              <a:extLst>
-                <a:ext uri="{FF2B5EF4-FFF2-40B4-BE49-F238E27FC236}">
-                  <a16:creationId xmlns:a16="http://schemas.microsoft.com/office/drawing/2014/main" id="{6CB480FE-B0D2-3A3F-FD56-1E9784092FA6}"/>
-                </a:ext>
-              </a:extLst>
-            </p:cNvPr>
-            <p:cNvSpPr txBox="1"/>
-            <p:nvPr/>
-          </p:nvSpPr>
-          <p:spPr>
-            <a:xfrm>
-              <a:off x="6320882" y="-2890187"/>
-              <a:ext cx="923651" cy="369332"/>
-            </a:xfrm>
-            <a:prstGeom prst="rect">
-              <a:avLst/>
-            </a:prstGeom>
-            <a:noFill/>
-          </p:spPr>
-          <p:txBody>
-            <a:bodyPr wrap="none" rtlCol="0">
-              <a:spAutoFit/>
-            </a:bodyPr>
-            <a:lstStyle/>
-            <a:p>
-              <a:r>
-                <a:rPr lang="en-US" dirty="0">
-                  <a:latin typeface="Gaegu" pitchFamily="2" charset="0"/>
-                </a:rPr>
-                <a:t>Memory</a:t>
-              </a:r>
-            </a:p>
-          </p:txBody>
-        </p:sp>
-      </p:grpSp>
-      <p:grpSp>
-        <p:nvGrpSpPr>
-          <p:cNvPr id="20" name="Group 19">
-            <a:extLst>
-              <a:ext uri="{FF2B5EF4-FFF2-40B4-BE49-F238E27FC236}">
-                <a16:creationId xmlns:a16="http://schemas.microsoft.com/office/drawing/2014/main" id="{CFDFA45D-FB80-7473-15AD-5510CE9817D2}"/>
-              </a:ext>
-            </a:extLst>
-          </p:cNvPr>
-          <p:cNvGrpSpPr/>
-          <p:nvPr/>
-        </p:nvGrpSpPr>
-        <p:grpSpPr>
-          <a:xfrm>
-            <a:off x="1912319" y="2030931"/>
-            <a:ext cx="407468" cy="1770395"/>
-            <a:chOff x="1668759" y="-13958058"/>
-            <a:chExt cx="487848" cy="22198517"/>
-          </a:xfrm>
-        </p:grpSpPr>
-        <p:cxnSp>
-          <p:nvCxnSpPr>
-            <p:cNvPr id="22" name="Straight Arrow Connector 55">
-              <a:extLst>
-                <a:ext uri="{FF2B5EF4-FFF2-40B4-BE49-F238E27FC236}">
-                  <a16:creationId xmlns:a16="http://schemas.microsoft.com/office/drawing/2014/main" id="{983D9F78-2D6B-5B7B-1CC8-21E49EACB0DC}"/>
-                </a:ext>
-              </a:extLst>
-            </p:cNvPr>
-            <p:cNvCxnSpPr>
-              <a:cxnSpLocks/>
-            </p:cNvCxnSpPr>
-            <p:nvPr/>
-          </p:nvCxnSpPr>
-          <p:spPr>
-            <a:xfrm rot="5400000" flipH="1" flipV="1">
-              <a:off x="-7504250" y="-4785019"/>
-              <a:ext cx="18833896" cy="487818"/>
-            </a:xfrm>
-            <a:prstGeom prst="bentConnector3">
-              <a:avLst>
-                <a:gd name="adj1" fmla="val 100645"/>
-              </a:avLst>
-            </a:prstGeom>
-            <a:ln w="19050" cap="rnd" cmpd="sng">
-              <a:solidFill>
-                <a:schemeClr val="tx1"/>
-              </a:solidFill>
-              <a:prstDash val="dash"/>
-              <a:round/>
-              <a:tailEnd type="triangle"/>
-            </a:ln>
-          </p:spPr>
-          <p:style>
-            <a:lnRef idx="1">
-              <a:schemeClr val="accent1"/>
-            </a:lnRef>
-            <a:fillRef idx="0">
-              <a:schemeClr val="accent1"/>
-            </a:fillRef>
-            <a:effectRef idx="0">
-              <a:schemeClr val="accent1"/>
-            </a:effectRef>
-            <a:fontRef idx="minor">
-              <a:schemeClr val="tx1"/>
-            </a:fontRef>
-          </p:style>
-        </p:cxnSp>
-        <p:sp>
-          <p:nvSpPr>
-            <p:cNvPr id="23" name="Rectangle 22">
-              <a:extLst>
-                <a:ext uri="{FF2B5EF4-FFF2-40B4-BE49-F238E27FC236}">
-                  <a16:creationId xmlns:a16="http://schemas.microsoft.com/office/drawing/2014/main" id="{54D23E4E-CD3B-49CB-B537-83E58C7B9B9B}"/>
-                </a:ext>
-              </a:extLst>
-            </p:cNvPr>
-            <p:cNvSpPr/>
-            <p:nvPr/>
-          </p:nvSpPr>
-          <p:spPr>
-            <a:xfrm>
-              <a:off x="1668759" y="7932682"/>
-              <a:ext cx="343070" cy="307777"/>
-            </a:xfrm>
-            <a:prstGeom prst="rect">
-              <a:avLst/>
-            </a:prstGeom>
-            <a:noFill/>
-            <a:ln>
-              <a:noFill/>
-            </a:ln>
-          </p:spPr>
-          <p:style>
-            <a:lnRef idx="2">
-              <a:schemeClr val="accent1">
-                <a:shade val="15000"/>
-              </a:schemeClr>
-            </a:lnRef>
-            <a:fillRef idx="1">
-              <a:schemeClr val="accent1"/>
-            </a:fillRef>
-            <a:effectRef idx="0">
-              <a:schemeClr val="accent1"/>
-            </a:effectRef>
-            <a:fontRef idx="minor">
-              <a:schemeClr val="lt1"/>
-            </a:fontRef>
-          </p:style>
-          <p:txBody>
-            <a:bodyPr rtlCol="0" anchor="ctr"/>
-            <a:lstStyle/>
-            <a:p>
-              <a:pPr algn="ctr"/>
-              <a:endParaRPr lang="en-US"/>
-            </a:p>
-          </p:txBody>
-        </p:sp>
-      </p:grpSp>
-    </p:spTree>
-    <p:extLst>
-      <p:ext uri="{BB962C8B-B14F-4D97-AF65-F5344CB8AC3E}">
-        <p14:creationId xmlns:p14="http://schemas.microsoft.com/office/powerpoint/2010/main" val="2092110240"/>
-      </p:ext>
-    </p:extLst>
-  </p:cSld>
-  <p:clrMapOvr>
-    <a:masterClrMapping/>
-  </p:clrMapOvr>
-</p:sld>
-</file>
-
-<file path=ppt/slides/slide4.xml><?xml version="1.0" encoding="utf-8"?>
-<p:sld xmlns:a="http://schemas.openxmlformats.org/drawingml/2006/main" xmlns:r="http://schemas.openxmlformats.org/officeDocument/2006/relationships" xmlns:p="http://schemas.openxmlformats.org/presentationml/2006/main">
-  <p:cSld>
-    <p:bg>
-      <p:bgPr>
-        <a:blipFill dpi="0" rotWithShape="1">
-          <a:blip r:embed="rId2">
-            <a:lum/>
-          </a:blip>
-          <a:srcRect/>
-          <a:stretch>
-            <a:fillRect/>
-          </a:stretch>
-        </a:blipFill>
-        <a:effectLst/>
-      </p:bgPr>
-    </p:bg>
-    <p:spTree>
-      <p:nvGrpSpPr>
-        <p:cNvPr id="1" name=""/>
-        <p:cNvGrpSpPr/>
-        <p:nvPr/>
-      </p:nvGrpSpPr>
-      <p:grpSpPr>
-        <a:xfrm>
-          <a:off x="0" y="0"/>
-          <a:ext cx="0" cy="0"/>
-          <a:chOff x="0" y="0"/>
-          <a:chExt cx="0" cy="0"/>
-        </a:xfrm>
-      </p:grpSpPr>
-      <p:grpSp>
-        <p:nvGrpSpPr>
-          <p:cNvPr id="12" name="Group 11">
-            <a:extLst>
-              <a:ext uri="{FF2B5EF4-FFF2-40B4-BE49-F238E27FC236}">
-                <a16:creationId xmlns:a16="http://schemas.microsoft.com/office/drawing/2014/main" id="{F79D1400-153A-0626-FCB1-82473C4A95BC}"/>
-              </a:ext>
-            </a:extLst>
-          </p:cNvPr>
-          <p:cNvGrpSpPr/>
-          <p:nvPr/>
-        </p:nvGrpSpPr>
-        <p:grpSpPr>
-          <a:xfrm>
-            <a:off x="229043" y="218311"/>
-            <a:ext cx="7101587" cy="4603690"/>
-            <a:chOff x="231271" y="-2890187"/>
-            <a:chExt cx="7101587" cy="4603690"/>
-          </a:xfrm>
-        </p:grpSpPr>
-        <p:sp>
-          <p:nvSpPr>
-            <p:cNvPr id="16" name="TextBox 15">
-              <a:extLst>
-                <a:ext uri="{FF2B5EF4-FFF2-40B4-BE49-F238E27FC236}">
-                  <a16:creationId xmlns:a16="http://schemas.microsoft.com/office/drawing/2014/main" id="{579D6D41-105C-FB51-AC96-A544404112E8}"/>
-                </a:ext>
-              </a:extLst>
-            </p:cNvPr>
-            <p:cNvSpPr txBox="1"/>
-            <p:nvPr/>
-          </p:nvSpPr>
-          <p:spPr>
-            <a:xfrm>
-              <a:off x="2275695" y="-2481252"/>
-              <a:ext cx="5046276" cy="2800767"/>
-            </a:xfrm>
-            <a:prstGeom prst="rect">
-              <a:avLst/>
-            </a:prstGeom>
-            <a:noFill/>
-          </p:spPr>
-          <p:txBody>
-            <a:bodyPr wrap="square" rtlCol="0">
-              <a:spAutoFit/>
-            </a:bodyPr>
-            <a:lstStyle/>
-            <a:p>
-              <a:pPr marL="342900" indent="-342900" rtl="0">
-                <a:buFont typeface="+mj-lt"/>
-                <a:buAutoNum type="arabicPeriod"/>
-              </a:pPr>
-              <a:r>
-                <a:rPr lang="en-AU" sz="1600" dirty="0">
-                  <a:solidFill>
-                    <a:schemeClr val="bg1">
-                      <a:lumMod val="65000"/>
-                    </a:schemeClr>
-                  </a:solidFill>
-                </a:rPr>
-                <a:t>using static </a:t>
-              </a:r>
-              <a:r>
-                <a:rPr lang="en-AU" sz="1600" dirty="0" err="1">
-                  <a:solidFill>
-                    <a:schemeClr val="bg1">
-                      <a:lumMod val="65000"/>
-                    </a:schemeClr>
-                  </a:solidFill>
-                </a:rPr>
-                <a:t>System.Console</a:t>
-              </a:r>
-              <a:r>
-                <a:rPr lang="en-AU" sz="1600" dirty="0">
-                  <a:solidFill>
-                    <a:schemeClr val="bg1">
-                      <a:lumMod val="65000"/>
-                    </a:schemeClr>
-                  </a:solidFill>
-                </a:rPr>
-                <a:t>;</a:t>
-              </a:r>
-            </a:p>
-            <a:p>
-              <a:pPr marL="342900" indent="-342900" rtl="0">
-                <a:buFont typeface="+mj-lt"/>
-                <a:buAutoNum type="arabicPeriod"/>
-              </a:pPr>
-              <a:r>
-                <a:rPr lang="en-AU" sz="1600" dirty="0">
-                  <a:solidFill>
-                    <a:schemeClr val="bg1">
-                      <a:lumMod val="65000"/>
-                    </a:schemeClr>
-                  </a:solidFill>
-                </a:rPr>
-                <a:t>using static </a:t>
-              </a:r>
-              <a:r>
-                <a:rPr lang="en-AU" sz="1600" dirty="0" err="1">
-                  <a:solidFill>
-                    <a:schemeClr val="bg1">
-                      <a:lumMod val="65000"/>
-                    </a:schemeClr>
-                  </a:solidFill>
-                </a:rPr>
-                <a:t>System.Convert</a:t>
-              </a:r>
-              <a:r>
-                <a:rPr lang="en-AU" sz="1600" dirty="0">
-                  <a:solidFill>
-                    <a:schemeClr val="bg1">
-                      <a:lumMod val="65000"/>
-                    </a:schemeClr>
-                  </a:solidFill>
-                </a:rPr>
-                <a:t>;</a:t>
-              </a:r>
-              <a:br>
-                <a:rPr lang="en-AU" sz="1600" dirty="0">
-                  <a:solidFill>
-                    <a:schemeClr val="bg1">
-                      <a:lumMod val="65000"/>
-                    </a:schemeClr>
-                  </a:solidFill>
-                </a:rPr>
-              </a:br>
-              <a:endParaRPr lang="en-AU" sz="1600" dirty="0">
-                <a:solidFill>
-                  <a:schemeClr val="bg1">
-                    <a:lumMod val="65000"/>
-                  </a:schemeClr>
-                </a:solidFill>
-              </a:endParaRPr>
-            </a:p>
-            <a:p>
-              <a:pPr marL="342900" indent="-342900" rtl="0">
-                <a:buFont typeface="+mj-lt"/>
-                <a:buAutoNum type="arabicPeriod"/>
-              </a:pPr>
-              <a:r>
-                <a:rPr lang="en-AU" sz="1600" dirty="0">
-                  <a:solidFill>
-                    <a:schemeClr val="bg1">
-                      <a:lumMod val="65000"/>
-                    </a:schemeClr>
-                  </a:solidFill>
-                </a:rPr>
-                <a:t>string again;</a:t>
-              </a:r>
-            </a:p>
-            <a:p>
-              <a:pPr marL="342900" indent="-342900" rtl="0">
-                <a:buFont typeface="+mj-lt"/>
-                <a:buAutoNum type="arabicPeriod"/>
-              </a:pPr>
-              <a:r>
-                <a:rPr lang="en-AU" sz="1600" dirty="0">
-                  <a:solidFill>
-                    <a:schemeClr val="bg1">
-                      <a:lumMod val="65000"/>
-                    </a:schemeClr>
-                  </a:solidFill>
-                </a:rPr>
-                <a:t>do</a:t>
-              </a:r>
-            </a:p>
-            <a:p>
-              <a:pPr marL="342900" indent="-342900" rtl="0">
-                <a:buFont typeface="+mj-lt"/>
-                <a:buAutoNum type="arabicPeriod"/>
-              </a:pPr>
-              <a:r>
-                <a:rPr lang="en-AU" sz="1600" dirty="0">
-                  <a:solidFill>
-                    <a:schemeClr val="bg1">
-                      <a:lumMod val="65000"/>
-                    </a:schemeClr>
-                  </a:solidFill>
-                </a:rPr>
-                <a:t>{</a:t>
-              </a:r>
-            </a:p>
-            <a:p>
-              <a:pPr marL="342900" indent="-342900" rtl="0">
-                <a:buFont typeface="+mj-lt"/>
-                <a:buAutoNum type="arabicPeriod"/>
-              </a:pPr>
-              <a:r>
-                <a:rPr lang="en-AU" sz="1600" dirty="0"/>
-                <a:t>    WriteLine("Hello");</a:t>
-              </a:r>
-            </a:p>
-            <a:p>
-              <a:pPr marL="342900" indent="-342900" rtl="0">
-                <a:buFont typeface="+mj-lt"/>
-                <a:buAutoNum type="arabicPeriod"/>
-              </a:pPr>
-              <a:r>
-                <a:rPr lang="en-AU" sz="1600" dirty="0">
-                  <a:solidFill>
-                    <a:schemeClr val="bg1">
-                      <a:lumMod val="65000"/>
-                    </a:schemeClr>
-                  </a:solidFill>
-                </a:rPr>
-                <a:t>    Write("Again: ");</a:t>
-              </a:r>
-            </a:p>
-            <a:p>
-              <a:pPr marL="342900" indent="-342900" rtl="0">
-                <a:buFont typeface="+mj-lt"/>
-                <a:buAutoNum type="arabicPeriod"/>
-              </a:pPr>
-              <a:r>
-                <a:rPr lang="en-AU" sz="1600" dirty="0">
-                  <a:solidFill>
-                    <a:schemeClr val="bg1">
-                      <a:lumMod val="65000"/>
-                    </a:schemeClr>
-                  </a:solidFill>
-                </a:rPr>
-                <a:t>     again = </a:t>
-              </a:r>
-              <a:r>
-                <a:rPr lang="en-AU" sz="1600" dirty="0" err="1">
-                  <a:solidFill>
-                    <a:schemeClr val="bg1">
-                      <a:lumMod val="65000"/>
-                    </a:schemeClr>
-                  </a:solidFill>
-                </a:rPr>
-                <a:t>ReadLine</a:t>
-              </a:r>
-              <a:r>
-                <a:rPr lang="en-AU" sz="1600" dirty="0">
-                  <a:solidFill>
-                    <a:schemeClr val="bg1">
-                      <a:lumMod val="65000"/>
-                    </a:schemeClr>
-                  </a:solidFill>
-                </a:rPr>
-                <a:t>();</a:t>
-              </a:r>
-            </a:p>
-            <a:p>
-              <a:pPr marL="342900" indent="-342900" rtl="0">
-                <a:buFont typeface="+mj-lt"/>
-                <a:buAutoNum type="arabicPeriod"/>
-              </a:pPr>
-              <a:r>
-                <a:rPr lang="en-AU" sz="1600" dirty="0">
-                  <a:solidFill>
-                    <a:schemeClr val="bg1">
-                      <a:lumMod val="65000"/>
-                    </a:schemeClr>
-                  </a:solidFill>
-                </a:rPr>
-                <a:t>} (again == "y” || again == ”Y”);</a:t>
-              </a:r>
-            </a:p>
-            <a:p>
-              <a:pPr rtl="0"/>
-              <a:endParaRPr lang="en-AU" sz="1600" dirty="0"/>
-            </a:p>
-          </p:txBody>
-        </p:sp>
-        <p:grpSp>
-          <p:nvGrpSpPr>
-            <p:cNvPr id="37" name="Group 36">
-              <a:extLst>
-                <a:ext uri="{FF2B5EF4-FFF2-40B4-BE49-F238E27FC236}">
-                  <a16:creationId xmlns:a16="http://schemas.microsoft.com/office/drawing/2014/main" id="{2DBCA10F-924D-E145-7FF6-9A1953DEE281}"/>
-                </a:ext>
-              </a:extLst>
-            </p:cNvPr>
-            <p:cNvGrpSpPr/>
-            <p:nvPr/>
-          </p:nvGrpSpPr>
-          <p:grpSpPr>
-            <a:xfrm>
-              <a:off x="231271" y="917189"/>
-              <a:ext cx="1274409" cy="625877"/>
-              <a:chOff x="1357821" y="4757683"/>
-              <a:chExt cx="1274409" cy="625877"/>
-            </a:xfrm>
-          </p:grpSpPr>
-          <p:pic>
-            <p:nvPicPr>
-              <p:cNvPr id="13" name="Picture 12" descr="A black square with white lines&#10;&#10;Description automatically generated">
-                <a:extLst>
-                  <a:ext uri="{FF2B5EF4-FFF2-40B4-BE49-F238E27FC236}">
-                    <a16:creationId xmlns:a16="http://schemas.microsoft.com/office/drawing/2014/main" id="{9975BC6B-61F7-6B1E-178A-EB5A5CF8412C}"/>
-                  </a:ext>
-                </a:extLst>
-              </p:cNvPr>
-              <p:cNvPicPr>
-                <a:picLocks noChangeAspect="1"/>
-              </p:cNvPicPr>
-              <p:nvPr/>
-            </p:nvPicPr>
-            <p:blipFill>
-              <a:blip r:embed="rId3">
-                <a:alphaModFix amt="30000"/>
-              </a:blip>
-              <a:stretch>
-                <a:fillRect/>
-              </a:stretch>
-            </p:blipFill>
-            <p:spPr>
-              <a:xfrm>
-                <a:off x="1950895" y="4757683"/>
-                <a:ext cx="681335" cy="625877"/>
-              </a:xfrm>
-              <a:prstGeom prst="rect">
-                <a:avLst/>
-              </a:prstGeom>
-            </p:spPr>
-          </p:pic>
-          <p:sp>
-            <p:nvSpPr>
-              <p:cNvPr id="18" name="TextBox 17">
-                <a:extLst>
-                  <a:ext uri="{FF2B5EF4-FFF2-40B4-BE49-F238E27FC236}">
-                    <a16:creationId xmlns:a16="http://schemas.microsoft.com/office/drawing/2014/main" id="{21E6B770-730F-7A2F-0BCC-DFD2371C6F55}"/>
-                  </a:ext>
-                </a:extLst>
-              </p:cNvPr>
-              <p:cNvSpPr txBox="1"/>
-              <p:nvPr/>
-            </p:nvSpPr>
-            <p:spPr>
-              <a:xfrm>
-                <a:off x="1357821" y="4843378"/>
-                <a:ext cx="554960" cy="369332"/>
-              </a:xfrm>
-              <a:prstGeom prst="rect">
-                <a:avLst/>
-              </a:prstGeom>
-              <a:noFill/>
-            </p:spPr>
-            <p:txBody>
-              <a:bodyPr wrap="none" rtlCol="0">
-                <a:spAutoFit/>
-              </a:bodyPr>
-              <a:lstStyle/>
-              <a:p>
-                <a:r>
-                  <a:rPr lang="en-US" dirty="0">
-                    <a:latin typeface="Gaegu" pitchFamily="2" charset="0"/>
-                  </a:rPr>
-                  <a:t>CPU</a:t>
-                </a:r>
-              </a:p>
-            </p:txBody>
-          </p:sp>
-        </p:grpSp>
-        <p:sp>
-          <p:nvSpPr>
-            <p:cNvPr id="2" name="TextBox 1">
-              <a:extLst>
-                <a:ext uri="{FF2B5EF4-FFF2-40B4-BE49-F238E27FC236}">
-                  <a16:creationId xmlns:a16="http://schemas.microsoft.com/office/drawing/2014/main" id="{7896A7BA-08CF-32E6-6836-EBE01A61209D}"/>
-                </a:ext>
-              </a:extLst>
-            </p:cNvPr>
-            <p:cNvSpPr txBox="1"/>
-            <p:nvPr/>
-          </p:nvSpPr>
-          <p:spPr>
-            <a:xfrm>
-              <a:off x="487351" y="-2537265"/>
-              <a:ext cx="1119217" cy="369332"/>
-            </a:xfrm>
-            <a:prstGeom prst="rect">
-              <a:avLst/>
-            </a:prstGeom>
-            <a:noFill/>
-          </p:spPr>
-          <p:txBody>
-            <a:bodyPr wrap="none" rtlCol="0">
-              <a:spAutoFit/>
-            </a:bodyPr>
-            <a:lstStyle/>
-            <a:p>
-              <a:r>
-                <a:rPr lang="en-US" dirty="0">
-                  <a:latin typeface="Gaegu" pitchFamily="2" charset="0"/>
-                </a:rPr>
-                <a:t>The Stack</a:t>
-              </a:r>
-            </a:p>
-          </p:txBody>
-        </p:sp>
-        <p:grpSp>
-          <p:nvGrpSpPr>
-            <p:cNvPr id="52" name="Group 51">
-              <a:extLst>
-                <a:ext uri="{FF2B5EF4-FFF2-40B4-BE49-F238E27FC236}">
-                  <a16:creationId xmlns:a16="http://schemas.microsoft.com/office/drawing/2014/main" id="{31F76148-6180-4659-D4A7-BBA4F34A68D0}"/>
-                </a:ext>
-              </a:extLst>
-            </p:cNvPr>
-            <p:cNvGrpSpPr/>
-            <p:nvPr/>
-          </p:nvGrpSpPr>
-          <p:grpSpPr>
-            <a:xfrm>
-              <a:off x="239330" y="-2544837"/>
-              <a:ext cx="7081019" cy="2633707"/>
-              <a:chOff x="239327" y="704652"/>
-              <a:chExt cx="7081020" cy="7128375"/>
-            </a:xfrm>
-          </p:grpSpPr>
-          <p:cxnSp>
-            <p:nvCxnSpPr>
-              <p:cNvPr id="5" name="Straight Connector 4">
-                <a:extLst>
-                  <a:ext uri="{FF2B5EF4-FFF2-40B4-BE49-F238E27FC236}">
-                    <a16:creationId xmlns:a16="http://schemas.microsoft.com/office/drawing/2014/main" id="{34E695AC-7393-02EF-35F2-A6C76AC72756}"/>
-                  </a:ext>
-                </a:extLst>
-              </p:cNvPr>
-              <p:cNvCxnSpPr>
-                <a:cxnSpLocks/>
-              </p:cNvCxnSpPr>
-              <p:nvPr/>
-            </p:nvCxnSpPr>
-            <p:spPr>
-              <a:xfrm>
-                <a:off x="2208417" y="789175"/>
-                <a:ext cx="0" cy="7043852"/>
-              </a:xfrm>
-              <a:prstGeom prst="line">
-                <a:avLst/>
-              </a:prstGeom>
-              <a:ln w="15875">
-                <a:solidFill>
-                  <a:schemeClr val="tx1">
-                    <a:lumMod val="50000"/>
-                    <a:lumOff val="50000"/>
-                  </a:schemeClr>
-                </a:solidFill>
-                <a:prstDash val="dashDot"/>
-              </a:ln>
-            </p:spPr>
-            <p:style>
-              <a:lnRef idx="1">
-                <a:schemeClr val="accent1"/>
-              </a:lnRef>
-              <a:fillRef idx="0">
-                <a:schemeClr val="accent1"/>
-              </a:fillRef>
-              <a:effectRef idx="0">
-                <a:schemeClr val="accent1"/>
-              </a:effectRef>
-              <a:fontRef idx="minor">
-                <a:schemeClr val="tx1"/>
-              </a:fontRef>
-            </p:style>
-          </p:cxnSp>
-          <p:sp>
-            <p:nvSpPr>
-              <p:cNvPr id="21" name="Rectangle 20">
-                <a:extLst>
-                  <a:ext uri="{FF2B5EF4-FFF2-40B4-BE49-F238E27FC236}">
-                    <a16:creationId xmlns:a16="http://schemas.microsoft.com/office/drawing/2014/main" id="{99972E63-2ADF-1620-345A-182BFBAF91AF}"/>
-                  </a:ext>
-                </a:extLst>
-              </p:cNvPr>
-              <p:cNvSpPr/>
-              <p:nvPr/>
-            </p:nvSpPr>
-            <p:spPr>
-              <a:xfrm>
-                <a:off x="239327" y="704652"/>
-                <a:ext cx="7081020" cy="7128375"/>
-              </a:xfrm>
-              <a:custGeom>
-                <a:avLst/>
-                <a:gdLst>
-                  <a:gd name="connsiteX0" fmla="*/ 0 w 7081020"/>
-                  <a:gd name="connsiteY0" fmla="*/ 0 h 7128375"/>
-                  <a:gd name="connsiteX1" fmla="*/ 572919 w 7081020"/>
-                  <a:gd name="connsiteY1" fmla="*/ 0 h 7128375"/>
-                  <a:gd name="connsiteX2" fmla="*/ 1004217 w 7081020"/>
-                  <a:gd name="connsiteY2" fmla="*/ 0 h 7128375"/>
-                  <a:gd name="connsiteX3" fmla="*/ 1789567 w 7081020"/>
-                  <a:gd name="connsiteY3" fmla="*/ 0 h 7128375"/>
-                  <a:gd name="connsiteX4" fmla="*/ 2362486 w 7081020"/>
-                  <a:gd name="connsiteY4" fmla="*/ 0 h 7128375"/>
-                  <a:gd name="connsiteX5" fmla="*/ 2935405 w 7081020"/>
-                  <a:gd name="connsiteY5" fmla="*/ 0 h 7128375"/>
-                  <a:gd name="connsiteX6" fmla="*/ 3720754 w 7081020"/>
-                  <a:gd name="connsiteY6" fmla="*/ 0 h 7128375"/>
-                  <a:gd name="connsiteX7" fmla="*/ 4222863 w 7081020"/>
-                  <a:gd name="connsiteY7" fmla="*/ 0 h 7128375"/>
-                  <a:gd name="connsiteX8" fmla="*/ 5008212 w 7081020"/>
-                  <a:gd name="connsiteY8" fmla="*/ 0 h 7128375"/>
-                  <a:gd name="connsiteX9" fmla="*/ 5793562 w 7081020"/>
-                  <a:gd name="connsiteY9" fmla="*/ 0 h 7128375"/>
-                  <a:gd name="connsiteX10" fmla="*/ 6437291 w 7081020"/>
-                  <a:gd name="connsiteY10" fmla="*/ 0 h 7128375"/>
-                  <a:gd name="connsiteX11" fmla="*/ 7081020 w 7081020"/>
-                  <a:gd name="connsiteY11" fmla="*/ 0 h 7128375"/>
-                  <a:gd name="connsiteX12" fmla="*/ 7081020 w 7081020"/>
-                  <a:gd name="connsiteY12" fmla="*/ 576750 h 7128375"/>
-                  <a:gd name="connsiteX13" fmla="*/ 7081020 w 7081020"/>
-                  <a:gd name="connsiteY13" fmla="*/ 1010933 h 7128375"/>
-                  <a:gd name="connsiteX14" fmla="*/ 7081020 w 7081020"/>
-                  <a:gd name="connsiteY14" fmla="*/ 1658967 h 7128375"/>
-                  <a:gd name="connsiteX15" fmla="*/ 7081020 w 7081020"/>
-                  <a:gd name="connsiteY15" fmla="*/ 2307001 h 7128375"/>
-                  <a:gd name="connsiteX16" fmla="*/ 7081020 w 7081020"/>
-                  <a:gd name="connsiteY16" fmla="*/ 2955035 h 7128375"/>
-                  <a:gd name="connsiteX17" fmla="*/ 7081020 w 7081020"/>
-                  <a:gd name="connsiteY17" fmla="*/ 3674353 h 7128375"/>
-                  <a:gd name="connsiteX18" fmla="*/ 7081020 w 7081020"/>
-                  <a:gd name="connsiteY18" fmla="*/ 4393671 h 7128375"/>
-                  <a:gd name="connsiteX19" fmla="*/ 7081020 w 7081020"/>
-                  <a:gd name="connsiteY19" fmla="*/ 5112989 h 7128375"/>
-                  <a:gd name="connsiteX20" fmla="*/ 7081020 w 7081020"/>
-                  <a:gd name="connsiteY20" fmla="*/ 5547172 h 7128375"/>
-                  <a:gd name="connsiteX21" fmla="*/ 7081020 w 7081020"/>
-                  <a:gd name="connsiteY21" fmla="*/ 6052638 h 7128375"/>
-                  <a:gd name="connsiteX22" fmla="*/ 7081020 w 7081020"/>
-                  <a:gd name="connsiteY22" fmla="*/ 7128375 h 7128375"/>
-                  <a:gd name="connsiteX23" fmla="*/ 6508101 w 7081020"/>
-                  <a:gd name="connsiteY23" fmla="*/ 7128375 h 7128375"/>
-                  <a:gd name="connsiteX24" fmla="*/ 5864372 w 7081020"/>
-                  <a:gd name="connsiteY24" fmla="*/ 7128375 h 7128375"/>
-                  <a:gd name="connsiteX25" fmla="*/ 5433074 w 7081020"/>
-                  <a:gd name="connsiteY25" fmla="*/ 7128375 h 7128375"/>
-                  <a:gd name="connsiteX26" fmla="*/ 5001775 w 7081020"/>
-                  <a:gd name="connsiteY26" fmla="*/ 7128375 h 7128375"/>
-                  <a:gd name="connsiteX27" fmla="*/ 4358046 w 7081020"/>
-                  <a:gd name="connsiteY27" fmla="*/ 7128375 h 7128375"/>
-                  <a:gd name="connsiteX28" fmla="*/ 3855937 w 7081020"/>
-                  <a:gd name="connsiteY28" fmla="*/ 7128375 h 7128375"/>
-                  <a:gd name="connsiteX29" fmla="*/ 3141398 w 7081020"/>
-                  <a:gd name="connsiteY29" fmla="*/ 7128375 h 7128375"/>
-                  <a:gd name="connsiteX30" fmla="*/ 2639289 w 7081020"/>
-                  <a:gd name="connsiteY30" fmla="*/ 7128375 h 7128375"/>
-                  <a:gd name="connsiteX31" fmla="*/ 1924750 w 7081020"/>
-                  <a:gd name="connsiteY31" fmla="*/ 7128375 h 7128375"/>
-                  <a:gd name="connsiteX32" fmla="*/ 1493451 w 7081020"/>
-                  <a:gd name="connsiteY32" fmla="*/ 7128375 h 7128375"/>
-                  <a:gd name="connsiteX33" fmla="*/ 778912 w 7081020"/>
-                  <a:gd name="connsiteY33" fmla="*/ 7128375 h 7128375"/>
-                  <a:gd name="connsiteX34" fmla="*/ 0 w 7081020"/>
-                  <a:gd name="connsiteY34" fmla="*/ 7128375 h 7128375"/>
-                  <a:gd name="connsiteX35" fmla="*/ 0 w 7081020"/>
-                  <a:gd name="connsiteY35" fmla="*/ 6694192 h 7128375"/>
-                  <a:gd name="connsiteX36" fmla="*/ 0 w 7081020"/>
-                  <a:gd name="connsiteY36" fmla="*/ 6117442 h 7128375"/>
-                  <a:gd name="connsiteX37" fmla="*/ 0 w 7081020"/>
-                  <a:gd name="connsiteY37" fmla="*/ 5326840 h 7128375"/>
-                  <a:gd name="connsiteX38" fmla="*/ 0 w 7081020"/>
-                  <a:gd name="connsiteY38" fmla="*/ 4821374 h 7128375"/>
-                  <a:gd name="connsiteX39" fmla="*/ 0 w 7081020"/>
-                  <a:gd name="connsiteY39" fmla="*/ 4387191 h 7128375"/>
-                  <a:gd name="connsiteX40" fmla="*/ 0 w 7081020"/>
-                  <a:gd name="connsiteY40" fmla="*/ 3953008 h 7128375"/>
-                  <a:gd name="connsiteX41" fmla="*/ 0 w 7081020"/>
-                  <a:gd name="connsiteY41" fmla="*/ 3233690 h 7128375"/>
-                  <a:gd name="connsiteX42" fmla="*/ 0 w 7081020"/>
-                  <a:gd name="connsiteY42" fmla="*/ 2799507 h 7128375"/>
-                  <a:gd name="connsiteX43" fmla="*/ 0 w 7081020"/>
-                  <a:gd name="connsiteY43" fmla="*/ 2151473 h 7128375"/>
-                  <a:gd name="connsiteX44" fmla="*/ 0 w 7081020"/>
-                  <a:gd name="connsiteY44" fmla="*/ 1646007 h 7128375"/>
-                  <a:gd name="connsiteX45" fmla="*/ 0 w 7081020"/>
-                  <a:gd name="connsiteY45" fmla="*/ 997972 h 7128375"/>
-                  <a:gd name="connsiteX46" fmla="*/ 0 w 7081020"/>
-                  <a:gd name="connsiteY46" fmla="*/ 0 h 7128375"/>
-                </a:gdLst>
-                <a:ahLst/>
-                <a:cxnLst>
-                  <a:cxn ang="0">
-                    <a:pos x="connsiteX0" y="connsiteY0"/>
-                  </a:cxn>
-                  <a:cxn ang="0">
-                    <a:pos x="connsiteX1" y="connsiteY1"/>
-                  </a:cxn>
-                  <a:cxn ang="0">
-                    <a:pos x="connsiteX2" y="connsiteY2"/>
-                  </a:cxn>
-                  <a:cxn ang="0">
-                    <a:pos x="connsiteX3" y="connsiteY3"/>
-                  </a:cxn>
-                  <a:cxn ang="0">
-                    <a:pos x="connsiteX4" y="connsiteY4"/>
-                  </a:cxn>
-                  <a:cxn ang="0">
-                    <a:pos x="connsiteX5" y="connsiteY5"/>
-                  </a:cxn>
-                  <a:cxn ang="0">
-                    <a:pos x="connsiteX6" y="connsiteY6"/>
-                  </a:cxn>
-                  <a:cxn ang="0">
-                    <a:pos x="connsiteX7" y="connsiteY7"/>
-                  </a:cxn>
-                  <a:cxn ang="0">
-                    <a:pos x="connsiteX8" y="connsiteY8"/>
-                  </a:cxn>
-                  <a:cxn ang="0">
-                    <a:pos x="connsiteX9" y="connsiteY9"/>
-                  </a:cxn>
-                  <a:cxn ang="0">
-                    <a:pos x="connsiteX10" y="connsiteY10"/>
-                  </a:cxn>
-                  <a:cxn ang="0">
-                    <a:pos x="connsiteX11" y="connsiteY11"/>
-                  </a:cxn>
-                  <a:cxn ang="0">
-                    <a:pos x="connsiteX12" y="connsiteY12"/>
-                  </a:cxn>
-                  <a:cxn ang="0">
-                    <a:pos x="connsiteX13" y="connsiteY13"/>
-                  </a:cxn>
-                  <a:cxn ang="0">
-                    <a:pos x="connsiteX14" y="connsiteY14"/>
-                  </a:cxn>
-                  <a:cxn ang="0">
-                    <a:pos x="connsiteX15" y="connsiteY15"/>
-                  </a:cxn>
-                  <a:cxn ang="0">
-                    <a:pos x="connsiteX16" y="connsiteY16"/>
-                  </a:cxn>
-                  <a:cxn ang="0">
-                    <a:pos x="connsiteX17" y="connsiteY17"/>
-                  </a:cxn>
-                  <a:cxn ang="0">
-                    <a:pos x="connsiteX18" y="connsiteY18"/>
-                  </a:cxn>
-                  <a:cxn ang="0">
-                    <a:pos x="connsiteX19" y="connsiteY19"/>
-                  </a:cxn>
-                  <a:cxn ang="0">
-                    <a:pos x="connsiteX20" y="connsiteY20"/>
-                  </a:cxn>
-                  <a:cxn ang="0">
-                    <a:pos x="connsiteX21" y="connsiteY21"/>
-                  </a:cxn>
-                  <a:cxn ang="0">
-                    <a:pos x="connsiteX22" y="connsiteY22"/>
-                  </a:cxn>
-                  <a:cxn ang="0">
-                    <a:pos x="connsiteX23" y="connsiteY23"/>
-                  </a:cxn>
-                  <a:cxn ang="0">
-                    <a:pos x="connsiteX24" y="connsiteY24"/>
-                  </a:cxn>
-                  <a:cxn ang="0">
-                    <a:pos x="connsiteX25" y="connsiteY25"/>
-                  </a:cxn>
-                  <a:cxn ang="0">
-                    <a:pos x="connsiteX26" y="connsiteY26"/>
-                  </a:cxn>
-                  <a:cxn ang="0">
-                    <a:pos x="connsiteX27" y="connsiteY27"/>
-                  </a:cxn>
-                  <a:cxn ang="0">
-                    <a:pos x="connsiteX28" y="connsiteY28"/>
-                  </a:cxn>
-                  <a:cxn ang="0">
-                    <a:pos x="connsiteX29" y="connsiteY29"/>
-                  </a:cxn>
-                  <a:cxn ang="0">
-                    <a:pos x="connsiteX30" y="connsiteY30"/>
-                  </a:cxn>
-                  <a:cxn ang="0">
-                    <a:pos x="connsiteX31" y="connsiteY31"/>
-                  </a:cxn>
-                  <a:cxn ang="0">
-                    <a:pos x="connsiteX32" y="connsiteY32"/>
-                  </a:cxn>
-                  <a:cxn ang="0">
-                    <a:pos x="connsiteX33" y="connsiteY33"/>
-                  </a:cxn>
-                  <a:cxn ang="0">
-                    <a:pos x="connsiteX34" y="connsiteY34"/>
-                  </a:cxn>
-                  <a:cxn ang="0">
-                    <a:pos x="connsiteX35" y="connsiteY35"/>
-                  </a:cxn>
-                  <a:cxn ang="0">
-                    <a:pos x="connsiteX36" y="connsiteY36"/>
-                  </a:cxn>
-                  <a:cxn ang="0">
-                    <a:pos x="connsiteX37" y="connsiteY37"/>
-                  </a:cxn>
-                  <a:cxn ang="0">
-                    <a:pos x="connsiteX38" y="connsiteY38"/>
-                  </a:cxn>
-                  <a:cxn ang="0">
-                    <a:pos x="connsiteX39" y="connsiteY39"/>
-                  </a:cxn>
-                  <a:cxn ang="0">
-                    <a:pos x="connsiteX40" y="connsiteY40"/>
-                  </a:cxn>
-                  <a:cxn ang="0">
-                    <a:pos x="connsiteX41" y="connsiteY41"/>
-                  </a:cxn>
-                  <a:cxn ang="0">
-                    <a:pos x="connsiteX42" y="connsiteY42"/>
-                  </a:cxn>
-                  <a:cxn ang="0">
-                    <a:pos x="connsiteX43" y="connsiteY43"/>
-                  </a:cxn>
-                  <a:cxn ang="0">
-                    <a:pos x="connsiteX44" y="connsiteY44"/>
-                  </a:cxn>
-                  <a:cxn ang="0">
-                    <a:pos x="connsiteX45" y="connsiteY45"/>
-                  </a:cxn>
-                  <a:cxn ang="0">
-                    <a:pos x="connsiteX46" y="connsiteY46"/>
-                  </a:cxn>
-                </a:cxnLst>
-                <a:rect l="l" t="t" r="r" b="b"/>
-                <a:pathLst>
-                  <a:path w="7081020" h="7128375" extrusionOk="0">
-                    <a:moveTo>
-                      <a:pt x="0" y="0"/>
-                    </a:moveTo>
-                    <a:cubicBezTo>
-                      <a:pt x="210263" y="22018"/>
-                      <a:pt x="413341" y="21500"/>
-                      <a:pt x="572919" y="0"/>
-                    </a:cubicBezTo>
-                    <a:cubicBezTo>
-                      <a:pt x="732497" y="-21500"/>
-                      <a:pt x="792396" y="690"/>
-                      <a:pt x="1004217" y="0"/>
-                    </a:cubicBezTo>
-                    <a:cubicBezTo>
-                      <a:pt x="1216038" y="-690"/>
-                      <a:pt x="1615716" y="10174"/>
-                      <a:pt x="1789567" y="0"/>
-                    </a:cubicBezTo>
-                    <a:cubicBezTo>
-                      <a:pt x="1963418" y="-10174"/>
-                      <a:pt x="2244829" y="4874"/>
-                      <a:pt x="2362486" y="0"/>
-                    </a:cubicBezTo>
-                    <a:cubicBezTo>
-                      <a:pt x="2480143" y="-4874"/>
-                      <a:pt x="2735114" y="-20363"/>
-                      <a:pt x="2935405" y="0"/>
-                    </a:cubicBezTo>
-                    <a:cubicBezTo>
-                      <a:pt x="3135696" y="20363"/>
-                      <a:pt x="3436871" y="-29544"/>
-                      <a:pt x="3720754" y="0"/>
-                    </a:cubicBezTo>
-                    <a:cubicBezTo>
-                      <a:pt x="4004637" y="29544"/>
-                      <a:pt x="4028634" y="1501"/>
-                      <a:pt x="4222863" y="0"/>
-                    </a:cubicBezTo>
-                    <a:cubicBezTo>
-                      <a:pt x="4417092" y="-1501"/>
-                      <a:pt x="4654536" y="13421"/>
-                      <a:pt x="5008212" y="0"/>
-                    </a:cubicBezTo>
-                    <a:cubicBezTo>
-                      <a:pt x="5361888" y="-13421"/>
-                      <a:pt x="5558134" y="-3460"/>
-                      <a:pt x="5793562" y="0"/>
-                    </a:cubicBezTo>
-                    <a:cubicBezTo>
-                      <a:pt x="6028990" y="3460"/>
-                      <a:pt x="6283140" y="-18066"/>
-                      <a:pt x="6437291" y="0"/>
-                    </a:cubicBezTo>
-                    <a:cubicBezTo>
-                      <a:pt x="6591442" y="18066"/>
-                      <a:pt x="6828068" y="20319"/>
-                      <a:pt x="7081020" y="0"/>
-                    </a:cubicBezTo>
-                    <a:cubicBezTo>
-                      <a:pt x="7086679" y="197309"/>
-                      <a:pt x="7052409" y="340961"/>
-                      <a:pt x="7081020" y="576750"/>
-                    </a:cubicBezTo>
-                    <a:cubicBezTo>
-                      <a:pt x="7109632" y="812539"/>
-                      <a:pt x="7078751" y="855081"/>
-                      <a:pt x="7081020" y="1010933"/>
-                    </a:cubicBezTo>
-                    <a:cubicBezTo>
-                      <a:pt x="7083289" y="1166785"/>
-                      <a:pt x="7071237" y="1407724"/>
-                      <a:pt x="7081020" y="1658967"/>
-                    </a:cubicBezTo>
-                    <a:cubicBezTo>
-                      <a:pt x="7090803" y="1910210"/>
-                      <a:pt x="7062603" y="2032907"/>
-                      <a:pt x="7081020" y="2307001"/>
-                    </a:cubicBezTo>
-                    <a:cubicBezTo>
-                      <a:pt x="7099437" y="2581095"/>
-                      <a:pt x="7090470" y="2745162"/>
-                      <a:pt x="7081020" y="2955035"/>
-                    </a:cubicBezTo>
-                    <a:cubicBezTo>
-                      <a:pt x="7071570" y="3164908"/>
-                      <a:pt x="7066660" y="3460273"/>
-                      <a:pt x="7081020" y="3674353"/>
-                    </a:cubicBezTo>
-                    <a:cubicBezTo>
-                      <a:pt x="7095380" y="3888433"/>
-                      <a:pt x="7101845" y="4088684"/>
-                      <a:pt x="7081020" y="4393671"/>
-                    </a:cubicBezTo>
-                    <a:cubicBezTo>
-                      <a:pt x="7060195" y="4698658"/>
-                      <a:pt x="7045749" y="4754912"/>
-                      <a:pt x="7081020" y="5112989"/>
-                    </a:cubicBezTo>
-                    <a:cubicBezTo>
-                      <a:pt x="7116291" y="5471066"/>
-                      <a:pt x="7081173" y="5404600"/>
-                      <a:pt x="7081020" y="5547172"/>
-                    </a:cubicBezTo>
-                    <a:cubicBezTo>
-                      <a:pt x="7080867" y="5689744"/>
-                      <a:pt x="7067424" y="5891982"/>
-                      <a:pt x="7081020" y="6052638"/>
-                    </a:cubicBezTo>
-                    <a:cubicBezTo>
-                      <a:pt x="7094616" y="6213294"/>
-                      <a:pt x="7107647" y="6614038"/>
-                      <a:pt x="7081020" y="7128375"/>
-                    </a:cubicBezTo>
-                    <a:cubicBezTo>
-                      <a:pt x="6954770" y="7122103"/>
-                      <a:pt x="6779392" y="7110310"/>
-                      <a:pt x="6508101" y="7128375"/>
-                    </a:cubicBezTo>
-                    <a:cubicBezTo>
-                      <a:pt x="6236810" y="7146440"/>
-                      <a:pt x="6026138" y="7145017"/>
-                      <a:pt x="5864372" y="7128375"/>
-                    </a:cubicBezTo>
-                    <a:cubicBezTo>
-                      <a:pt x="5702606" y="7111733"/>
-                      <a:pt x="5551602" y="7148973"/>
-                      <a:pt x="5433074" y="7128375"/>
-                    </a:cubicBezTo>
-                    <a:cubicBezTo>
-                      <a:pt x="5314546" y="7107777"/>
-                      <a:pt x="5146991" y="7129476"/>
-                      <a:pt x="5001775" y="7128375"/>
-                    </a:cubicBezTo>
-                    <a:cubicBezTo>
-                      <a:pt x="4856559" y="7127274"/>
-                      <a:pt x="4630755" y="7126059"/>
-                      <a:pt x="4358046" y="7128375"/>
-                    </a:cubicBezTo>
-                    <a:cubicBezTo>
-                      <a:pt x="4085337" y="7130691"/>
-                      <a:pt x="3967138" y="7142143"/>
-                      <a:pt x="3855937" y="7128375"/>
-                    </a:cubicBezTo>
-                    <a:cubicBezTo>
-                      <a:pt x="3744736" y="7114607"/>
-                      <a:pt x="3452305" y="7132533"/>
-                      <a:pt x="3141398" y="7128375"/>
-                    </a:cubicBezTo>
-                    <a:cubicBezTo>
-                      <a:pt x="2830491" y="7124217"/>
-                      <a:pt x="2779193" y="7123189"/>
-                      <a:pt x="2639289" y="7128375"/>
-                    </a:cubicBezTo>
-                    <a:cubicBezTo>
-                      <a:pt x="2499385" y="7133561"/>
-                      <a:pt x="2173760" y="7093547"/>
-                      <a:pt x="1924750" y="7128375"/>
-                    </a:cubicBezTo>
-                    <a:cubicBezTo>
-                      <a:pt x="1675740" y="7163203"/>
-                      <a:pt x="1667255" y="7133285"/>
-                      <a:pt x="1493451" y="7128375"/>
-                    </a:cubicBezTo>
-                    <a:cubicBezTo>
-                      <a:pt x="1319647" y="7123465"/>
-                      <a:pt x="928836" y="7162812"/>
-                      <a:pt x="778912" y="7128375"/>
-                    </a:cubicBezTo>
-                    <a:cubicBezTo>
-                      <a:pt x="628988" y="7093938"/>
-                      <a:pt x="182251" y="7126729"/>
-                      <a:pt x="0" y="7128375"/>
-                    </a:cubicBezTo>
-                    <a:cubicBezTo>
-                      <a:pt x="17581" y="6957036"/>
-                      <a:pt x="19306" y="6836112"/>
-                      <a:pt x="0" y="6694192"/>
-                    </a:cubicBezTo>
-                    <a:cubicBezTo>
-                      <a:pt x="-19306" y="6552272"/>
-                      <a:pt x="-27487" y="6330951"/>
-                      <a:pt x="0" y="6117442"/>
-                    </a:cubicBezTo>
-                    <a:cubicBezTo>
-                      <a:pt x="27487" y="5903933"/>
-                      <a:pt x="34445" y="5603571"/>
-                      <a:pt x="0" y="5326840"/>
-                    </a:cubicBezTo>
-                    <a:cubicBezTo>
-                      <a:pt x="-34445" y="5050109"/>
-                      <a:pt x="22424" y="5011072"/>
-                      <a:pt x="0" y="4821374"/>
-                    </a:cubicBezTo>
-                    <a:cubicBezTo>
-                      <a:pt x="-22424" y="4631676"/>
-                      <a:pt x="-9224" y="4579426"/>
-                      <a:pt x="0" y="4387191"/>
-                    </a:cubicBezTo>
-                    <a:cubicBezTo>
-                      <a:pt x="9224" y="4194956"/>
-                      <a:pt x="12046" y="4059739"/>
-                      <a:pt x="0" y="3953008"/>
-                    </a:cubicBezTo>
-                    <a:cubicBezTo>
-                      <a:pt x="-12046" y="3846277"/>
-                      <a:pt x="-2171" y="3399792"/>
-                      <a:pt x="0" y="3233690"/>
-                    </a:cubicBezTo>
-                    <a:cubicBezTo>
-                      <a:pt x="2171" y="3067588"/>
-                      <a:pt x="-5609" y="2974591"/>
-                      <a:pt x="0" y="2799507"/>
-                    </a:cubicBezTo>
-                    <a:cubicBezTo>
-                      <a:pt x="5609" y="2624423"/>
-                      <a:pt x="-28770" y="2289599"/>
-                      <a:pt x="0" y="2151473"/>
-                    </a:cubicBezTo>
-                    <a:cubicBezTo>
-                      <a:pt x="28770" y="2013347"/>
-                      <a:pt x="-2451" y="1763400"/>
-                      <a:pt x="0" y="1646007"/>
-                    </a:cubicBezTo>
-                    <a:cubicBezTo>
-                      <a:pt x="2451" y="1528614"/>
-                      <a:pt x="-5029" y="1223026"/>
-                      <a:pt x="0" y="997972"/>
-                    </a:cubicBezTo>
-                    <a:cubicBezTo>
-                      <a:pt x="5029" y="772919"/>
-                      <a:pt x="-35205" y="296777"/>
-                      <a:pt x="0" y="0"/>
-                    </a:cubicBezTo>
-                    <a:close/>
-                  </a:path>
-                </a:pathLst>
-              </a:custGeom>
-              <a:noFill/>
-              <a:ln w="25400">
-                <a:solidFill>
-                  <a:schemeClr val="tx1"/>
-                </a:solidFill>
-                <a:extLst>
-                  <a:ext uri="{C807C97D-BFC1-408E-A445-0C87EB9F89A2}">
-                    <ask:lineSketchStyleProps xmlns:ask="http://schemas.microsoft.com/office/drawing/2018/sketchyshapes" sd="1219033472">
-                      <a:prstGeom prst="rect">
-                        <a:avLst/>
-                      </a:prstGeom>
-                      <ask:type>
-                        <ask:lineSketchFreehand/>
-                      </ask:type>
-                    </ask:lineSketchStyleProps>
-                  </a:ext>
-                </a:extLst>
-              </a:ln>
-            </p:spPr>
-            <p:style>
-              <a:lnRef idx="2">
-                <a:schemeClr val="accent1">
-                  <a:shade val="15000"/>
-                </a:schemeClr>
-              </a:lnRef>
-              <a:fillRef idx="1">
-                <a:schemeClr val="accent1"/>
-              </a:fillRef>
-              <a:effectRef idx="0">
-                <a:schemeClr val="accent1"/>
-              </a:effectRef>
-              <a:fontRef idx="minor">
-                <a:schemeClr val="lt1"/>
-              </a:fontRef>
-            </p:style>
-            <p:txBody>
-              <a:bodyPr rtlCol="0" anchor="ctr"/>
-              <a:lstStyle/>
-              <a:p>
-                <a:pPr algn="ctr"/>
-                <a:endParaRPr lang="en-US" sz="2229"/>
-              </a:p>
-            </p:txBody>
-          </p:sp>
-        </p:grpSp>
-        <p:grpSp>
-          <p:nvGrpSpPr>
-            <p:cNvPr id="44" name="Group 43">
-              <a:extLst>
-                <a:ext uri="{FF2B5EF4-FFF2-40B4-BE49-F238E27FC236}">
-                  <a16:creationId xmlns:a16="http://schemas.microsoft.com/office/drawing/2014/main" id="{57041239-5E19-1885-DBBA-360623883237}"/>
-                </a:ext>
-              </a:extLst>
-            </p:cNvPr>
-            <p:cNvGrpSpPr/>
-            <p:nvPr/>
-          </p:nvGrpSpPr>
-          <p:grpSpPr>
-            <a:xfrm>
-              <a:off x="3336640" y="180531"/>
-              <a:ext cx="3996218" cy="1532972"/>
-              <a:chOff x="4993885" y="4429523"/>
-              <a:chExt cx="6705679" cy="1876412"/>
-            </a:xfrm>
-          </p:grpSpPr>
-          <p:sp>
-            <p:nvSpPr>
-              <p:cNvPr id="3" name="Rectangle 2">
-                <a:extLst>
-                  <a:ext uri="{FF2B5EF4-FFF2-40B4-BE49-F238E27FC236}">
-                    <a16:creationId xmlns:a16="http://schemas.microsoft.com/office/drawing/2014/main" id="{F87659A1-007A-5A1A-3C43-D31914FA600E}"/>
-                  </a:ext>
-                </a:extLst>
-              </p:cNvPr>
-              <p:cNvSpPr/>
-              <p:nvPr/>
-            </p:nvSpPr>
-            <p:spPr>
-              <a:xfrm>
-                <a:off x="4993886" y="4490436"/>
-                <a:ext cx="6685443" cy="1815499"/>
-              </a:xfrm>
-              <a:custGeom>
-                <a:avLst/>
-                <a:gdLst>
-                  <a:gd name="connsiteX0" fmla="*/ 0 w 6685443"/>
-                  <a:gd name="connsiteY0" fmla="*/ 0 h 1815499"/>
-                  <a:gd name="connsiteX1" fmla="*/ 601690 w 6685443"/>
-                  <a:gd name="connsiteY1" fmla="*/ 0 h 1815499"/>
-                  <a:gd name="connsiteX2" fmla="*/ 1069671 w 6685443"/>
-                  <a:gd name="connsiteY2" fmla="*/ 0 h 1815499"/>
-                  <a:gd name="connsiteX3" fmla="*/ 1871924 w 6685443"/>
-                  <a:gd name="connsiteY3" fmla="*/ 0 h 1815499"/>
-                  <a:gd name="connsiteX4" fmla="*/ 2473614 w 6685443"/>
-                  <a:gd name="connsiteY4" fmla="*/ 0 h 1815499"/>
-                  <a:gd name="connsiteX5" fmla="*/ 3075304 w 6685443"/>
-                  <a:gd name="connsiteY5" fmla="*/ 0 h 1815499"/>
-                  <a:gd name="connsiteX6" fmla="*/ 3877557 w 6685443"/>
-                  <a:gd name="connsiteY6" fmla="*/ 0 h 1815499"/>
-                  <a:gd name="connsiteX7" fmla="*/ 4412392 w 6685443"/>
-                  <a:gd name="connsiteY7" fmla="*/ 0 h 1815499"/>
-                  <a:gd name="connsiteX8" fmla="*/ 5214646 w 6685443"/>
-                  <a:gd name="connsiteY8" fmla="*/ 0 h 1815499"/>
-                  <a:gd name="connsiteX9" fmla="*/ 6016899 w 6685443"/>
-                  <a:gd name="connsiteY9" fmla="*/ 0 h 1815499"/>
-                  <a:gd name="connsiteX10" fmla="*/ 6685443 w 6685443"/>
-                  <a:gd name="connsiteY10" fmla="*/ 0 h 1815499"/>
-                  <a:gd name="connsiteX11" fmla="*/ 6685443 w 6685443"/>
-                  <a:gd name="connsiteY11" fmla="*/ 641476 h 1815499"/>
-                  <a:gd name="connsiteX12" fmla="*/ 6685443 w 6685443"/>
-                  <a:gd name="connsiteY12" fmla="*/ 1264798 h 1815499"/>
-                  <a:gd name="connsiteX13" fmla="*/ 6685443 w 6685443"/>
-                  <a:gd name="connsiteY13" fmla="*/ 1815499 h 1815499"/>
-                  <a:gd name="connsiteX14" fmla="*/ 6016899 w 6685443"/>
-                  <a:gd name="connsiteY14" fmla="*/ 1815499 h 1815499"/>
-                  <a:gd name="connsiteX15" fmla="*/ 5482063 w 6685443"/>
-                  <a:gd name="connsiteY15" fmla="*/ 1815499 h 1815499"/>
-                  <a:gd name="connsiteX16" fmla="*/ 4813519 w 6685443"/>
-                  <a:gd name="connsiteY16" fmla="*/ 1815499 h 1815499"/>
-                  <a:gd name="connsiteX17" fmla="*/ 4011266 w 6685443"/>
-                  <a:gd name="connsiteY17" fmla="*/ 1815499 h 1815499"/>
-                  <a:gd name="connsiteX18" fmla="*/ 3342722 w 6685443"/>
-                  <a:gd name="connsiteY18" fmla="*/ 1815499 h 1815499"/>
-                  <a:gd name="connsiteX19" fmla="*/ 2874740 w 6685443"/>
-                  <a:gd name="connsiteY19" fmla="*/ 1815499 h 1815499"/>
-                  <a:gd name="connsiteX20" fmla="*/ 2339905 w 6685443"/>
-                  <a:gd name="connsiteY20" fmla="*/ 1815499 h 1815499"/>
-                  <a:gd name="connsiteX21" fmla="*/ 1537652 w 6685443"/>
-                  <a:gd name="connsiteY21" fmla="*/ 1815499 h 1815499"/>
-                  <a:gd name="connsiteX22" fmla="*/ 869108 w 6685443"/>
-                  <a:gd name="connsiteY22" fmla="*/ 1815499 h 1815499"/>
-                  <a:gd name="connsiteX23" fmla="*/ 0 w 6685443"/>
-                  <a:gd name="connsiteY23" fmla="*/ 1815499 h 1815499"/>
-                  <a:gd name="connsiteX24" fmla="*/ 0 w 6685443"/>
-                  <a:gd name="connsiteY24" fmla="*/ 1210333 h 1815499"/>
-                  <a:gd name="connsiteX25" fmla="*/ 0 w 6685443"/>
-                  <a:gd name="connsiteY25" fmla="*/ 659631 h 1815499"/>
-                  <a:gd name="connsiteX26" fmla="*/ 0 w 6685443"/>
-                  <a:gd name="connsiteY26" fmla="*/ 0 h 1815499"/>
-                </a:gdLst>
-                <a:ahLst/>
-                <a:cxnLst>
-                  <a:cxn ang="0">
-                    <a:pos x="connsiteX0" y="connsiteY0"/>
-                  </a:cxn>
-                  <a:cxn ang="0">
-                    <a:pos x="connsiteX1" y="connsiteY1"/>
-                  </a:cxn>
-                  <a:cxn ang="0">
-                    <a:pos x="connsiteX2" y="connsiteY2"/>
-                  </a:cxn>
-                  <a:cxn ang="0">
-                    <a:pos x="connsiteX3" y="connsiteY3"/>
-                  </a:cxn>
-                  <a:cxn ang="0">
-                    <a:pos x="connsiteX4" y="connsiteY4"/>
-                  </a:cxn>
-                  <a:cxn ang="0">
-                    <a:pos x="connsiteX5" y="connsiteY5"/>
-                  </a:cxn>
-                  <a:cxn ang="0">
-                    <a:pos x="connsiteX6" y="connsiteY6"/>
-                  </a:cxn>
-                  <a:cxn ang="0">
-                    <a:pos x="connsiteX7" y="connsiteY7"/>
-                  </a:cxn>
-                  <a:cxn ang="0">
-                    <a:pos x="connsiteX8" y="connsiteY8"/>
-                  </a:cxn>
-                  <a:cxn ang="0">
-                    <a:pos x="connsiteX9" y="connsiteY9"/>
-                  </a:cxn>
-                  <a:cxn ang="0">
-                    <a:pos x="connsiteX10" y="connsiteY10"/>
-                  </a:cxn>
-                  <a:cxn ang="0">
-                    <a:pos x="connsiteX11" y="connsiteY11"/>
-                  </a:cxn>
-                  <a:cxn ang="0">
-                    <a:pos x="connsiteX12" y="connsiteY12"/>
-                  </a:cxn>
-                  <a:cxn ang="0">
-                    <a:pos x="connsiteX13" y="connsiteY13"/>
-                  </a:cxn>
-                  <a:cxn ang="0">
-                    <a:pos x="connsiteX14" y="connsiteY14"/>
-                  </a:cxn>
-                  <a:cxn ang="0">
-                    <a:pos x="connsiteX15" y="connsiteY15"/>
-                  </a:cxn>
-                  <a:cxn ang="0">
-                    <a:pos x="connsiteX16" y="connsiteY16"/>
-                  </a:cxn>
-                  <a:cxn ang="0">
-                    <a:pos x="connsiteX17" y="connsiteY17"/>
-                  </a:cxn>
-                  <a:cxn ang="0">
-                    <a:pos x="connsiteX18" y="connsiteY18"/>
-                  </a:cxn>
-                  <a:cxn ang="0">
-                    <a:pos x="connsiteX19" y="connsiteY19"/>
-                  </a:cxn>
-                  <a:cxn ang="0">
-                    <a:pos x="connsiteX20" y="connsiteY20"/>
-                  </a:cxn>
-                  <a:cxn ang="0">
-                    <a:pos x="connsiteX21" y="connsiteY21"/>
-                  </a:cxn>
-                  <a:cxn ang="0">
-                    <a:pos x="connsiteX22" y="connsiteY22"/>
-                  </a:cxn>
-                  <a:cxn ang="0">
-                    <a:pos x="connsiteX23" y="connsiteY23"/>
-                  </a:cxn>
-                  <a:cxn ang="0">
-                    <a:pos x="connsiteX24" y="connsiteY24"/>
-                  </a:cxn>
-                  <a:cxn ang="0">
-                    <a:pos x="connsiteX25" y="connsiteY25"/>
-                  </a:cxn>
-                  <a:cxn ang="0">
-                    <a:pos x="connsiteX26" y="connsiteY26"/>
-                  </a:cxn>
-                </a:cxnLst>
-                <a:rect l="l" t="t" r="r" b="b"/>
-                <a:pathLst>
-                  <a:path w="6685443" h="1815499" extrusionOk="0">
-                    <a:moveTo>
-                      <a:pt x="0" y="0"/>
-                    </a:moveTo>
-                    <a:cubicBezTo>
-                      <a:pt x="197687" y="5421"/>
-                      <a:pt x="392637" y="-27165"/>
-                      <a:pt x="601690" y="0"/>
-                    </a:cubicBezTo>
-                    <a:cubicBezTo>
-                      <a:pt x="810743" y="27165"/>
-                      <a:pt x="967174" y="20034"/>
-                      <a:pt x="1069671" y="0"/>
-                    </a:cubicBezTo>
-                    <a:cubicBezTo>
-                      <a:pt x="1172168" y="-20034"/>
-                      <a:pt x="1481114" y="26288"/>
-                      <a:pt x="1871924" y="0"/>
-                    </a:cubicBezTo>
-                    <a:cubicBezTo>
-                      <a:pt x="2262734" y="-26288"/>
-                      <a:pt x="2275646" y="9816"/>
-                      <a:pt x="2473614" y="0"/>
-                    </a:cubicBezTo>
-                    <a:cubicBezTo>
-                      <a:pt x="2671582" y="-9816"/>
-                      <a:pt x="2837715" y="-16866"/>
-                      <a:pt x="3075304" y="0"/>
-                    </a:cubicBezTo>
-                    <a:cubicBezTo>
-                      <a:pt x="3312893" y="16866"/>
-                      <a:pt x="3565082" y="13656"/>
-                      <a:pt x="3877557" y="0"/>
-                    </a:cubicBezTo>
-                    <a:cubicBezTo>
-                      <a:pt x="4190032" y="-13656"/>
-                      <a:pt x="4275680" y="23045"/>
-                      <a:pt x="4412392" y="0"/>
-                    </a:cubicBezTo>
-                    <a:cubicBezTo>
-                      <a:pt x="4549105" y="-23045"/>
-                      <a:pt x="4974381" y="13533"/>
-                      <a:pt x="5214646" y="0"/>
-                    </a:cubicBezTo>
-                    <a:cubicBezTo>
-                      <a:pt x="5454911" y="-13533"/>
-                      <a:pt x="5621382" y="6072"/>
-                      <a:pt x="6016899" y="0"/>
-                    </a:cubicBezTo>
-                    <a:cubicBezTo>
-                      <a:pt x="6412416" y="-6072"/>
-                      <a:pt x="6368099" y="-22480"/>
-                      <a:pt x="6685443" y="0"/>
-                    </a:cubicBezTo>
-                    <a:cubicBezTo>
-                      <a:pt x="6675060" y="141143"/>
-                      <a:pt x="6688790" y="422707"/>
-                      <a:pt x="6685443" y="641476"/>
-                    </a:cubicBezTo>
-                    <a:cubicBezTo>
-                      <a:pt x="6682096" y="860245"/>
-                      <a:pt x="6676921" y="1110529"/>
-                      <a:pt x="6685443" y="1264798"/>
-                    </a:cubicBezTo>
-                    <a:cubicBezTo>
-                      <a:pt x="6693965" y="1419067"/>
-                      <a:pt x="6712438" y="1626237"/>
-                      <a:pt x="6685443" y="1815499"/>
-                    </a:cubicBezTo>
-                    <a:cubicBezTo>
-                      <a:pt x="6531485" y="1826631"/>
-                      <a:pt x="6258288" y="1826162"/>
-                      <a:pt x="6016899" y="1815499"/>
-                    </a:cubicBezTo>
-                    <a:cubicBezTo>
-                      <a:pt x="5775510" y="1804836"/>
-                      <a:pt x="5635687" y="1808580"/>
-                      <a:pt x="5482063" y="1815499"/>
-                    </a:cubicBezTo>
-                    <a:cubicBezTo>
-                      <a:pt x="5328439" y="1822418"/>
-                      <a:pt x="4969533" y="1798322"/>
-                      <a:pt x="4813519" y="1815499"/>
-                    </a:cubicBezTo>
-                    <a:cubicBezTo>
-                      <a:pt x="4657505" y="1832676"/>
-                      <a:pt x="4277484" y="1797792"/>
-                      <a:pt x="4011266" y="1815499"/>
-                    </a:cubicBezTo>
-                    <a:cubicBezTo>
-                      <a:pt x="3745048" y="1833206"/>
-                      <a:pt x="3503887" y="1798854"/>
-                      <a:pt x="3342722" y="1815499"/>
-                    </a:cubicBezTo>
-                    <a:cubicBezTo>
-                      <a:pt x="3181557" y="1832144"/>
-                      <a:pt x="3094655" y="1808958"/>
-                      <a:pt x="2874740" y="1815499"/>
-                    </a:cubicBezTo>
-                    <a:cubicBezTo>
-                      <a:pt x="2654825" y="1822040"/>
-                      <a:pt x="2552356" y="1810430"/>
-                      <a:pt x="2339905" y="1815499"/>
-                    </a:cubicBezTo>
-                    <a:cubicBezTo>
-                      <a:pt x="2127454" y="1820568"/>
-                      <a:pt x="1825409" y="1807327"/>
-                      <a:pt x="1537652" y="1815499"/>
-                    </a:cubicBezTo>
-                    <a:cubicBezTo>
-                      <a:pt x="1249895" y="1823671"/>
-                      <a:pt x="1086879" y="1834794"/>
-                      <a:pt x="869108" y="1815499"/>
-                    </a:cubicBezTo>
-                    <a:cubicBezTo>
-                      <a:pt x="651337" y="1796204"/>
-                      <a:pt x="264417" y="1828267"/>
-                      <a:pt x="0" y="1815499"/>
-                    </a:cubicBezTo>
-                    <a:cubicBezTo>
-                      <a:pt x="8313" y="1520428"/>
-                      <a:pt x="-1936" y="1449694"/>
-                      <a:pt x="0" y="1210333"/>
-                    </a:cubicBezTo>
-                    <a:cubicBezTo>
-                      <a:pt x="1936" y="970972"/>
-                      <a:pt x="16209" y="905402"/>
-                      <a:pt x="0" y="659631"/>
-                    </a:cubicBezTo>
-                    <a:cubicBezTo>
-                      <a:pt x="-16209" y="413860"/>
-                      <a:pt x="-15680" y="309233"/>
-                      <a:pt x="0" y="0"/>
-                    </a:cubicBezTo>
-                    <a:close/>
-                  </a:path>
-                </a:pathLst>
-              </a:custGeom>
-              <a:noFill/>
-              <a:ln w="25400">
-                <a:solidFill>
                   <a:schemeClr val="tx1"/>
                 </a:solidFill>
                 <a:extLst>
@@ -12351,7 +9600,7 @@
             </p:nvCxnSpPr>
             <p:spPr>
               <a:xfrm flipV="1">
-                <a:off x="5227292" y="5276374"/>
+                <a:off x="5227301" y="5625761"/>
                 <a:ext cx="0" cy="190856"/>
               </a:xfrm>
               <a:prstGeom prst="line">
@@ -12669,7 +9918,7 @@
               <a:pPr algn="ctr"/>
               <a:r>
                 <a:rPr lang="en-US" dirty="0"/>
-                <a:t>6</a:t>
+                <a:t>3,4,5,6</a:t>
               </a:r>
             </a:p>
           </p:txBody>
@@ -12723,13 +9972,7 @@
               <a:lstStyle/>
               <a:p>
                 <a:r>
-                  <a:rPr lang="en-US" dirty="0">
-                    <a:solidFill>
-                      <a:schemeClr val="bg1">
-                        <a:lumMod val="65000"/>
-                      </a:schemeClr>
-                    </a:solidFill>
-                  </a:rPr>
+                  <a:rPr lang="en-US" dirty="0"/>
                   <a:t>again</a:t>
                 </a:r>
               </a:p>
@@ -12857,9 +10100,7 @@
               <a:noFill/>
               <a:ln w="25400">
                 <a:solidFill>
-                  <a:schemeClr val="bg1">
-                    <a:lumMod val="65000"/>
-                  </a:schemeClr>
+                  <a:schemeClr val="tx1"/>
                 </a:solidFill>
                 <a:extLst>
                   <a:ext uri="{C807C97D-BFC1-408E-A445-0C87EB9F89A2}">
@@ -13345,8 +10586,8 @@
         </p:nvGrpSpPr>
         <p:grpSpPr>
           <a:xfrm>
-            <a:off x="1912319" y="2268479"/>
-            <a:ext cx="407468" cy="1460891"/>
+            <a:off x="1912319" y="2277692"/>
+            <a:ext cx="407468" cy="1388261"/>
             <a:chOff x="1668759" y="-13958058"/>
             <a:chExt cx="487848" cy="22198517"/>
           </a:xfrm>
@@ -13452,10 +10693,10 @@
       </p:grpSp>
       <p:sp>
         <p:nvSpPr>
-          <p:cNvPr id="6" name="TextBox 5">
+          <p:cNvPr id="9" name="TextBox 8">
             <a:extLst>
               <a:ext uri="{FF2B5EF4-FFF2-40B4-BE49-F238E27FC236}">
-                <a16:creationId xmlns:a16="http://schemas.microsoft.com/office/drawing/2014/main" id="{05DAB3CC-BCD8-89C5-B2B3-1A640BFA1191}"/>
+                <a16:creationId xmlns:a16="http://schemas.microsoft.com/office/drawing/2014/main" id="{D38C42C7-D21A-46F2-2980-B848E4C97B8A}"/>
               </a:ext>
             </a:extLst>
           </p:cNvPr>
@@ -13464,8 +10705,8 @@
         </p:nvSpPr>
         <p:spPr>
           <a:xfrm>
-            <a:off x="3343353" y="3614412"/>
-            <a:ext cx="3678061" cy="369332"/>
+            <a:off x="961372" y="2608372"/>
+            <a:ext cx="712270" cy="369332"/>
           </a:xfrm>
           <a:prstGeom prst="rect">
             <a:avLst/>
@@ -13480,15 +10721,66 @@
           <a:p>
             <a:r>
               <a:rPr lang="en-US" dirty="0"/>
-              <a:t>Hello</a:t>
+              <a:t>y</a:t>
             </a:r>
           </a:p>
         </p:txBody>
       </p:sp>
+      <p:cxnSp>
+        <p:nvCxnSpPr>
+          <p:cNvPr id="10" name="Curved Connector 9">
+            <a:extLst>
+              <a:ext uri="{FF2B5EF4-FFF2-40B4-BE49-F238E27FC236}">
+                <a16:creationId xmlns:a16="http://schemas.microsoft.com/office/drawing/2014/main" id="{F5A2E5BD-8837-BD87-4508-236E4977ABE3}"/>
+              </a:ext>
+            </a:extLst>
+          </p:cNvPr>
+          <p:cNvCxnSpPr>
+            <a:cxnSpLocks/>
+            <a:endCxn id="9" idx="0"/>
+          </p:cNvCxnSpPr>
+          <p:nvPr/>
+        </p:nvCxnSpPr>
+        <p:spPr>
+          <a:xfrm rot="10800000">
+            <a:off x="1317507" y="2608372"/>
+            <a:ext cx="2930562" cy="1511538"/>
+          </a:xfrm>
+          <a:prstGeom prst="curvedConnector4">
+            <a:avLst>
+              <a:gd name="adj1" fmla="val -32275"/>
+              <a:gd name="adj2" fmla="val 149510"/>
+            </a:avLst>
+          </a:prstGeom>
+          <a:ln w="38100">
+            <a:solidFill>
+              <a:schemeClr val="accent2">
+                <a:lumMod val="75000"/>
+              </a:schemeClr>
+            </a:solidFill>
+            <a:headEnd type="none"/>
+            <a:tailEnd type="triangle"/>
+          </a:ln>
+        </p:spPr>
+        <p:style>
+          <a:lnRef idx="1">
+            <a:schemeClr val="accent1"/>
+          </a:lnRef>
+          <a:fillRef idx="0">
+            <a:schemeClr val="accent1"/>
+          </a:fillRef>
+          <a:effectRef idx="0">
+            <a:schemeClr val="accent1"/>
+          </a:effectRef>
+          <a:fontRef idx="minor">
+            <a:schemeClr val="tx1"/>
+          </a:fontRef>
+        </p:style>
+      </p:cxnSp>
     </p:spTree>
     <p:extLst>
       <p:ext uri="{BB962C8B-B14F-4D97-AF65-F5344CB8AC3E}">
-        <p14:creationId xmlns:p14="http://schemas.microsoft.com/office/powerpoint/2010/main" val="2691141603"/>
+        <p14:creationId xmlns:p14="http://schemas.microsoft.com/office/powerpoint/2010/main" val="3006627872"/>
       </p:ext>
     </p:extLst>
   </p:cSld>
@@ -13498,7 +10790,7 @@
 </p:sld>
 </file>
 
-<file path=ppt/slides/slide5.xml><?xml version="1.0" encoding="utf-8"?>
+<file path=ppt/slides/slide4.xml><?xml version="1.0" encoding="utf-8"?>
 <p:sld xmlns:a="http://schemas.openxmlformats.org/drawingml/2006/main" xmlns:r="http://schemas.openxmlformats.org/officeDocument/2006/relationships" xmlns:p="http://schemas.openxmlformats.org/presentationml/2006/main">
   <p:cSld>
     <p:bg>
@@ -13558,14 +10850,26 @@
           <a:lstStyle/>
           <a:p>
             <a:r>
-              <a:rPr lang="en-US" dirty="0"/>
+              <a:rPr lang="en-US" dirty="0">
+                <a:solidFill>
+                  <a:schemeClr val="bg1">
+                    <a:lumMod val="65000"/>
+                  </a:schemeClr>
+                </a:solidFill>
+              </a:rPr>
               <a:t>Hello</a:t>
             </a:r>
           </a:p>
           <a:p>
             <a:r>
-              <a:rPr lang="en-US" dirty="0"/>
-              <a:t>Again: </a:t>
+              <a:rPr lang="en-US" dirty="0">
+                <a:solidFill>
+                  <a:schemeClr val="bg1">
+                    <a:lumMod val="65000"/>
+                  </a:schemeClr>
+                </a:solidFill>
+              </a:rPr>
+              <a:t>Again: y </a:t>
             </a:r>
           </a:p>
         </p:txBody>
@@ -13605,7 +10909,7 @@
           <p:spPr>
             <a:xfrm>
               <a:off x="2275695" y="-2481252"/>
-              <a:ext cx="5046276" cy="2800767"/>
+              <a:ext cx="5046276" cy="2554545"/>
             </a:xfrm>
             <a:prstGeom prst="rect">
               <a:avLst/>
@@ -13630,63 +10934,7 @@
                     </a:schemeClr>
                   </a:solidFill>
                 </a:rPr>
-                <a:t>using static </a:t>
-              </a:r>
-              <a:r>
-                <a:rPr lang="en-AU" sz="1600" dirty="0" err="1">
-                  <a:solidFill>
-                    <a:schemeClr val="bg1">
-                      <a:lumMod val="65000"/>
-                    </a:schemeClr>
-                  </a:solidFill>
-                </a:rPr>
-                <a:t>System.Console</a:t>
-              </a:r>
-              <a:r>
-                <a:rPr lang="en-AU" sz="1600" dirty="0">
-                  <a:solidFill>
-                    <a:schemeClr val="bg1">
-                      <a:lumMod val="65000"/>
-                    </a:schemeClr>
-                  </a:solidFill>
-                </a:rPr>
-                <a:t>;</a:t>
-              </a:r>
-            </a:p>
-            <a:p>
-              <a:pPr marL="342900" indent="-342900" rtl="0">
-                <a:buFont typeface="+mj-lt"/>
-                <a:buAutoNum type="arabicPeriod"/>
-              </a:pPr>
-              <a:r>
-                <a:rPr lang="en-AU" sz="1600" dirty="0">
-                  <a:solidFill>
-                    <a:schemeClr val="bg1">
-                      <a:lumMod val="65000"/>
-                    </a:schemeClr>
-                  </a:solidFill>
-                </a:rPr>
-                <a:t>using static </a:t>
-              </a:r>
-              <a:r>
-                <a:rPr lang="en-AU" sz="1600" dirty="0" err="1">
-                  <a:solidFill>
-                    <a:schemeClr val="bg1">
-                      <a:lumMod val="65000"/>
-                    </a:schemeClr>
-                  </a:solidFill>
-                </a:rPr>
-                <a:t>System.Convert</a:t>
-              </a:r>
-              <a:r>
-                <a:rPr lang="en-AU" sz="1600" dirty="0">
-                  <a:solidFill>
-                    <a:schemeClr val="bg1">
-                      <a:lumMod val="65000"/>
-                    </a:schemeClr>
-                  </a:solidFill>
-                </a:rPr>
-                <a:t>;</a:t>
+                <a:t>string again;</a:t>
               </a:r>
               <a:br>
                 <a:rPr lang="en-AU" sz="1600" dirty="0">
@@ -13704,22 +10952,6 @@
                   </a:schemeClr>
                 </a:solidFill>
               </a:endParaRPr>
-            </a:p>
-            <a:p>
-              <a:pPr marL="342900" indent="-342900" rtl="0">
-                <a:buFont typeface="+mj-lt"/>
-                <a:buAutoNum type="arabicPeriod"/>
-              </a:pPr>
-              <a:r>
-                <a:rPr lang="en-AU" sz="1600" dirty="0">
-                  <a:solidFill>
-                    <a:schemeClr val="bg1">
-                      <a:lumMod val="65000"/>
-                    </a:schemeClr>
-                  </a:solidFill>
-                </a:rPr>
-                <a:t>string again;</a:t>
-              </a:r>
             </a:p>
             <a:p>
               <a:pPr marL="342900" indent="-342900" rtl="0">
@@ -13775,7 +11007,13 @@
                 <a:buAutoNum type="arabicPeriod"/>
               </a:pPr>
               <a:r>
-                <a:rPr lang="en-AU" sz="1600" dirty="0"/>
+                <a:rPr lang="en-AU" sz="1600" dirty="0">
+                  <a:solidFill>
+                    <a:schemeClr val="bg1">
+                      <a:lumMod val="65000"/>
+                    </a:schemeClr>
+                  </a:solidFill>
+                </a:rPr>
                 <a:t>    Write("Again: ");</a:t>
               </a:r>
             </a:p>
@@ -13821,6 +11059,10 @@
                 <a:buAutoNum type="arabicPeriod"/>
               </a:pPr>
               <a:r>
+                <a:rPr lang="en-AU" sz="1600" dirty="0"/>
+                <a:t>} (again == "y” || again == ”Y”);</a:t>
+              </a:r>
+              <a:br>
                 <a:rPr lang="en-AU" sz="1600" dirty="0">
                   <a:solidFill>
                     <a:schemeClr val="bg1">
@@ -13828,12 +11070,30 @@
                     </a:schemeClr>
                   </a:solidFill>
                 </a:rPr>
-                <a:t>} (again == "y” || again == ”Y”);</a:t>
-              </a:r>
+              </a:br>
+              <a:endParaRPr lang="en-AU" sz="1600" dirty="0">
+                <a:solidFill>
+                  <a:schemeClr val="bg1">
+                    <a:lumMod val="65000"/>
+                  </a:schemeClr>
+                </a:solidFill>
+              </a:endParaRPr>
             </a:p>
             <a:p>
-              <a:pPr rtl="0"/>
-              <a:endParaRPr lang="en-AU" sz="1600" dirty="0"/>
+              <a:pPr marL="342900" indent="-342900" rtl="0">
+                <a:buFont typeface="+mj-lt"/>
+                <a:buAutoNum type="arabicPeriod"/>
+              </a:pPr>
+              <a:r>
+                <a:rPr lang="en-AU" sz="1600" dirty="0">
+                  <a:solidFill>
+                    <a:schemeClr val="bg1">
+                      <a:lumMod val="65000"/>
+                    </a:schemeClr>
+                  </a:solidFill>
+                </a:rPr>
+                <a:t>WriteLine("Bye…");</a:t>
+              </a:r>
             </a:p>
           </p:txBody>
         </p:sp>
@@ -14897,7 +12157,9 @@
               <a:noFill/>
               <a:ln w="25400">
                 <a:solidFill>
-                  <a:schemeClr val="tx1"/>
+                  <a:schemeClr val="bg1">
+                    <a:lumMod val="65000"/>
+                  </a:schemeClr>
                 </a:solidFill>
                 <a:extLst>
                   <a:ext uri="{C807C97D-BFC1-408E-A445-0C87EB9F89A2}">
@@ -14962,7 +12224,9 @@
               </a:prstGeom>
               <a:ln w="25400">
                 <a:solidFill>
-                  <a:schemeClr val="tx1"/>
+                  <a:schemeClr val="bg1">
+                    <a:lumMod val="65000"/>
+                  </a:schemeClr>
                 </a:solidFill>
               </a:ln>
             </p:spPr>
@@ -15011,6 +12275,11 @@
               <a:p>
                 <a:r>
                   <a:rPr lang="en-US" dirty="0">
+                    <a:solidFill>
+                      <a:schemeClr val="bg1">
+                        <a:lumMod val="65000"/>
+                      </a:schemeClr>
+                    </a:solidFill>
                     <a:latin typeface="Gaegu" pitchFamily="2" charset="0"/>
                   </a:rPr>
                   <a:t>Terminal</a:t>
@@ -15034,7 +12303,7 @@
             </p:nvCxnSpPr>
             <p:spPr>
               <a:xfrm flipV="1">
-                <a:off x="6244822" y="5307656"/>
+                <a:off x="5227301" y="5625761"/>
                 <a:ext cx="0" cy="190856"/>
               </a:xfrm>
               <a:prstGeom prst="line">
@@ -15042,7 +12311,9 @@
               </a:prstGeom>
               <a:ln w="25400">
                 <a:solidFill>
-                  <a:schemeClr val="tx1"/>
+                  <a:schemeClr val="bg1">
+                    <a:lumMod val="65000"/>
+                  </a:schemeClr>
                 </a:solidFill>
               </a:ln>
             </p:spPr>
@@ -15406,13 +12677,7 @@
               <a:lstStyle/>
               <a:p>
                 <a:r>
-                  <a:rPr lang="en-US" dirty="0">
-                    <a:solidFill>
-                      <a:schemeClr val="bg1">
-                        <a:lumMod val="65000"/>
-                      </a:schemeClr>
-                    </a:solidFill>
-                  </a:rPr>
+                  <a:rPr lang="en-US" dirty="0"/>
                   <a:t>again</a:t>
                 </a:r>
               </a:p>
@@ -15540,9 +12805,7 @@
               <a:noFill/>
               <a:ln w="25400">
                 <a:solidFill>
-                  <a:schemeClr val="bg1">
-                    <a:lumMod val="65000"/>
-                  </a:schemeClr>
+                  <a:schemeClr val="tx1"/>
                 </a:solidFill>
                 <a:extLst>
                   <a:ext uri="{C807C97D-BFC1-408E-A445-0C87EB9F89A2}">
@@ -15892,7 +13155,7 @@
           <p:spPr>
             <a:xfrm>
               <a:off x="2492466" y="375300"/>
-              <a:ext cx="298435" cy="369332"/>
+              <a:ext cx="681335" cy="369332"/>
             </a:xfrm>
             <a:prstGeom prst="rect">
               <a:avLst/>
@@ -15907,7 +13170,7 @@
             <a:p>
               <a:r>
                 <a:rPr lang="en-US" dirty="0"/>
-                <a:t>8</a:t>
+                <a:t>3,4</a:t>
               </a:r>
             </a:p>
           </p:txBody>
@@ -15960,7 +13223,7 @@
           </p:nvPicPr>
           <p:blipFill>
             <a:blip r:embed="rId4">
-              <a:alphaModFix/>
+              <a:alphaModFix amt="30000"/>
             </a:blip>
             <a:stretch>
               <a:fillRect/>
@@ -16028,8 +13291,8 @@
         </p:nvGrpSpPr>
         <p:grpSpPr>
           <a:xfrm>
-            <a:off x="1912319" y="2520156"/>
-            <a:ext cx="407468" cy="1171201"/>
+            <a:off x="1916098" y="2508732"/>
+            <a:ext cx="407468" cy="929739"/>
             <a:chOff x="1668759" y="-13958058"/>
             <a:chExt cx="487848" cy="22198517"/>
           </a:xfrm>
@@ -16133,10 +13396,94 @@
           </p:txBody>
         </p:sp>
       </p:grpSp>
+      <p:sp>
+        <p:nvSpPr>
+          <p:cNvPr id="9" name="TextBox 8">
+            <a:extLst>
+              <a:ext uri="{FF2B5EF4-FFF2-40B4-BE49-F238E27FC236}">
+                <a16:creationId xmlns:a16="http://schemas.microsoft.com/office/drawing/2014/main" id="{01D2F283-3E5B-6454-4870-33BC2E31B0A0}"/>
+              </a:ext>
+            </a:extLst>
+          </p:cNvPr>
+          <p:cNvSpPr txBox="1"/>
+          <p:nvPr/>
+        </p:nvSpPr>
+        <p:spPr>
+          <a:xfrm>
+            <a:off x="961372" y="2608372"/>
+            <a:ext cx="712270" cy="369332"/>
+          </a:xfrm>
+          <a:prstGeom prst="rect">
+            <a:avLst/>
+          </a:prstGeom>
+          <a:noFill/>
+        </p:spPr>
+        <p:txBody>
+          <a:bodyPr wrap="square" rtlCol="0">
+            <a:spAutoFit/>
+          </a:bodyPr>
+          <a:lstStyle/>
+          <a:p>
+            <a:r>
+              <a:rPr lang="en-US" dirty="0"/>
+              <a:t>y</a:t>
+            </a:r>
+          </a:p>
+        </p:txBody>
+      </p:sp>
+      <p:cxnSp>
+        <p:nvCxnSpPr>
+          <p:cNvPr id="28" name="Curved Connector 27">
+            <a:extLst>
+              <a:ext uri="{FF2B5EF4-FFF2-40B4-BE49-F238E27FC236}">
+                <a16:creationId xmlns:a16="http://schemas.microsoft.com/office/drawing/2014/main" id="{7F5C1714-D88C-1076-51D8-2A35D224E01D}"/>
+              </a:ext>
+            </a:extLst>
+          </p:cNvPr>
+          <p:cNvCxnSpPr>
+            <a:cxnSpLocks/>
+          </p:cNvCxnSpPr>
+          <p:nvPr/>
+        </p:nvCxnSpPr>
+        <p:spPr>
+          <a:xfrm flipV="1">
+            <a:off x="1347531" y="2566368"/>
+            <a:ext cx="1357167" cy="272717"/>
+          </a:xfrm>
+          <a:prstGeom prst="curvedConnector3">
+            <a:avLst>
+              <a:gd name="adj1" fmla="val 50000"/>
+            </a:avLst>
+          </a:prstGeom>
+          <a:ln w="38100">
+            <a:solidFill>
+              <a:schemeClr val="accent2">
+                <a:lumMod val="75000"/>
+              </a:schemeClr>
+            </a:solidFill>
+            <a:headEnd type="arrow"/>
+            <a:tailEnd type="arrow"/>
+          </a:ln>
+        </p:spPr>
+        <p:style>
+          <a:lnRef idx="1">
+            <a:schemeClr val="accent1"/>
+          </a:lnRef>
+          <a:fillRef idx="0">
+            <a:schemeClr val="accent1"/>
+          </a:fillRef>
+          <a:effectRef idx="0">
+            <a:schemeClr val="accent1"/>
+          </a:effectRef>
+          <a:fontRef idx="minor">
+            <a:schemeClr val="tx1"/>
+          </a:fontRef>
+        </p:style>
+      </p:cxnSp>
     </p:spTree>
     <p:extLst>
       <p:ext uri="{BB962C8B-B14F-4D97-AF65-F5344CB8AC3E}">
-        <p14:creationId xmlns:p14="http://schemas.microsoft.com/office/powerpoint/2010/main" val="856290988"/>
+        <p14:creationId xmlns:p14="http://schemas.microsoft.com/office/powerpoint/2010/main" val="2091080812"/>
       </p:ext>
     </p:extLst>
   </p:cSld>
@@ -16146,7 +13493,7 @@
 </p:sld>
 </file>
 
-<file path=ppt/slides/slide6.xml><?xml version="1.0" encoding="utf-8"?>
+<file path=ppt/slides/slide5.xml><?xml version="1.0" encoding="utf-8"?>
 <p:sld xmlns:a="http://schemas.openxmlformats.org/drawingml/2006/main" xmlns:r="http://schemas.openxmlformats.org/officeDocument/2006/relationships" xmlns:p="http://schemas.openxmlformats.org/presentationml/2006/main">
   <p:cSld>
     <p:bg>
@@ -16192,7 +13539,7 @@
         <p:spPr>
           <a:xfrm>
             <a:off x="3343353" y="3614412"/>
-            <a:ext cx="3678061" cy="646331"/>
+            <a:ext cx="3678061" cy="1200329"/>
           </a:xfrm>
           <a:prstGeom prst="rect">
             <a:avLst/>
@@ -16204,6 +13551,30 @@
             <a:spAutoFit/>
           </a:bodyPr>
           <a:lstStyle/>
+          <a:p>
+            <a:r>
+              <a:rPr lang="en-US" dirty="0">
+                <a:solidFill>
+                  <a:schemeClr val="bg1">
+                    <a:lumMod val="65000"/>
+                  </a:schemeClr>
+                </a:solidFill>
+              </a:rPr>
+              <a:t>Hello</a:t>
+            </a:r>
+          </a:p>
+          <a:p>
+            <a:r>
+              <a:rPr lang="en-US" dirty="0">
+                <a:solidFill>
+                  <a:schemeClr val="bg1">
+                    <a:lumMod val="65000"/>
+                  </a:schemeClr>
+                </a:solidFill>
+              </a:rPr>
+              <a:t>Again: y</a:t>
+            </a:r>
+          </a:p>
           <a:p>
             <a:r>
               <a:rPr lang="en-US" dirty="0"/>
@@ -16253,7 +13624,7 @@
           <p:spPr>
             <a:xfrm>
               <a:off x="2275695" y="-2481252"/>
-              <a:ext cx="5046276" cy="2800767"/>
+              <a:ext cx="5046276" cy="2554545"/>
             </a:xfrm>
             <a:prstGeom prst="rect">
               <a:avLst/>
@@ -16278,63 +13649,7 @@
                     </a:schemeClr>
                   </a:solidFill>
                 </a:rPr>
-                <a:t>using static </a:t>
-              </a:r>
-              <a:r>
-                <a:rPr lang="en-AU" sz="1600" dirty="0" err="1">
-                  <a:solidFill>
-                    <a:schemeClr val="bg1">
-                      <a:lumMod val="65000"/>
-                    </a:schemeClr>
-                  </a:solidFill>
-                </a:rPr>
-                <a:t>System.Console</a:t>
-              </a:r>
-              <a:r>
-                <a:rPr lang="en-AU" sz="1600" dirty="0">
-                  <a:solidFill>
-                    <a:schemeClr val="bg1">
-                      <a:lumMod val="65000"/>
-                    </a:schemeClr>
-                  </a:solidFill>
-                </a:rPr>
-                <a:t>;</a:t>
-              </a:r>
-            </a:p>
-            <a:p>
-              <a:pPr marL="342900" indent="-342900" rtl="0">
-                <a:buFont typeface="+mj-lt"/>
-                <a:buAutoNum type="arabicPeriod"/>
-              </a:pPr>
-              <a:r>
-                <a:rPr lang="en-AU" sz="1600" dirty="0">
-                  <a:solidFill>
-                    <a:schemeClr val="bg1">
-                      <a:lumMod val="65000"/>
-                    </a:schemeClr>
-                  </a:solidFill>
-                </a:rPr>
-                <a:t>using static </a:t>
-              </a:r>
-              <a:r>
-                <a:rPr lang="en-AU" sz="1600" dirty="0" err="1">
-                  <a:solidFill>
-                    <a:schemeClr val="bg1">
-                      <a:lumMod val="65000"/>
-                    </a:schemeClr>
-                  </a:solidFill>
-                </a:rPr>
-                <a:t>System.Convert</a:t>
-              </a:r>
-              <a:r>
-                <a:rPr lang="en-AU" sz="1600" dirty="0">
-                  <a:solidFill>
-                    <a:schemeClr val="bg1">
-                      <a:lumMod val="65000"/>
-                    </a:schemeClr>
-                  </a:solidFill>
-                </a:rPr>
-                <a:t>;</a:t>
+                <a:t>string again;</a:t>
               </a:r>
               <a:br>
                 <a:rPr lang="en-AU" sz="1600" dirty="0">
@@ -16366,22 +13681,6 @@
                     </a:schemeClr>
                   </a:solidFill>
                 </a:rPr>
-                <a:t>string again;</a:t>
-              </a:r>
-            </a:p>
-            <a:p>
-              <a:pPr marL="342900" indent="-342900" rtl="0">
-                <a:buFont typeface="+mj-lt"/>
-                <a:buAutoNum type="arabicPeriod"/>
-              </a:pPr>
-              <a:r>
-                <a:rPr lang="en-AU" sz="1600" dirty="0">
-                  <a:solidFill>
-                    <a:schemeClr val="bg1">
-                      <a:lumMod val="65000"/>
-                    </a:schemeClr>
-                  </a:solidFill>
-                </a:rPr>
                 <a:t>do</a:t>
               </a:r>
             </a:p>
@@ -16391,13 +13690,7 @@
                 <a:buAutoNum type="arabicPeriod"/>
               </a:pPr>
               <a:r>
-                <a:rPr lang="en-AU" sz="1600" dirty="0">
-                  <a:solidFill>
-                    <a:schemeClr val="bg1">
-                      <a:lumMod val="65000"/>
-                    </a:schemeClr>
-                  </a:solidFill>
-                </a:rPr>
+                <a:rPr lang="en-AU" sz="1600" dirty="0"/>
                 <a:t>{</a:t>
               </a:r>
             </a:p>
@@ -16407,13 +13700,7 @@
                 <a:buAutoNum type="arabicPeriod"/>
               </a:pPr>
               <a:r>
-                <a:rPr lang="en-AU" sz="1600" dirty="0">
-                  <a:solidFill>
-                    <a:schemeClr val="bg1">
-                      <a:lumMod val="65000"/>
-                    </a:schemeClr>
-                  </a:solidFill>
-                </a:rPr>
+                <a:rPr lang="en-AU" sz="1600" dirty="0"/>
                 <a:t>    WriteLine("Hello");</a:t>
               </a:r>
             </a:p>
@@ -16423,13 +13710,7 @@
                 <a:buAutoNum type="arabicPeriod"/>
               </a:pPr>
               <a:r>
-                <a:rPr lang="en-AU" sz="1600" dirty="0">
-                  <a:solidFill>
-                    <a:schemeClr val="bg1">
-                      <a:lumMod val="65000"/>
-                    </a:schemeClr>
-                  </a:solidFill>
-                </a:rPr>
+                <a:rPr lang="en-AU" sz="1600" dirty="0"/>
                 <a:t>    Write("Again: ");</a:t>
               </a:r>
             </a:p>
@@ -16466,10 +13747,38 @@
                 </a:rPr>
                 <a:t>} (again == "y” || again == ”Y”);</a:t>
               </a:r>
+              <a:br>
+                <a:rPr lang="en-AU" sz="1600" dirty="0">
+                  <a:solidFill>
+                    <a:schemeClr val="bg1">
+                      <a:lumMod val="65000"/>
+                    </a:schemeClr>
+                  </a:solidFill>
+                </a:rPr>
+              </a:br>
+              <a:endParaRPr lang="en-AU" sz="1600" dirty="0">
+                <a:solidFill>
+                  <a:schemeClr val="bg1">
+                    <a:lumMod val="65000"/>
+                  </a:schemeClr>
+                </a:solidFill>
+              </a:endParaRPr>
             </a:p>
             <a:p>
-              <a:pPr rtl="0"/>
-              <a:endParaRPr lang="en-AU" sz="1600" dirty="0"/>
+              <a:pPr marL="342900" indent="-342900" rtl="0">
+                <a:buFont typeface="+mj-lt"/>
+                <a:buAutoNum type="arabicPeriod"/>
+              </a:pPr>
+              <a:r>
+                <a:rPr lang="en-AU" sz="1600" dirty="0">
+                  <a:solidFill>
+                    <a:schemeClr val="bg1">
+                      <a:lumMod val="65000"/>
+                    </a:schemeClr>
+                  </a:solidFill>
+                </a:rPr>
+                <a:t>WriteLine("Bye…");</a:t>
+              </a:r>
             </a:p>
           </p:txBody>
         </p:sp>
@@ -17654,49 +14963,6 @@
               </a:p>
             </p:txBody>
           </p:sp>
-          <p:cxnSp>
-            <p:nvCxnSpPr>
-              <p:cNvPr id="109" name="Straight Connector 108">
-                <a:extLst>
-                  <a:ext uri="{FF2B5EF4-FFF2-40B4-BE49-F238E27FC236}">
-                    <a16:creationId xmlns:a16="http://schemas.microsoft.com/office/drawing/2014/main" id="{66A45FBB-357A-5752-2DFB-F3411E54BCC4}"/>
-                  </a:ext>
-                </a:extLst>
-              </p:cNvPr>
-              <p:cNvCxnSpPr>
-                <a:cxnSpLocks/>
-              </p:cNvCxnSpPr>
-              <p:nvPr/>
-            </p:nvCxnSpPr>
-            <p:spPr>
-              <a:xfrm flipV="1">
-                <a:off x="5227301" y="5625761"/>
-                <a:ext cx="0" cy="190856"/>
-              </a:xfrm>
-              <a:prstGeom prst="line">
-                <a:avLst/>
-              </a:prstGeom>
-              <a:ln w="25400">
-                <a:solidFill>
-                  <a:schemeClr val="tx1"/>
-                </a:solidFill>
-              </a:ln>
-            </p:spPr>
-            <p:style>
-              <a:lnRef idx="1">
-                <a:schemeClr val="accent1"/>
-              </a:lnRef>
-              <a:fillRef idx="0">
-                <a:schemeClr val="accent1"/>
-              </a:fillRef>
-              <a:effectRef idx="0">
-                <a:schemeClr val="accent1"/>
-              </a:effectRef>
-              <a:fontRef idx="minor">
-                <a:schemeClr val="tx1"/>
-              </a:fontRef>
-            </p:style>
-          </p:cxnSp>
         </p:grpSp>
         <p:sp>
           <p:nvSpPr>
@@ -17988,7 +15254,7 @@
               <a:pPr algn="ctr"/>
               <a:r>
                 <a:rPr lang="en-US" dirty="0"/>
-                <a:t>8</a:t>
+                <a:t>3,4,5,6</a:t>
               </a:r>
             </a:p>
           </p:txBody>
@@ -18535,7 +15801,7 @@
             <a:p>
               <a:r>
                 <a:rPr lang="en-US" dirty="0"/>
-                <a:t>9</a:t>
+                <a:t>7</a:t>
               </a:r>
             </a:p>
           </p:txBody>
@@ -18656,8 +15922,8 @@
         </p:nvGrpSpPr>
         <p:grpSpPr>
           <a:xfrm>
-            <a:off x="1912319" y="2743200"/>
-            <a:ext cx="407468" cy="922753"/>
+            <a:off x="1912319" y="2287706"/>
+            <a:ext cx="407468" cy="1378247"/>
             <a:chOff x="1668759" y="-13958058"/>
             <a:chExt cx="487848" cy="22198517"/>
           </a:xfrm>
@@ -18766,7 +16032,7 @@
           <p:cNvPr id="9" name="TextBox 8">
             <a:extLst>
               <a:ext uri="{FF2B5EF4-FFF2-40B4-BE49-F238E27FC236}">
-                <a16:creationId xmlns:a16="http://schemas.microsoft.com/office/drawing/2014/main" id="{D38C42C7-D21A-46F2-2980-B848E4C97B8A}"/>
+                <a16:creationId xmlns:a16="http://schemas.microsoft.com/office/drawing/2014/main" id="{22930397-1458-C438-CDBB-90F175F7A4C6}"/>
               </a:ext>
             </a:extLst>
           </p:cNvPr>
@@ -18801,7 +16067,7 @@
           <p:cNvPr id="10" name="Curved Connector 9">
             <a:extLst>
               <a:ext uri="{FF2B5EF4-FFF2-40B4-BE49-F238E27FC236}">
-                <a16:creationId xmlns:a16="http://schemas.microsoft.com/office/drawing/2014/main" id="{F5A2E5BD-8837-BD87-4508-236E4977ABE3}"/>
+                <a16:creationId xmlns:a16="http://schemas.microsoft.com/office/drawing/2014/main" id="{6A507DAF-132E-081D-DEEB-114CE3993774}"/>
               </a:ext>
             </a:extLst>
           </p:cNvPr>
@@ -18814,12 +16080,12 @@
         <p:spPr>
           <a:xfrm rot="10800000">
             <a:off x="1317507" y="2608372"/>
-            <a:ext cx="2930562" cy="1511538"/>
+            <a:ext cx="2944082" cy="2043192"/>
           </a:xfrm>
           <a:prstGeom prst="curvedConnector4">
             <a:avLst>
-              <a:gd name="adj1" fmla="val -32275"/>
-              <a:gd name="adj2" fmla="val 149510"/>
+              <a:gd name="adj1" fmla="val -45955"/>
+              <a:gd name="adj2" fmla="val 132387"/>
             </a:avLst>
           </a:prstGeom>
           <a:ln w="38100">
@@ -18850,7 +16116,7 @@
     </p:spTree>
     <p:extLst>
       <p:ext uri="{BB962C8B-B14F-4D97-AF65-F5344CB8AC3E}">
-        <p14:creationId xmlns:p14="http://schemas.microsoft.com/office/powerpoint/2010/main" val="3006627872"/>
+        <p14:creationId xmlns:p14="http://schemas.microsoft.com/office/powerpoint/2010/main" val="3227105490"/>
       </p:ext>
     </p:extLst>
   </p:cSld>
@@ -18860,7 +16126,7 @@
 </p:sld>
 </file>
 
-<file path=ppt/slides/slide7.xml><?xml version="1.0" encoding="utf-8"?>
+<file path=ppt/slides/slide6.xml><?xml version="1.0" encoding="utf-8"?>
 <p:sld xmlns:a="http://schemas.openxmlformats.org/drawingml/2006/main" xmlns:r="http://schemas.openxmlformats.org/officeDocument/2006/relationships" xmlns:p="http://schemas.openxmlformats.org/presentationml/2006/main">
   <p:cSld>
     <p:bg>
@@ -18891,59 +16157,6 @@
           <a:chExt cx="0" cy="0"/>
         </a:xfrm>
       </p:grpSpPr>
-      <p:sp>
-        <p:nvSpPr>
-          <p:cNvPr id="6" name="TextBox 5">
-            <a:extLst>
-              <a:ext uri="{FF2B5EF4-FFF2-40B4-BE49-F238E27FC236}">
-                <a16:creationId xmlns:a16="http://schemas.microsoft.com/office/drawing/2014/main" id="{05DAB3CC-BCD8-89C5-B2B3-1A640BFA1191}"/>
-              </a:ext>
-            </a:extLst>
-          </p:cNvPr>
-          <p:cNvSpPr txBox="1"/>
-          <p:nvPr/>
-        </p:nvSpPr>
-        <p:spPr>
-          <a:xfrm>
-            <a:off x="3343353" y="3614412"/>
-            <a:ext cx="3678061" cy="646331"/>
-          </a:xfrm>
-          <a:prstGeom prst="rect">
-            <a:avLst/>
-          </a:prstGeom>
-          <a:noFill/>
-        </p:spPr>
-        <p:txBody>
-          <a:bodyPr wrap="square" rtlCol="0">
-            <a:spAutoFit/>
-          </a:bodyPr>
-          <a:lstStyle/>
-          <a:p>
-            <a:r>
-              <a:rPr lang="en-US" dirty="0">
-                <a:solidFill>
-                  <a:schemeClr val="bg1">
-                    <a:lumMod val="65000"/>
-                  </a:schemeClr>
-                </a:solidFill>
-              </a:rPr>
-              <a:t>Hello</a:t>
-            </a:r>
-          </a:p>
-          <a:p>
-            <a:r>
-              <a:rPr lang="en-US" dirty="0">
-                <a:solidFill>
-                  <a:schemeClr val="bg1">
-                    <a:lumMod val="65000"/>
-                  </a:schemeClr>
-                </a:solidFill>
-              </a:rPr>
-              <a:t>Again: y </a:t>
-            </a:r>
-          </a:p>
-        </p:txBody>
-      </p:sp>
       <p:grpSp>
         <p:nvGrpSpPr>
           <p:cNvPr id="12" name="Group 11">
@@ -18979,7 +16192,7 @@
           <p:spPr>
             <a:xfrm>
               <a:off x="2275695" y="-2481252"/>
-              <a:ext cx="5046276" cy="2800767"/>
+              <a:ext cx="5046276" cy="2554545"/>
             </a:xfrm>
             <a:prstGeom prst="rect">
               <a:avLst/>
@@ -19004,63 +16217,7 @@
                     </a:schemeClr>
                   </a:solidFill>
                 </a:rPr>
-                <a:t>using static </a:t>
-              </a:r>
-              <a:r>
-                <a:rPr lang="en-AU" sz="1600" dirty="0" err="1">
-                  <a:solidFill>
-                    <a:schemeClr val="bg1">
-                      <a:lumMod val="65000"/>
-                    </a:schemeClr>
-                  </a:solidFill>
-                </a:rPr>
-                <a:t>System.Console</a:t>
-              </a:r>
-              <a:r>
-                <a:rPr lang="en-AU" sz="1600" dirty="0">
-                  <a:solidFill>
-                    <a:schemeClr val="bg1">
-                      <a:lumMod val="65000"/>
-                    </a:schemeClr>
-                  </a:solidFill>
-                </a:rPr>
-                <a:t>;</a:t>
-              </a:r>
-            </a:p>
-            <a:p>
-              <a:pPr marL="342900" indent="-342900" rtl="0">
-                <a:buFont typeface="+mj-lt"/>
-                <a:buAutoNum type="arabicPeriod"/>
-              </a:pPr>
-              <a:r>
-                <a:rPr lang="en-AU" sz="1600" dirty="0">
-                  <a:solidFill>
-                    <a:schemeClr val="bg1">
-                      <a:lumMod val="65000"/>
-                    </a:schemeClr>
-                  </a:solidFill>
-                </a:rPr>
-                <a:t>using static </a:t>
-              </a:r>
-              <a:r>
-                <a:rPr lang="en-AU" sz="1600" dirty="0" err="1">
-                  <a:solidFill>
-                    <a:schemeClr val="bg1">
-                      <a:lumMod val="65000"/>
-                    </a:schemeClr>
-                  </a:solidFill>
-                </a:rPr>
-                <a:t>System.Convert</a:t>
-              </a:r>
-              <a:r>
-                <a:rPr lang="en-AU" sz="1600" dirty="0">
-                  <a:solidFill>
-                    <a:schemeClr val="bg1">
-                      <a:lumMod val="65000"/>
-                    </a:schemeClr>
-                  </a:solidFill>
-                </a:rPr>
-                <a:t>;</a:t>
+                <a:t>string again;</a:t>
               </a:r>
               <a:br>
                 <a:rPr lang="en-AU" sz="1600" dirty="0">
@@ -19078,22 +16235,6 @@
                   </a:schemeClr>
                 </a:solidFill>
               </a:endParaRPr>
-            </a:p>
-            <a:p>
-              <a:pPr marL="342900" indent="-342900" rtl="0">
-                <a:buFont typeface="+mj-lt"/>
-                <a:buAutoNum type="arabicPeriod"/>
-              </a:pPr>
-              <a:r>
-                <a:rPr lang="en-AU" sz="1600" dirty="0">
-                  <a:solidFill>
-                    <a:schemeClr val="bg1">
-                      <a:lumMod val="65000"/>
-                    </a:schemeClr>
-                  </a:solidFill>
-                </a:rPr>
-                <a:t>string again;</a:t>
-              </a:r>
             </a:p>
             <a:p>
               <a:pPr marL="342900" indent="-342900" rtl="0">
@@ -19204,10 +16345,38 @@
                 <a:rPr lang="en-AU" sz="1600" dirty="0"/>
                 <a:t>} (again == "y” || again == ”Y”);</a:t>
               </a:r>
+              <a:br>
+                <a:rPr lang="en-AU" sz="1600" dirty="0">
+                  <a:solidFill>
+                    <a:schemeClr val="bg1">
+                      <a:lumMod val="65000"/>
+                    </a:schemeClr>
+                  </a:solidFill>
+                </a:rPr>
+              </a:br>
+              <a:endParaRPr lang="en-AU" sz="1600" dirty="0">
+                <a:solidFill>
+                  <a:schemeClr val="bg1">
+                    <a:lumMod val="65000"/>
+                  </a:schemeClr>
+                </a:solidFill>
+              </a:endParaRPr>
             </a:p>
             <a:p>
-              <a:pPr rtl="0"/>
-              <a:endParaRPr lang="en-AU" sz="1600" dirty="0"/>
+              <a:pPr marL="342900" indent="-342900" rtl="0">
+                <a:buFont typeface="+mj-lt"/>
+                <a:buAutoNum type="arabicPeriod"/>
+              </a:pPr>
+              <a:r>
+                <a:rPr lang="en-AU" sz="1600" dirty="0">
+                  <a:solidFill>
+                    <a:schemeClr val="bg1">
+                      <a:lumMod val="65000"/>
+                    </a:schemeClr>
+                  </a:solidFill>
+                </a:rPr>
+                <a:t>WriteLine("Bye…");</a:t>
+              </a:r>
             </a:p>
           </p:txBody>
         </p:sp>
@@ -20401,51 +17570,6 @@
               </a:p>
             </p:txBody>
           </p:sp>
-          <p:cxnSp>
-            <p:nvCxnSpPr>
-              <p:cNvPr id="109" name="Straight Connector 108">
-                <a:extLst>
-                  <a:ext uri="{FF2B5EF4-FFF2-40B4-BE49-F238E27FC236}">
-                    <a16:creationId xmlns:a16="http://schemas.microsoft.com/office/drawing/2014/main" id="{66A45FBB-357A-5752-2DFB-F3411E54BCC4}"/>
-                  </a:ext>
-                </a:extLst>
-              </p:cNvPr>
-              <p:cNvCxnSpPr>
-                <a:cxnSpLocks/>
-              </p:cNvCxnSpPr>
-              <p:nvPr/>
-            </p:nvCxnSpPr>
-            <p:spPr>
-              <a:xfrm flipV="1">
-                <a:off x="5227301" y="5625761"/>
-                <a:ext cx="0" cy="190856"/>
-              </a:xfrm>
-              <a:prstGeom prst="line">
-                <a:avLst/>
-              </a:prstGeom>
-              <a:ln w="25400">
-                <a:solidFill>
-                  <a:schemeClr val="bg1">
-                    <a:lumMod val="65000"/>
-                  </a:schemeClr>
-                </a:solidFill>
-              </a:ln>
-            </p:spPr>
-            <p:style>
-              <a:lnRef idx="1">
-                <a:schemeClr val="accent1"/>
-              </a:lnRef>
-              <a:fillRef idx="0">
-                <a:schemeClr val="accent1"/>
-              </a:fillRef>
-              <a:effectRef idx="0">
-                <a:schemeClr val="accent1"/>
-              </a:effectRef>
-              <a:fontRef idx="minor">
-                <a:schemeClr val="tx1"/>
-              </a:fontRef>
-            </p:style>
-          </p:cxnSp>
         </p:grpSp>
         <p:sp>
           <p:nvSpPr>
@@ -20737,7 +17861,7 @@
               <a:pPr algn="ctr"/>
               <a:r>
                 <a:rPr lang="en-US" dirty="0"/>
-                <a:t>9</a:t>
+                <a:t>7</a:t>
               </a:r>
             </a:p>
           </p:txBody>
@@ -21284,7 +18408,7 @@
             <a:p>
               <a:r>
                 <a:rPr lang="en-US" dirty="0"/>
-                <a:t>6</a:t>
+                <a:t>3,4</a:t>
               </a:r>
             </a:p>
           </p:txBody>
@@ -21405,8 +18529,8 @@
         </p:nvGrpSpPr>
         <p:grpSpPr>
           <a:xfrm>
-            <a:off x="1912319" y="3003921"/>
-            <a:ext cx="407468" cy="601808"/>
+            <a:off x="1916098" y="2508732"/>
+            <a:ext cx="407468" cy="929739"/>
             <a:chOff x="1668759" y="-13958058"/>
             <a:chExt cx="487848" cy="22198517"/>
           </a:xfrm>
@@ -21560,13 +18684,13 @@
           <p:nvPr/>
         </p:nvCxnSpPr>
         <p:spPr>
-          <a:xfrm>
-            <a:off x="1347531" y="2839085"/>
-            <a:ext cx="1357168" cy="153073"/>
+          <a:xfrm flipV="1">
+            <a:off x="1347531" y="2566368"/>
+            <a:ext cx="1357167" cy="272717"/>
           </a:xfrm>
           <a:prstGeom prst="curvedConnector3">
             <a:avLst>
-              <a:gd name="adj1" fmla="val 82624"/>
+              <a:gd name="adj1" fmla="val 50000"/>
             </a:avLst>
           </a:prstGeom>
           <a:ln w="38100">
@@ -21594,56 +18718,12 @@
           </a:fontRef>
         </p:style>
       </p:cxnSp>
-    </p:spTree>
-    <p:extLst>
-      <p:ext uri="{BB962C8B-B14F-4D97-AF65-F5344CB8AC3E}">
-        <p14:creationId xmlns:p14="http://schemas.microsoft.com/office/powerpoint/2010/main" val="2091080812"/>
-      </p:ext>
-    </p:extLst>
-  </p:cSld>
-  <p:clrMapOvr>
-    <a:masterClrMapping/>
-  </p:clrMapOvr>
-</p:sld>
-</file>
-
-<file path=ppt/slides/slide8.xml><?xml version="1.0" encoding="utf-8"?>
-<p:sld xmlns:a="http://schemas.openxmlformats.org/drawingml/2006/main" xmlns:r="http://schemas.openxmlformats.org/officeDocument/2006/relationships" xmlns:p="http://schemas.openxmlformats.org/presentationml/2006/main">
-  <p:cSld>
-    <p:bg>
-      <p:bgPr>
-        <a:blipFill dpi="0" rotWithShape="1">
-          <a:blip r:embed="rId2">
-            <a:lum/>
-          </a:blip>
-          <a:srcRect/>
-          <a:stretch>
-            <a:fillRect/>
-          </a:stretch>
-        </a:blipFill>
-        <a:effectLst/>
-      </p:bgPr>
-    </p:bg>
-    <p:spTree>
-      <p:nvGrpSpPr>
-        <p:cNvPr id="1" name=""/>
-        <p:cNvGrpSpPr/>
-        <p:nvPr/>
-      </p:nvGrpSpPr>
-      <p:grpSpPr>
-        <a:xfrm>
-          <a:off x="0" y="0"/>
-          <a:ext cx="0" cy="0"/>
-          <a:chOff x="0" y="0"/>
-          <a:chExt cx="0" cy="0"/>
-        </a:xfrm>
-      </p:grpSpPr>
       <p:sp>
         <p:nvSpPr>
-          <p:cNvPr id="6" name="TextBox 5">
+          <p:cNvPr id="24" name="TextBox 23">
             <a:extLst>
               <a:ext uri="{FF2B5EF4-FFF2-40B4-BE49-F238E27FC236}">
-                <a16:creationId xmlns:a16="http://schemas.microsoft.com/office/drawing/2014/main" id="{05DAB3CC-BCD8-89C5-B2B3-1A640BFA1191}"/>
+                <a16:creationId xmlns:a16="http://schemas.microsoft.com/office/drawing/2014/main" id="{050059B3-1FA5-CA02-CAC0-70733E5EDE2E}"/>
               </a:ext>
             </a:extLst>
           </p:cNvPr>
@@ -21691,18 +18771,74 @@
           </a:p>
           <a:p>
             <a:r>
-              <a:rPr lang="en-US" dirty="0"/>
+              <a:rPr lang="en-US" dirty="0">
+                <a:solidFill>
+                  <a:schemeClr val="bg1">
+                    <a:lumMod val="65000"/>
+                  </a:schemeClr>
+                </a:solidFill>
+              </a:rPr>
               <a:t>Hello</a:t>
             </a:r>
           </a:p>
           <a:p>
             <a:r>
-              <a:rPr lang="en-US" dirty="0"/>
-              <a:t>Again: n </a:t>
+              <a:rPr lang="en-US" dirty="0">
+                <a:solidFill>
+                  <a:schemeClr val="bg1">
+                    <a:lumMod val="65000"/>
+                  </a:schemeClr>
+                </a:solidFill>
+              </a:rPr>
+              <a:t>Again: y </a:t>
             </a:r>
           </a:p>
         </p:txBody>
       </p:sp>
+    </p:spTree>
+    <p:extLst>
+      <p:ext uri="{BB962C8B-B14F-4D97-AF65-F5344CB8AC3E}">
+        <p14:creationId xmlns:p14="http://schemas.microsoft.com/office/powerpoint/2010/main" val="832469397"/>
+      </p:ext>
+    </p:extLst>
+  </p:cSld>
+  <p:clrMapOvr>
+    <a:masterClrMapping/>
+  </p:clrMapOvr>
+</p:sld>
+</file>
+
+<file path=ppt/slides/slide7.xml><?xml version="1.0" encoding="utf-8"?>
+<p:sld xmlns:a="http://schemas.openxmlformats.org/drawingml/2006/main" xmlns:r="http://schemas.openxmlformats.org/officeDocument/2006/relationships" xmlns:p="http://schemas.openxmlformats.org/presentationml/2006/main">
+  <p:cSld>
+    <p:bg>
+      <p:bgPr>
+        <a:blipFill dpi="0" rotWithShape="1">
+          <a:blip r:embed="rId2">
+            <a:lum/>
+          </a:blip>
+          <a:srcRect/>
+          <a:stretch>
+            <a:fillRect/>
+          </a:stretch>
+        </a:blipFill>
+        <a:effectLst/>
+      </p:bgPr>
+    </p:bg>
+    <p:spTree>
+      <p:nvGrpSpPr>
+        <p:cNvPr id="1" name=""/>
+        <p:cNvGrpSpPr/>
+        <p:nvPr/>
+      </p:nvGrpSpPr>
+      <p:grpSpPr>
+        <a:xfrm>
+          <a:off x="0" y="0"/>
+          <a:ext cx="0" cy="0"/>
+          <a:chOff x="0" y="0"/>
+          <a:chExt cx="0" cy="0"/>
+        </a:xfrm>
+      </p:grpSpPr>
       <p:grpSp>
         <p:nvGrpSpPr>
           <p:cNvPr id="12" name="Group 11">
@@ -21738,7 +18874,7 @@
           <p:spPr>
             <a:xfrm>
               <a:off x="2275695" y="-2481252"/>
-              <a:ext cx="5046276" cy="2800767"/>
+              <a:ext cx="5046276" cy="2554545"/>
             </a:xfrm>
             <a:prstGeom prst="rect">
               <a:avLst/>
@@ -21763,63 +18899,7 @@
                     </a:schemeClr>
                   </a:solidFill>
                 </a:rPr>
-                <a:t>using static </a:t>
-              </a:r>
-              <a:r>
-                <a:rPr lang="en-AU" sz="1600" dirty="0" err="1">
-                  <a:solidFill>
-                    <a:schemeClr val="bg1">
-                      <a:lumMod val="65000"/>
-                    </a:schemeClr>
-                  </a:solidFill>
-                </a:rPr>
-                <a:t>System.Console</a:t>
-              </a:r>
-              <a:r>
-                <a:rPr lang="en-AU" sz="1600" dirty="0">
-                  <a:solidFill>
-                    <a:schemeClr val="bg1">
-                      <a:lumMod val="65000"/>
-                    </a:schemeClr>
-                  </a:solidFill>
-                </a:rPr>
-                <a:t>;</a:t>
-              </a:r>
-            </a:p>
-            <a:p>
-              <a:pPr marL="342900" indent="-342900" rtl="0">
-                <a:buFont typeface="+mj-lt"/>
-                <a:buAutoNum type="arabicPeriod"/>
-              </a:pPr>
-              <a:r>
-                <a:rPr lang="en-AU" sz="1600" dirty="0">
-                  <a:solidFill>
-                    <a:schemeClr val="bg1">
-                      <a:lumMod val="65000"/>
-                    </a:schemeClr>
-                  </a:solidFill>
-                </a:rPr>
-                <a:t>using static </a:t>
-              </a:r>
-              <a:r>
-                <a:rPr lang="en-AU" sz="1600" dirty="0" err="1">
-                  <a:solidFill>
-                    <a:schemeClr val="bg1">
-                      <a:lumMod val="65000"/>
-                    </a:schemeClr>
-                  </a:solidFill>
-                </a:rPr>
-                <a:t>System.Convert</a:t>
-              </a:r>
-              <a:r>
-                <a:rPr lang="en-AU" sz="1600" dirty="0">
-                  <a:solidFill>
-                    <a:schemeClr val="bg1">
-                      <a:lumMod val="65000"/>
-                    </a:schemeClr>
-                  </a:solidFill>
-                </a:rPr>
-                <a:t>;</a:t>
+                <a:t>string again;</a:t>
               </a:r>
               <a:br>
                 <a:rPr lang="en-AU" sz="1600" dirty="0">
@@ -21851,22 +18931,6 @@
                     </a:schemeClr>
                   </a:solidFill>
                 </a:rPr>
-                <a:t>string again;</a:t>
-              </a:r>
-            </a:p>
-            <a:p>
-              <a:pPr marL="342900" indent="-342900" rtl="0">
-                <a:buFont typeface="+mj-lt"/>
-                <a:buAutoNum type="arabicPeriod"/>
-              </a:pPr>
-              <a:r>
-                <a:rPr lang="en-AU" sz="1600" dirty="0">
-                  <a:solidFill>
-                    <a:schemeClr val="bg1">
-                      <a:lumMod val="65000"/>
-                    </a:schemeClr>
-                  </a:solidFill>
-                </a:rPr>
                 <a:t>do</a:t>
               </a:r>
             </a:p>
@@ -21876,13 +18940,7 @@
                 <a:buAutoNum type="arabicPeriod"/>
               </a:pPr>
               <a:r>
-                <a:rPr lang="en-AU" sz="1600" dirty="0">
-                  <a:solidFill>
-                    <a:schemeClr val="bg1">
-                      <a:lumMod val="65000"/>
-                    </a:schemeClr>
-                  </a:solidFill>
-                </a:rPr>
+                <a:rPr lang="en-AU" sz="1600" dirty="0"/>
                 <a:t>{</a:t>
               </a:r>
             </a:p>
@@ -21892,18 +18950,8 @@
                 <a:buAutoNum type="arabicPeriod"/>
               </a:pPr>
               <a:r>
-                <a:rPr lang="en-AU" sz="1600" dirty="0">
-                  <a:solidFill>
-                    <a:schemeClr val="bg1">
-                      <a:lumMod val="65000"/>
-                    </a:schemeClr>
-                  </a:solidFill>
-                </a:rPr>
-                <a:t>    </a:t>
-              </a:r>
-              <a:r>
                 <a:rPr lang="en-AU" sz="1600" dirty="0"/>
-                <a:t>WriteLine("Hello");</a:t>
+                <a:t>    WriteLine("Hello");</a:t>
               </a:r>
             </a:p>
             <a:p>
@@ -21949,10 +18997,38 @@
                 </a:rPr>
                 <a:t>} (again == "y” || again == ”Y”);</a:t>
               </a:r>
+              <a:br>
+                <a:rPr lang="en-AU" sz="1600" dirty="0">
+                  <a:solidFill>
+                    <a:schemeClr val="bg1">
+                      <a:lumMod val="65000"/>
+                    </a:schemeClr>
+                  </a:solidFill>
+                </a:rPr>
+              </a:br>
+              <a:endParaRPr lang="en-AU" sz="1600" dirty="0">
+                <a:solidFill>
+                  <a:schemeClr val="bg1">
+                    <a:lumMod val="65000"/>
+                  </a:schemeClr>
+                </a:solidFill>
+              </a:endParaRPr>
             </a:p>
             <a:p>
-              <a:pPr rtl="0"/>
-              <a:endParaRPr lang="en-AU" sz="1600" dirty="0"/>
+              <a:pPr marL="342900" indent="-342900" rtl="0">
+                <a:buFont typeface="+mj-lt"/>
+                <a:buAutoNum type="arabicPeriod"/>
+              </a:pPr>
+              <a:r>
+                <a:rPr lang="en-AU" sz="1600" dirty="0">
+                  <a:solidFill>
+                    <a:schemeClr val="bg1">
+                      <a:lumMod val="65000"/>
+                    </a:schemeClr>
+                  </a:solidFill>
+                </a:rPr>
+                <a:t>WriteLine("Bye…");</a:t>
+              </a:r>
             </a:p>
           </p:txBody>
         </p:sp>
@@ -23428,7 +20504,7 @@
               <a:pPr algn="ctr"/>
               <a:r>
                 <a:rPr lang="en-US" dirty="0"/>
-                <a:t>6,7,8</a:t>
+                <a:t>3,4,5,6</a:t>
               </a:r>
             </a:p>
           </p:txBody>
@@ -23975,7 +21051,7 @@
             <a:p>
               <a:r>
                 <a:rPr lang="en-US" dirty="0"/>
-                <a:t>9</a:t>
+                <a:t>7</a:t>
               </a:r>
             </a:p>
           </p:txBody>
@@ -24096,8 +21172,8 @@
         </p:nvGrpSpPr>
         <p:grpSpPr>
           <a:xfrm>
-            <a:off x="1912319" y="2743200"/>
-            <a:ext cx="407468" cy="922753"/>
+            <a:off x="1912319" y="2287706"/>
+            <a:ext cx="407468" cy="1378247"/>
             <a:chOff x="1668759" y="-13958058"/>
             <a:chExt cx="487848" cy="22198517"/>
           </a:xfrm>
@@ -24287,10 +21363,99 @@
           </a:fontRef>
         </p:style>
       </p:cxnSp>
+      <p:sp>
+        <p:nvSpPr>
+          <p:cNvPr id="24" name="TextBox 23">
+            <a:extLst>
+              <a:ext uri="{FF2B5EF4-FFF2-40B4-BE49-F238E27FC236}">
+                <a16:creationId xmlns:a16="http://schemas.microsoft.com/office/drawing/2014/main" id="{22AB891E-7AB8-E436-48D2-9A0BF22F1A3D}"/>
+              </a:ext>
+            </a:extLst>
+          </p:cNvPr>
+          <p:cNvSpPr txBox="1"/>
+          <p:nvPr/>
+        </p:nvSpPr>
+        <p:spPr>
+          <a:xfrm>
+            <a:off x="3343353" y="3614412"/>
+            <a:ext cx="3678061" cy="1200329"/>
+          </a:xfrm>
+          <a:prstGeom prst="rect">
+            <a:avLst/>
+          </a:prstGeom>
+          <a:noFill/>
+        </p:spPr>
+        <p:txBody>
+          <a:bodyPr wrap="square" rtlCol="0">
+            <a:spAutoFit/>
+          </a:bodyPr>
+          <a:lstStyle/>
+          <a:p>
+            <a:r>
+              <a:rPr lang="en-US" sz="1200" dirty="0">
+                <a:solidFill>
+                  <a:schemeClr val="bg1">
+                    <a:lumMod val="65000"/>
+                  </a:schemeClr>
+                </a:solidFill>
+              </a:rPr>
+              <a:t>Hello</a:t>
+            </a:r>
+          </a:p>
+          <a:p>
+            <a:r>
+              <a:rPr lang="en-US" sz="1200" dirty="0">
+                <a:solidFill>
+                  <a:schemeClr val="bg1">
+                    <a:lumMod val="65000"/>
+                  </a:schemeClr>
+                </a:solidFill>
+              </a:rPr>
+              <a:t>Again: y</a:t>
+            </a:r>
+          </a:p>
+          <a:p>
+            <a:r>
+              <a:rPr lang="en-US" sz="1200" dirty="0">
+                <a:solidFill>
+                  <a:schemeClr val="bg1">
+                    <a:lumMod val="65000"/>
+                  </a:schemeClr>
+                </a:solidFill>
+              </a:rPr>
+              <a:t>Hello</a:t>
+            </a:r>
+          </a:p>
+          <a:p>
+            <a:r>
+              <a:rPr lang="en-US" sz="1200" dirty="0">
+                <a:solidFill>
+                  <a:schemeClr val="bg1">
+                    <a:lumMod val="65000"/>
+                  </a:schemeClr>
+                </a:solidFill>
+              </a:rPr>
+              <a:t>Again: y</a:t>
+            </a:r>
+          </a:p>
+          <a:p>
+            <a:r>
+              <a:rPr lang="en-US" sz="1200" dirty="0"/>
+              <a:t>Hello</a:t>
+            </a:r>
+          </a:p>
+          <a:p>
+            <a:r>
+              <a:rPr lang="en-US" sz="1200" dirty="0"/>
+              <a:t>Again: n </a:t>
+            </a:r>
+          </a:p>
+        </p:txBody>
+      </p:sp>
     </p:spTree>
     <p:extLst>
       <p:ext uri="{BB962C8B-B14F-4D97-AF65-F5344CB8AC3E}">
-        <p14:creationId xmlns:p14="http://schemas.microsoft.com/office/powerpoint/2010/main" val="3227105490"/>
+        <p14:creationId xmlns:p14="http://schemas.microsoft.com/office/powerpoint/2010/main" val="1259645925"/>
       </p:ext>
     </p:extLst>
   </p:cSld>
@@ -24300,7 +21465,7 @@
 </p:sld>
 </file>
 
-<file path=ppt/slides/slide9.xml><?xml version="1.0" encoding="utf-8"?>
+<file path=ppt/slides/slide8.xml><?xml version="1.0" encoding="utf-8"?>
 <p:sld xmlns:a="http://schemas.openxmlformats.org/drawingml/2006/main" xmlns:r="http://schemas.openxmlformats.org/officeDocument/2006/relationships" xmlns:p="http://schemas.openxmlformats.org/presentationml/2006/main">
   <p:cSld>
     <p:bg>
@@ -24331,83 +21496,6 @@
           <a:chExt cx="0" cy="0"/>
         </a:xfrm>
       </p:grpSpPr>
-      <p:sp>
-        <p:nvSpPr>
-          <p:cNvPr id="6" name="TextBox 5">
-            <a:extLst>
-              <a:ext uri="{FF2B5EF4-FFF2-40B4-BE49-F238E27FC236}">
-                <a16:creationId xmlns:a16="http://schemas.microsoft.com/office/drawing/2014/main" id="{05DAB3CC-BCD8-89C5-B2B3-1A640BFA1191}"/>
-              </a:ext>
-            </a:extLst>
-          </p:cNvPr>
-          <p:cNvSpPr txBox="1"/>
-          <p:nvPr/>
-        </p:nvSpPr>
-        <p:spPr>
-          <a:xfrm>
-            <a:off x="3343353" y="3614412"/>
-            <a:ext cx="3678061" cy="1200329"/>
-          </a:xfrm>
-          <a:prstGeom prst="rect">
-            <a:avLst/>
-          </a:prstGeom>
-          <a:noFill/>
-        </p:spPr>
-        <p:txBody>
-          <a:bodyPr wrap="square" rtlCol="0">
-            <a:spAutoFit/>
-          </a:bodyPr>
-          <a:lstStyle/>
-          <a:p>
-            <a:r>
-              <a:rPr lang="en-US" dirty="0">
-                <a:solidFill>
-                  <a:schemeClr val="bg1">
-                    <a:lumMod val="65000"/>
-                  </a:schemeClr>
-                </a:solidFill>
-              </a:rPr>
-              <a:t>Hello</a:t>
-            </a:r>
-          </a:p>
-          <a:p>
-            <a:r>
-              <a:rPr lang="en-US" dirty="0">
-                <a:solidFill>
-                  <a:schemeClr val="bg1">
-                    <a:lumMod val="65000"/>
-                  </a:schemeClr>
-                </a:solidFill>
-              </a:rPr>
-              <a:t>Again: y</a:t>
-            </a:r>
-          </a:p>
-          <a:p>
-            <a:r>
-              <a:rPr lang="en-US" dirty="0">
-                <a:solidFill>
-                  <a:schemeClr val="bg1">
-                    <a:lumMod val="65000"/>
-                  </a:schemeClr>
-                </a:solidFill>
-              </a:rPr>
-              <a:t>Hello</a:t>
-            </a:r>
-          </a:p>
-          <a:p>
-            <a:r>
-              <a:rPr lang="en-US" dirty="0">
-                <a:solidFill>
-                  <a:schemeClr val="bg1">
-                    <a:lumMod val="65000"/>
-                  </a:schemeClr>
-                </a:solidFill>
-              </a:rPr>
-              <a:t>Again: n </a:t>
-            </a:r>
-          </a:p>
-        </p:txBody>
-      </p:sp>
       <p:grpSp>
         <p:nvGrpSpPr>
           <p:cNvPr id="12" name="Group 11">
@@ -24443,7 +21531,7 @@
           <p:spPr>
             <a:xfrm>
               <a:off x="2275695" y="-2481252"/>
-              <a:ext cx="5046276" cy="2800767"/>
+              <a:ext cx="5046276" cy="2554545"/>
             </a:xfrm>
             <a:prstGeom prst="rect">
               <a:avLst/>
@@ -24468,63 +21556,7 @@
                     </a:schemeClr>
                   </a:solidFill>
                 </a:rPr>
-                <a:t>using static </a:t>
-              </a:r>
-              <a:r>
-                <a:rPr lang="en-AU" sz="1600" dirty="0" err="1">
-                  <a:solidFill>
-                    <a:schemeClr val="bg1">
-                      <a:lumMod val="65000"/>
-                    </a:schemeClr>
-                  </a:solidFill>
-                </a:rPr>
-                <a:t>System.Console</a:t>
-              </a:r>
-              <a:r>
-                <a:rPr lang="en-AU" sz="1600" dirty="0">
-                  <a:solidFill>
-                    <a:schemeClr val="bg1">
-                      <a:lumMod val="65000"/>
-                    </a:schemeClr>
-                  </a:solidFill>
-                </a:rPr>
-                <a:t>;</a:t>
-              </a:r>
-            </a:p>
-            <a:p>
-              <a:pPr marL="342900" indent="-342900" rtl="0">
-                <a:buFont typeface="+mj-lt"/>
-                <a:buAutoNum type="arabicPeriod"/>
-              </a:pPr>
-              <a:r>
-                <a:rPr lang="en-AU" sz="1600" dirty="0">
-                  <a:solidFill>
-                    <a:schemeClr val="bg1">
-                      <a:lumMod val="65000"/>
-                    </a:schemeClr>
-                  </a:solidFill>
-                </a:rPr>
-                <a:t>using static </a:t>
-              </a:r>
-              <a:r>
-                <a:rPr lang="en-AU" sz="1600" dirty="0" err="1">
-                  <a:solidFill>
-                    <a:schemeClr val="bg1">
-                      <a:lumMod val="65000"/>
-                    </a:schemeClr>
-                  </a:solidFill>
-                </a:rPr>
-                <a:t>System.Convert</a:t>
-              </a:r>
-              <a:r>
-                <a:rPr lang="en-AU" sz="1600" dirty="0">
-                  <a:solidFill>
-                    <a:schemeClr val="bg1">
-                      <a:lumMod val="65000"/>
-                    </a:schemeClr>
-                  </a:solidFill>
-                </a:rPr>
-                <a:t>;</a:t>
+                <a:t>string again;</a:t>
               </a:r>
               <a:br>
                 <a:rPr lang="en-AU" sz="1600" dirty="0">
@@ -24542,22 +21574,6 @@
                   </a:schemeClr>
                 </a:solidFill>
               </a:endParaRPr>
-            </a:p>
-            <a:p>
-              <a:pPr marL="342900" indent="-342900" rtl="0">
-                <a:buFont typeface="+mj-lt"/>
-                <a:buAutoNum type="arabicPeriod"/>
-              </a:pPr>
-              <a:r>
-                <a:rPr lang="en-AU" sz="1600" dirty="0">
-                  <a:solidFill>
-                    <a:schemeClr val="bg1">
-                      <a:lumMod val="65000"/>
-                    </a:schemeClr>
-                  </a:solidFill>
-                </a:rPr>
-                <a:t>string again;</a:t>
-              </a:r>
             </a:p>
             <a:p>
               <a:pPr marL="342900" indent="-342900" rtl="0">
@@ -24668,10 +21684,38 @@
                 <a:rPr lang="en-AU" sz="1600" dirty="0"/>
                 <a:t>} (again == "y” || again == ”Y”);</a:t>
               </a:r>
+              <a:br>
+                <a:rPr lang="en-AU" sz="1600" dirty="0">
+                  <a:solidFill>
+                    <a:schemeClr val="bg1">
+                      <a:lumMod val="65000"/>
+                    </a:schemeClr>
+                  </a:solidFill>
+                </a:rPr>
+              </a:br>
+              <a:endParaRPr lang="en-AU" sz="1600" dirty="0">
+                <a:solidFill>
+                  <a:schemeClr val="bg1">
+                    <a:lumMod val="65000"/>
+                  </a:schemeClr>
+                </a:solidFill>
+              </a:endParaRPr>
             </a:p>
             <a:p>
-              <a:pPr rtl="0"/>
-              <a:endParaRPr lang="en-AU" sz="1600" dirty="0"/>
+              <a:pPr marL="342900" indent="-342900" rtl="0">
+                <a:buFont typeface="+mj-lt"/>
+                <a:buAutoNum type="arabicPeriod"/>
+              </a:pPr>
+              <a:r>
+                <a:rPr lang="en-AU" sz="1600" dirty="0">
+                  <a:solidFill>
+                    <a:schemeClr val="bg1">
+                      <a:lumMod val="65000"/>
+                    </a:schemeClr>
+                  </a:solidFill>
+                </a:rPr>
+                <a:t>WriteLine("Bye…");</a:t>
+              </a:r>
             </a:p>
           </p:txBody>
         </p:sp>
@@ -26156,7 +23200,7 @@
               <a:pPr algn="ctr"/>
               <a:r>
                 <a:rPr lang="en-US" dirty="0"/>
-                <a:t>9</a:t>
+                <a:t>7</a:t>
               </a:r>
             </a:p>
           </p:txBody>
@@ -26339,6 +23383,2711 @@
               <a:ln w="25400">
                 <a:solidFill>
                   <a:schemeClr val="tx1"/>
+                </a:solidFill>
+                <a:extLst>
+                  <a:ext uri="{C807C97D-BFC1-408E-A445-0C87EB9F89A2}">
+                    <ask:lineSketchStyleProps xmlns:ask="http://schemas.microsoft.com/office/drawing/2018/sketchyshapes" sd="1219033472">
+                      <a:prstGeom prst="rect">
+                        <a:avLst/>
+                      </a:prstGeom>
+                      <ask:type>
+                        <ask:lineSketchFreehand/>
+                      </ask:type>
+                    </ask:lineSketchStyleProps>
+                  </a:ext>
+                </a:extLst>
+              </a:ln>
+            </p:spPr>
+            <p:style>
+              <a:lnRef idx="2">
+                <a:schemeClr val="accent1">
+                  <a:shade val="15000"/>
+                </a:schemeClr>
+              </a:lnRef>
+              <a:fillRef idx="1">
+                <a:schemeClr val="accent1"/>
+              </a:fillRef>
+              <a:effectRef idx="0">
+                <a:schemeClr val="accent1"/>
+              </a:effectRef>
+              <a:fontRef idx="minor">
+                <a:schemeClr val="lt1"/>
+              </a:fontRef>
+            </p:style>
+            <p:txBody>
+              <a:bodyPr rtlCol="0" anchor="ctr"/>
+              <a:lstStyle/>
+              <a:p>
+                <a:pPr algn="ctr"/>
+                <a:endParaRPr lang="en-US"/>
+              </a:p>
+            </p:txBody>
+          </p:sp>
+        </p:grpSp>
+        <p:sp>
+          <p:nvSpPr>
+            <p:cNvPr id="38" name="Rectangle 37">
+              <a:extLst>
+                <a:ext uri="{FF2B5EF4-FFF2-40B4-BE49-F238E27FC236}">
+                  <a16:creationId xmlns:a16="http://schemas.microsoft.com/office/drawing/2014/main" id="{A6064B66-0AE2-BB50-3D9F-9AC965129215}"/>
+                </a:ext>
+              </a:extLst>
+            </p:cNvPr>
+            <p:cNvSpPr/>
+            <p:nvPr/>
+          </p:nvSpPr>
+          <p:spPr>
+            <a:xfrm>
+              <a:off x="243333" y="251717"/>
+              <a:ext cx="3005859" cy="1461786"/>
+            </a:xfrm>
+            <a:custGeom>
+              <a:avLst/>
+              <a:gdLst>
+                <a:gd name="connsiteX0" fmla="*/ 0 w 3005859"/>
+                <a:gd name="connsiteY0" fmla="*/ 0 h 1461786"/>
+                <a:gd name="connsiteX1" fmla="*/ 571113 w 3005859"/>
+                <a:gd name="connsiteY1" fmla="*/ 0 h 1461786"/>
+                <a:gd name="connsiteX2" fmla="*/ 1082109 w 3005859"/>
+                <a:gd name="connsiteY2" fmla="*/ 0 h 1461786"/>
+                <a:gd name="connsiteX3" fmla="*/ 1743398 w 3005859"/>
+                <a:gd name="connsiteY3" fmla="*/ 0 h 1461786"/>
+                <a:gd name="connsiteX4" fmla="*/ 2314511 w 3005859"/>
+                <a:gd name="connsiteY4" fmla="*/ 0 h 1461786"/>
+                <a:gd name="connsiteX5" fmla="*/ 3005859 w 3005859"/>
+                <a:gd name="connsiteY5" fmla="*/ 0 h 1461786"/>
+                <a:gd name="connsiteX6" fmla="*/ 3005859 w 3005859"/>
+                <a:gd name="connsiteY6" fmla="*/ 516498 h 1461786"/>
+                <a:gd name="connsiteX7" fmla="*/ 3005859 w 3005859"/>
+                <a:gd name="connsiteY7" fmla="*/ 1003760 h 1461786"/>
+                <a:gd name="connsiteX8" fmla="*/ 3005859 w 3005859"/>
+                <a:gd name="connsiteY8" fmla="*/ 1461786 h 1461786"/>
+                <a:gd name="connsiteX9" fmla="*/ 2464804 w 3005859"/>
+                <a:gd name="connsiteY9" fmla="*/ 1461786 h 1461786"/>
+                <a:gd name="connsiteX10" fmla="*/ 1863633 w 3005859"/>
+                <a:gd name="connsiteY10" fmla="*/ 1461786 h 1461786"/>
+                <a:gd name="connsiteX11" fmla="*/ 1262461 w 3005859"/>
+                <a:gd name="connsiteY11" fmla="*/ 1461786 h 1461786"/>
+                <a:gd name="connsiteX12" fmla="*/ 691348 w 3005859"/>
+                <a:gd name="connsiteY12" fmla="*/ 1461786 h 1461786"/>
+                <a:gd name="connsiteX13" fmla="*/ 0 w 3005859"/>
+                <a:gd name="connsiteY13" fmla="*/ 1461786 h 1461786"/>
+                <a:gd name="connsiteX14" fmla="*/ 0 w 3005859"/>
+                <a:gd name="connsiteY14" fmla="*/ 945288 h 1461786"/>
+                <a:gd name="connsiteX15" fmla="*/ 0 w 3005859"/>
+                <a:gd name="connsiteY15" fmla="*/ 428791 h 1461786"/>
+                <a:gd name="connsiteX16" fmla="*/ 0 w 3005859"/>
+                <a:gd name="connsiteY16" fmla="*/ 0 h 1461786"/>
+              </a:gdLst>
+              <a:ahLst/>
+              <a:cxnLst>
+                <a:cxn ang="0">
+                  <a:pos x="connsiteX0" y="connsiteY0"/>
+                </a:cxn>
+                <a:cxn ang="0">
+                  <a:pos x="connsiteX1" y="connsiteY1"/>
+                </a:cxn>
+                <a:cxn ang="0">
+                  <a:pos x="connsiteX2" y="connsiteY2"/>
+                </a:cxn>
+                <a:cxn ang="0">
+                  <a:pos x="connsiteX3" y="connsiteY3"/>
+                </a:cxn>
+                <a:cxn ang="0">
+                  <a:pos x="connsiteX4" y="connsiteY4"/>
+                </a:cxn>
+                <a:cxn ang="0">
+                  <a:pos x="connsiteX5" y="connsiteY5"/>
+                </a:cxn>
+                <a:cxn ang="0">
+                  <a:pos x="connsiteX6" y="connsiteY6"/>
+                </a:cxn>
+                <a:cxn ang="0">
+                  <a:pos x="connsiteX7" y="connsiteY7"/>
+                </a:cxn>
+                <a:cxn ang="0">
+                  <a:pos x="connsiteX8" y="connsiteY8"/>
+                </a:cxn>
+                <a:cxn ang="0">
+                  <a:pos x="connsiteX9" y="connsiteY9"/>
+                </a:cxn>
+                <a:cxn ang="0">
+                  <a:pos x="connsiteX10" y="connsiteY10"/>
+                </a:cxn>
+                <a:cxn ang="0">
+                  <a:pos x="connsiteX11" y="connsiteY11"/>
+                </a:cxn>
+                <a:cxn ang="0">
+                  <a:pos x="connsiteX12" y="connsiteY12"/>
+                </a:cxn>
+                <a:cxn ang="0">
+                  <a:pos x="connsiteX13" y="connsiteY13"/>
+                </a:cxn>
+                <a:cxn ang="0">
+                  <a:pos x="connsiteX14" y="connsiteY14"/>
+                </a:cxn>
+                <a:cxn ang="0">
+                  <a:pos x="connsiteX15" y="connsiteY15"/>
+                </a:cxn>
+                <a:cxn ang="0">
+                  <a:pos x="connsiteX16" y="connsiteY16"/>
+                </a:cxn>
+              </a:cxnLst>
+              <a:rect l="l" t="t" r="r" b="b"/>
+              <a:pathLst>
+                <a:path w="3005859" h="1461786" extrusionOk="0">
+                  <a:moveTo>
+                    <a:pt x="0" y="0"/>
+                  </a:moveTo>
+                  <a:cubicBezTo>
+                    <a:pt x="202126" y="629"/>
+                    <a:pt x="373438" y="-24313"/>
+                    <a:pt x="571113" y="0"/>
+                  </a:cubicBezTo>
+                  <a:cubicBezTo>
+                    <a:pt x="768788" y="24313"/>
+                    <a:pt x="943630" y="5247"/>
+                    <a:pt x="1082109" y="0"/>
+                  </a:cubicBezTo>
+                  <a:cubicBezTo>
+                    <a:pt x="1220588" y="-5247"/>
+                    <a:pt x="1567048" y="1888"/>
+                    <a:pt x="1743398" y="0"/>
+                  </a:cubicBezTo>
+                  <a:cubicBezTo>
+                    <a:pt x="1919748" y="-1888"/>
+                    <a:pt x="2096828" y="-18556"/>
+                    <a:pt x="2314511" y="0"/>
+                  </a:cubicBezTo>
+                  <a:cubicBezTo>
+                    <a:pt x="2532194" y="18556"/>
+                    <a:pt x="2773515" y="-30998"/>
+                    <a:pt x="3005859" y="0"/>
+                  </a:cubicBezTo>
+                  <a:cubicBezTo>
+                    <a:pt x="2987157" y="118191"/>
+                    <a:pt x="3002019" y="391306"/>
+                    <a:pt x="3005859" y="516498"/>
+                  </a:cubicBezTo>
+                  <a:cubicBezTo>
+                    <a:pt x="3009699" y="641690"/>
+                    <a:pt x="3008981" y="877810"/>
+                    <a:pt x="3005859" y="1003760"/>
+                  </a:cubicBezTo>
+                  <a:cubicBezTo>
+                    <a:pt x="3002737" y="1129710"/>
+                    <a:pt x="3025493" y="1335500"/>
+                    <a:pt x="3005859" y="1461786"/>
+                  </a:cubicBezTo>
+                  <a:cubicBezTo>
+                    <a:pt x="2840317" y="1474248"/>
+                    <a:pt x="2604091" y="1467429"/>
+                    <a:pt x="2464804" y="1461786"/>
+                  </a:cubicBezTo>
+                  <a:cubicBezTo>
+                    <a:pt x="2325518" y="1456143"/>
+                    <a:pt x="2096952" y="1457903"/>
+                    <a:pt x="1863633" y="1461786"/>
+                  </a:cubicBezTo>
+                  <a:cubicBezTo>
+                    <a:pt x="1630314" y="1465669"/>
+                    <a:pt x="1483968" y="1445477"/>
+                    <a:pt x="1262461" y="1461786"/>
+                  </a:cubicBezTo>
+                  <a:cubicBezTo>
+                    <a:pt x="1040954" y="1478095"/>
+                    <a:pt x="918307" y="1440121"/>
+                    <a:pt x="691348" y="1461786"/>
+                  </a:cubicBezTo>
+                  <a:cubicBezTo>
+                    <a:pt x="464389" y="1483451"/>
+                    <a:pt x="305996" y="1480305"/>
+                    <a:pt x="0" y="1461786"/>
+                  </a:cubicBezTo>
+                  <a:cubicBezTo>
+                    <a:pt x="-10709" y="1242757"/>
+                    <a:pt x="14520" y="1101216"/>
+                    <a:pt x="0" y="945288"/>
+                  </a:cubicBezTo>
+                  <a:cubicBezTo>
+                    <a:pt x="-14520" y="789360"/>
+                    <a:pt x="-13595" y="604217"/>
+                    <a:pt x="0" y="428791"/>
+                  </a:cubicBezTo>
+                  <a:cubicBezTo>
+                    <a:pt x="13595" y="253365"/>
+                    <a:pt x="-14699" y="160368"/>
+                    <a:pt x="0" y="0"/>
+                  </a:cubicBezTo>
+                  <a:close/>
+                </a:path>
+              </a:pathLst>
+            </a:custGeom>
+            <a:noFill/>
+            <a:ln w="25400">
+              <a:solidFill>
+                <a:schemeClr val="tx1"/>
+              </a:solidFill>
+              <a:extLst>
+                <a:ext uri="{C807C97D-BFC1-408E-A445-0C87EB9F89A2}">
+                  <ask:lineSketchStyleProps xmlns:ask="http://schemas.microsoft.com/office/drawing/2018/sketchyshapes" sd="1219033472">
+                    <a:prstGeom prst="rect">
+                      <a:avLst/>
+                    </a:prstGeom>
+                    <ask:type>
+                      <ask:lineSketchFreehand/>
+                    </ask:type>
+                  </ask:lineSketchStyleProps>
+                </a:ext>
+              </a:extLst>
+            </a:ln>
+          </p:spPr>
+          <p:style>
+            <a:lnRef idx="2">
+              <a:schemeClr val="accent1">
+                <a:shade val="15000"/>
+              </a:schemeClr>
+            </a:lnRef>
+            <a:fillRef idx="1">
+              <a:schemeClr val="accent1"/>
+            </a:fillRef>
+            <a:effectRef idx="0">
+              <a:schemeClr val="accent1"/>
+            </a:effectRef>
+            <a:fontRef idx="minor">
+              <a:schemeClr val="lt1"/>
+            </a:fontRef>
+          </p:style>
+          <p:txBody>
+            <a:bodyPr rtlCol="0" anchor="ctr"/>
+            <a:lstStyle/>
+            <a:p>
+              <a:pPr algn="ctr"/>
+              <a:endParaRPr lang="en-US" sz="2229" dirty="0"/>
+            </a:p>
+          </p:txBody>
+        </p:sp>
+        <p:cxnSp>
+          <p:nvCxnSpPr>
+            <p:cNvPr id="25" name="Curved Connector 24">
+              <a:extLst>
+                <a:ext uri="{FF2B5EF4-FFF2-40B4-BE49-F238E27FC236}">
+                  <a16:creationId xmlns:a16="http://schemas.microsoft.com/office/drawing/2014/main" id="{2205A775-41F0-4D53-8E98-97E335998F58}"/>
+                </a:ext>
+              </a:extLst>
+            </p:cNvPr>
+            <p:cNvCxnSpPr>
+              <a:cxnSpLocks/>
+              <a:stCxn id="19" idx="3"/>
+            </p:cNvCxnSpPr>
+            <p:nvPr/>
+          </p:nvCxnSpPr>
+          <p:spPr>
+            <a:xfrm>
+              <a:off x="2242061" y="570157"/>
+              <a:ext cx="298436" cy="12702"/>
+            </a:xfrm>
+            <a:prstGeom prst="curvedConnector3">
+              <a:avLst>
+                <a:gd name="adj1" fmla="val 50000"/>
+              </a:avLst>
+            </a:prstGeom>
+            <a:ln w="38100">
+              <a:solidFill>
+                <a:schemeClr val="accent2">
+                  <a:lumMod val="75000"/>
+                </a:schemeClr>
+              </a:solidFill>
+              <a:headEnd type="none"/>
+              <a:tailEnd type="arrow"/>
+            </a:ln>
+          </p:spPr>
+          <p:style>
+            <a:lnRef idx="1">
+              <a:schemeClr val="accent1"/>
+            </a:lnRef>
+            <a:fillRef idx="0">
+              <a:schemeClr val="accent1"/>
+            </a:fillRef>
+            <a:effectRef idx="0">
+              <a:schemeClr val="accent1"/>
+            </a:effectRef>
+            <a:fontRef idx="minor">
+              <a:schemeClr val="tx1"/>
+            </a:fontRef>
+          </p:style>
+        </p:cxnSp>
+        <p:sp>
+          <p:nvSpPr>
+            <p:cNvPr id="39" name="TextBox 38">
+              <a:extLst>
+                <a:ext uri="{FF2B5EF4-FFF2-40B4-BE49-F238E27FC236}">
+                  <a16:creationId xmlns:a16="http://schemas.microsoft.com/office/drawing/2014/main" id="{DFFB8246-5005-E1BE-7403-161BAE35F935}"/>
+                </a:ext>
+              </a:extLst>
+            </p:cNvPr>
+            <p:cNvSpPr txBox="1"/>
+            <p:nvPr/>
+          </p:nvSpPr>
+          <p:spPr>
+            <a:xfrm>
+              <a:off x="2492466" y="375300"/>
+              <a:ext cx="681335" cy="369332"/>
+            </a:xfrm>
+            <a:prstGeom prst="rect">
+              <a:avLst/>
+            </a:prstGeom>
+            <a:noFill/>
+          </p:spPr>
+          <p:txBody>
+            <a:bodyPr wrap="square" rtlCol="0">
+              <a:spAutoFit/>
+            </a:bodyPr>
+            <a:lstStyle/>
+            <a:p>
+              <a:r>
+                <a:rPr lang="en-US" dirty="0"/>
+                <a:t>8</a:t>
+              </a:r>
+            </a:p>
+          </p:txBody>
+        </p:sp>
+        <p:sp>
+          <p:nvSpPr>
+            <p:cNvPr id="62" name="TextBox 61">
+              <a:extLst>
+                <a:ext uri="{FF2B5EF4-FFF2-40B4-BE49-F238E27FC236}">
+                  <a16:creationId xmlns:a16="http://schemas.microsoft.com/office/drawing/2014/main" id="{60DBF491-F352-6979-8DF3-78B70F08047E}"/>
+                </a:ext>
+              </a:extLst>
+            </p:cNvPr>
+            <p:cNvSpPr txBox="1"/>
+            <p:nvPr/>
+          </p:nvSpPr>
+          <p:spPr>
+            <a:xfrm>
+              <a:off x="814983" y="-486612"/>
+              <a:ext cx="636607" cy="369332"/>
+            </a:xfrm>
+            <a:prstGeom prst="rect">
+              <a:avLst/>
+            </a:prstGeom>
+            <a:noFill/>
+          </p:spPr>
+          <p:txBody>
+            <a:bodyPr wrap="square" rtlCol="0">
+              <a:spAutoFit/>
+            </a:bodyPr>
+            <a:lstStyle/>
+            <a:p>
+              <a:endParaRPr lang="en-US" dirty="0"/>
+            </a:p>
+          </p:txBody>
+        </p:sp>
+        <p:pic>
+          <p:nvPicPr>
+            <p:cNvPr id="63" name="Picture 62">
+              <a:extLst>
+                <a:ext uri="{FF2B5EF4-FFF2-40B4-BE49-F238E27FC236}">
+                  <a16:creationId xmlns:a16="http://schemas.microsoft.com/office/drawing/2014/main" id="{329DC273-B102-9F5D-CEA3-63DE1E27CDEF}"/>
+                </a:ext>
+              </a:extLst>
+            </p:cNvPr>
+            <p:cNvPicPr>
+              <a:picLocks noChangeAspect="1"/>
+            </p:cNvPicPr>
+            <p:nvPr/>
+          </p:nvPicPr>
+          <p:blipFill>
+            <a:blip r:embed="rId4">
+              <a:alphaModFix amt="30000"/>
+            </a:blip>
+            <a:stretch>
+              <a:fillRect/>
+            </a:stretch>
+          </p:blipFill>
+          <p:spPr>
+            <a:xfrm>
+              <a:off x="3432106" y="294495"/>
+              <a:ext cx="426016" cy="152400"/>
+            </a:xfrm>
+            <a:prstGeom prst="rect">
+              <a:avLst/>
+            </a:prstGeom>
+          </p:spPr>
+        </p:pic>
+        <p:sp>
+          <p:nvSpPr>
+            <p:cNvPr id="11" name="TextBox 10">
+              <a:extLst>
+                <a:ext uri="{FF2B5EF4-FFF2-40B4-BE49-F238E27FC236}">
+                  <a16:creationId xmlns:a16="http://schemas.microsoft.com/office/drawing/2014/main" id="{6CB480FE-B0D2-3A3F-FD56-1E9784092FA6}"/>
+                </a:ext>
+              </a:extLst>
+            </p:cNvPr>
+            <p:cNvSpPr txBox="1"/>
+            <p:nvPr/>
+          </p:nvSpPr>
+          <p:spPr>
+            <a:xfrm>
+              <a:off x="6320882" y="-2890187"/>
+              <a:ext cx="923651" cy="369332"/>
+            </a:xfrm>
+            <a:prstGeom prst="rect">
+              <a:avLst/>
+            </a:prstGeom>
+            <a:noFill/>
+          </p:spPr>
+          <p:txBody>
+            <a:bodyPr wrap="none" rtlCol="0">
+              <a:spAutoFit/>
+            </a:bodyPr>
+            <a:lstStyle/>
+            <a:p>
+              <a:r>
+                <a:rPr lang="en-US" dirty="0">
+                  <a:latin typeface="Gaegu" pitchFamily="2" charset="0"/>
+                </a:rPr>
+                <a:t>Memory</a:t>
+              </a:r>
+            </a:p>
+          </p:txBody>
+        </p:sp>
+      </p:grpSp>
+      <p:grpSp>
+        <p:nvGrpSpPr>
+          <p:cNvPr id="20" name="Group 19">
+            <a:extLst>
+              <a:ext uri="{FF2B5EF4-FFF2-40B4-BE49-F238E27FC236}">
+                <a16:creationId xmlns:a16="http://schemas.microsoft.com/office/drawing/2014/main" id="{CFDFA45D-FB80-7473-15AD-5510CE9817D2}"/>
+              </a:ext>
+            </a:extLst>
+          </p:cNvPr>
+          <p:cNvGrpSpPr/>
+          <p:nvPr/>
+        </p:nvGrpSpPr>
+        <p:grpSpPr>
+          <a:xfrm>
+            <a:off x="1916098" y="2508732"/>
+            <a:ext cx="407468" cy="929739"/>
+            <a:chOff x="1668759" y="-13958058"/>
+            <a:chExt cx="487848" cy="22198517"/>
+          </a:xfrm>
+        </p:grpSpPr>
+        <p:cxnSp>
+          <p:nvCxnSpPr>
+            <p:cNvPr id="22" name="Straight Arrow Connector 55">
+              <a:extLst>
+                <a:ext uri="{FF2B5EF4-FFF2-40B4-BE49-F238E27FC236}">
+                  <a16:creationId xmlns:a16="http://schemas.microsoft.com/office/drawing/2014/main" id="{983D9F78-2D6B-5B7B-1CC8-21E49EACB0DC}"/>
+                </a:ext>
+              </a:extLst>
+            </p:cNvPr>
+            <p:cNvCxnSpPr>
+              <a:cxnSpLocks/>
+            </p:cNvCxnSpPr>
+            <p:nvPr/>
+          </p:nvCxnSpPr>
+          <p:spPr>
+            <a:xfrm rot="5400000" flipH="1" flipV="1">
+              <a:off x="-7504250" y="-4785019"/>
+              <a:ext cx="18833896" cy="487818"/>
+            </a:xfrm>
+            <a:prstGeom prst="bentConnector3">
+              <a:avLst>
+                <a:gd name="adj1" fmla="val 100645"/>
+              </a:avLst>
+            </a:prstGeom>
+            <a:ln w="19050" cap="rnd" cmpd="sng">
+              <a:solidFill>
+                <a:schemeClr val="tx1"/>
+              </a:solidFill>
+              <a:prstDash val="dash"/>
+              <a:round/>
+              <a:tailEnd type="triangle"/>
+            </a:ln>
+          </p:spPr>
+          <p:style>
+            <a:lnRef idx="1">
+              <a:schemeClr val="accent1"/>
+            </a:lnRef>
+            <a:fillRef idx="0">
+              <a:schemeClr val="accent1"/>
+            </a:fillRef>
+            <a:effectRef idx="0">
+              <a:schemeClr val="accent1"/>
+            </a:effectRef>
+            <a:fontRef idx="minor">
+              <a:schemeClr val="tx1"/>
+            </a:fontRef>
+          </p:style>
+        </p:cxnSp>
+        <p:sp>
+          <p:nvSpPr>
+            <p:cNvPr id="23" name="Rectangle 22">
+              <a:extLst>
+                <a:ext uri="{FF2B5EF4-FFF2-40B4-BE49-F238E27FC236}">
+                  <a16:creationId xmlns:a16="http://schemas.microsoft.com/office/drawing/2014/main" id="{54D23E4E-CD3B-49CB-B537-83E58C7B9B9B}"/>
+                </a:ext>
+              </a:extLst>
+            </p:cNvPr>
+            <p:cNvSpPr/>
+            <p:nvPr/>
+          </p:nvSpPr>
+          <p:spPr>
+            <a:xfrm>
+              <a:off x="1668759" y="7932682"/>
+              <a:ext cx="343070" cy="307777"/>
+            </a:xfrm>
+            <a:prstGeom prst="rect">
+              <a:avLst/>
+            </a:prstGeom>
+            <a:noFill/>
+            <a:ln>
+              <a:noFill/>
+            </a:ln>
+          </p:spPr>
+          <p:style>
+            <a:lnRef idx="2">
+              <a:schemeClr val="accent1">
+                <a:shade val="15000"/>
+              </a:schemeClr>
+            </a:lnRef>
+            <a:fillRef idx="1">
+              <a:schemeClr val="accent1"/>
+            </a:fillRef>
+            <a:effectRef idx="0">
+              <a:schemeClr val="accent1"/>
+            </a:effectRef>
+            <a:fontRef idx="minor">
+              <a:schemeClr val="lt1"/>
+            </a:fontRef>
+          </p:style>
+          <p:txBody>
+            <a:bodyPr rtlCol="0" anchor="ctr"/>
+            <a:lstStyle/>
+            <a:p>
+              <a:pPr algn="ctr"/>
+              <a:endParaRPr lang="en-US"/>
+            </a:p>
+          </p:txBody>
+        </p:sp>
+      </p:grpSp>
+      <p:sp>
+        <p:nvSpPr>
+          <p:cNvPr id="9" name="TextBox 8">
+            <a:extLst>
+              <a:ext uri="{FF2B5EF4-FFF2-40B4-BE49-F238E27FC236}">
+                <a16:creationId xmlns:a16="http://schemas.microsoft.com/office/drawing/2014/main" id="{01D2F283-3E5B-6454-4870-33BC2E31B0A0}"/>
+              </a:ext>
+            </a:extLst>
+          </p:cNvPr>
+          <p:cNvSpPr txBox="1"/>
+          <p:nvPr/>
+        </p:nvSpPr>
+        <p:spPr>
+          <a:xfrm>
+            <a:off x="961372" y="2608372"/>
+            <a:ext cx="712270" cy="369332"/>
+          </a:xfrm>
+          <a:prstGeom prst="rect">
+            <a:avLst/>
+          </a:prstGeom>
+          <a:noFill/>
+        </p:spPr>
+        <p:txBody>
+          <a:bodyPr wrap="square" rtlCol="0">
+            <a:spAutoFit/>
+          </a:bodyPr>
+          <a:lstStyle/>
+          <a:p>
+            <a:r>
+              <a:rPr lang="en-US" dirty="0"/>
+              <a:t>n</a:t>
+            </a:r>
+          </a:p>
+        </p:txBody>
+      </p:sp>
+      <p:cxnSp>
+        <p:nvCxnSpPr>
+          <p:cNvPr id="28" name="Curved Connector 27">
+            <a:extLst>
+              <a:ext uri="{FF2B5EF4-FFF2-40B4-BE49-F238E27FC236}">
+                <a16:creationId xmlns:a16="http://schemas.microsoft.com/office/drawing/2014/main" id="{7F5C1714-D88C-1076-51D8-2A35D224E01D}"/>
+              </a:ext>
+            </a:extLst>
+          </p:cNvPr>
+          <p:cNvCxnSpPr>
+            <a:cxnSpLocks/>
+          </p:cNvCxnSpPr>
+          <p:nvPr/>
+        </p:nvCxnSpPr>
+        <p:spPr>
+          <a:xfrm flipV="1">
+            <a:off x="1347531" y="2566368"/>
+            <a:ext cx="1357167" cy="272717"/>
+          </a:xfrm>
+          <a:prstGeom prst="curvedConnector3">
+            <a:avLst>
+              <a:gd name="adj1" fmla="val 50000"/>
+            </a:avLst>
+          </a:prstGeom>
+          <a:ln w="38100">
+            <a:solidFill>
+              <a:schemeClr val="accent2">
+                <a:lumMod val="75000"/>
+              </a:schemeClr>
+            </a:solidFill>
+            <a:headEnd type="arrow"/>
+            <a:tailEnd type="arrow"/>
+          </a:ln>
+        </p:spPr>
+        <p:style>
+          <a:lnRef idx="1">
+            <a:schemeClr val="accent1"/>
+          </a:lnRef>
+          <a:fillRef idx="0">
+            <a:schemeClr val="accent1"/>
+          </a:fillRef>
+          <a:effectRef idx="0">
+            <a:schemeClr val="accent1"/>
+          </a:effectRef>
+          <a:fontRef idx="minor">
+            <a:schemeClr val="tx1"/>
+          </a:fontRef>
+        </p:style>
+      </p:cxnSp>
+      <p:sp>
+        <p:nvSpPr>
+          <p:cNvPr id="24" name="TextBox 23">
+            <a:extLst>
+              <a:ext uri="{FF2B5EF4-FFF2-40B4-BE49-F238E27FC236}">
+                <a16:creationId xmlns:a16="http://schemas.microsoft.com/office/drawing/2014/main" id="{050059B3-1FA5-CA02-CAC0-70733E5EDE2E}"/>
+              </a:ext>
+            </a:extLst>
+          </p:cNvPr>
+          <p:cNvSpPr txBox="1"/>
+          <p:nvPr/>
+        </p:nvSpPr>
+        <p:spPr>
+          <a:xfrm>
+            <a:off x="3343353" y="3614412"/>
+            <a:ext cx="3678061" cy="1200329"/>
+          </a:xfrm>
+          <a:prstGeom prst="rect">
+            <a:avLst/>
+          </a:prstGeom>
+          <a:noFill/>
+        </p:spPr>
+        <p:txBody>
+          <a:bodyPr wrap="square" rtlCol="0">
+            <a:spAutoFit/>
+          </a:bodyPr>
+          <a:lstStyle/>
+          <a:p>
+            <a:r>
+              <a:rPr lang="en-US" sz="1200" dirty="0">
+                <a:solidFill>
+                  <a:schemeClr val="bg1">
+                    <a:lumMod val="65000"/>
+                  </a:schemeClr>
+                </a:solidFill>
+              </a:rPr>
+              <a:t>Hello</a:t>
+            </a:r>
+          </a:p>
+          <a:p>
+            <a:r>
+              <a:rPr lang="en-US" sz="1200" dirty="0">
+                <a:solidFill>
+                  <a:schemeClr val="bg1">
+                    <a:lumMod val="65000"/>
+                  </a:schemeClr>
+                </a:solidFill>
+              </a:rPr>
+              <a:t>Again: y</a:t>
+            </a:r>
+          </a:p>
+          <a:p>
+            <a:r>
+              <a:rPr lang="en-US" sz="1200" dirty="0">
+                <a:solidFill>
+                  <a:schemeClr val="bg1">
+                    <a:lumMod val="65000"/>
+                  </a:schemeClr>
+                </a:solidFill>
+              </a:rPr>
+              <a:t>Hello</a:t>
+            </a:r>
+          </a:p>
+          <a:p>
+            <a:r>
+              <a:rPr lang="en-US" sz="1200" dirty="0">
+                <a:solidFill>
+                  <a:schemeClr val="bg1">
+                    <a:lumMod val="65000"/>
+                  </a:schemeClr>
+                </a:solidFill>
+              </a:rPr>
+              <a:t>Again: y</a:t>
+            </a:r>
+          </a:p>
+          <a:p>
+            <a:r>
+              <a:rPr lang="en-US" sz="1200" dirty="0">
+                <a:solidFill>
+                  <a:schemeClr val="bg1">
+                    <a:lumMod val="65000"/>
+                  </a:schemeClr>
+                </a:solidFill>
+              </a:rPr>
+              <a:t>Hello</a:t>
+            </a:r>
+          </a:p>
+          <a:p>
+            <a:r>
+              <a:rPr lang="en-US" sz="1200" dirty="0">
+                <a:solidFill>
+                  <a:schemeClr val="bg1">
+                    <a:lumMod val="65000"/>
+                  </a:schemeClr>
+                </a:solidFill>
+              </a:rPr>
+              <a:t>Again: n </a:t>
+            </a:r>
+          </a:p>
+        </p:txBody>
+      </p:sp>
+    </p:spTree>
+    <p:extLst>
+      <p:ext uri="{BB962C8B-B14F-4D97-AF65-F5344CB8AC3E}">
+        <p14:creationId xmlns:p14="http://schemas.microsoft.com/office/powerpoint/2010/main" val="3273301096"/>
+      </p:ext>
+    </p:extLst>
+  </p:cSld>
+  <p:clrMapOvr>
+    <a:masterClrMapping/>
+  </p:clrMapOvr>
+</p:sld>
+</file>
+
+<file path=ppt/slides/slide9.xml><?xml version="1.0" encoding="utf-8"?>
+<p:sld xmlns:a="http://schemas.openxmlformats.org/drawingml/2006/main" xmlns:r="http://schemas.openxmlformats.org/officeDocument/2006/relationships" xmlns:p="http://schemas.openxmlformats.org/presentationml/2006/main">
+  <p:cSld>
+    <p:bg>
+      <p:bgPr>
+        <a:blipFill dpi="0" rotWithShape="1">
+          <a:blip r:embed="rId2">
+            <a:lum/>
+          </a:blip>
+          <a:srcRect/>
+          <a:stretch>
+            <a:fillRect/>
+          </a:stretch>
+        </a:blipFill>
+        <a:effectLst/>
+      </p:bgPr>
+    </p:bg>
+    <p:spTree>
+      <p:nvGrpSpPr>
+        <p:cNvPr id="1" name=""/>
+        <p:cNvGrpSpPr/>
+        <p:nvPr/>
+      </p:nvGrpSpPr>
+      <p:grpSpPr>
+        <a:xfrm>
+          <a:off x="0" y="0"/>
+          <a:ext cx="0" cy="0"/>
+          <a:chOff x="0" y="0"/>
+          <a:chExt cx="0" cy="0"/>
+        </a:xfrm>
+      </p:grpSpPr>
+      <p:grpSp>
+        <p:nvGrpSpPr>
+          <p:cNvPr id="12" name="Group 11">
+            <a:extLst>
+              <a:ext uri="{FF2B5EF4-FFF2-40B4-BE49-F238E27FC236}">
+                <a16:creationId xmlns:a16="http://schemas.microsoft.com/office/drawing/2014/main" id="{F79D1400-153A-0626-FCB1-82473C4A95BC}"/>
+              </a:ext>
+            </a:extLst>
+          </p:cNvPr>
+          <p:cNvGrpSpPr/>
+          <p:nvPr/>
+        </p:nvGrpSpPr>
+        <p:grpSpPr>
+          <a:xfrm>
+            <a:off x="229043" y="218311"/>
+            <a:ext cx="7101587" cy="4603690"/>
+            <a:chOff x="231271" y="-2890187"/>
+            <a:chExt cx="7101587" cy="4603690"/>
+          </a:xfrm>
+        </p:grpSpPr>
+        <p:sp>
+          <p:nvSpPr>
+            <p:cNvPr id="16" name="TextBox 15">
+              <a:extLst>
+                <a:ext uri="{FF2B5EF4-FFF2-40B4-BE49-F238E27FC236}">
+                  <a16:creationId xmlns:a16="http://schemas.microsoft.com/office/drawing/2014/main" id="{579D6D41-105C-FB51-AC96-A544404112E8}"/>
+                </a:ext>
+              </a:extLst>
+            </p:cNvPr>
+            <p:cNvSpPr txBox="1"/>
+            <p:nvPr/>
+          </p:nvSpPr>
+          <p:spPr>
+            <a:xfrm>
+              <a:off x="2275695" y="-2481252"/>
+              <a:ext cx="5046276" cy="2554545"/>
+            </a:xfrm>
+            <a:prstGeom prst="rect">
+              <a:avLst/>
+            </a:prstGeom>
+            <a:noFill/>
+          </p:spPr>
+          <p:txBody>
+            <a:bodyPr wrap="square" rtlCol="0">
+              <a:spAutoFit/>
+            </a:bodyPr>
+            <a:lstStyle/>
+            <a:p>
+              <a:pPr marL="342900" indent="-342900" rtl="0">
+                <a:buFont typeface="+mj-lt"/>
+                <a:buAutoNum type="arabicPeriod"/>
+              </a:pPr>
+              <a:r>
+                <a:rPr lang="en-AU" sz="1600" dirty="0">
+                  <a:solidFill>
+                    <a:schemeClr val="bg1">
+                      <a:lumMod val="65000"/>
+                    </a:schemeClr>
+                  </a:solidFill>
+                </a:rPr>
+                <a:t>string again;</a:t>
+              </a:r>
+              <a:br>
+                <a:rPr lang="en-AU" sz="1600" dirty="0">
+                  <a:solidFill>
+                    <a:schemeClr val="bg1">
+                      <a:lumMod val="65000"/>
+                    </a:schemeClr>
+                  </a:solidFill>
+                </a:rPr>
+              </a:br>
+              <a:endParaRPr lang="en-AU" sz="1600" dirty="0">
+                <a:solidFill>
+                  <a:schemeClr val="bg1">
+                    <a:lumMod val="65000"/>
+                  </a:schemeClr>
+                </a:solidFill>
+              </a:endParaRPr>
+            </a:p>
+            <a:p>
+              <a:pPr marL="342900" indent="-342900" rtl="0">
+                <a:buFont typeface="+mj-lt"/>
+                <a:buAutoNum type="arabicPeriod"/>
+              </a:pPr>
+              <a:r>
+                <a:rPr lang="en-AU" sz="1600" dirty="0">
+                  <a:solidFill>
+                    <a:schemeClr val="bg1">
+                      <a:lumMod val="65000"/>
+                    </a:schemeClr>
+                  </a:solidFill>
+                </a:rPr>
+                <a:t>do</a:t>
+              </a:r>
+            </a:p>
+            <a:p>
+              <a:pPr marL="342900" indent="-342900" rtl="0">
+                <a:buFont typeface="+mj-lt"/>
+                <a:buAutoNum type="arabicPeriod"/>
+              </a:pPr>
+              <a:r>
+                <a:rPr lang="en-AU" sz="1600" dirty="0">
+                  <a:solidFill>
+                    <a:schemeClr val="bg1">
+                      <a:lumMod val="65000"/>
+                    </a:schemeClr>
+                  </a:solidFill>
+                </a:rPr>
+                <a:t>{</a:t>
+              </a:r>
+            </a:p>
+            <a:p>
+              <a:pPr marL="342900" indent="-342900" rtl="0">
+                <a:buFont typeface="+mj-lt"/>
+                <a:buAutoNum type="arabicPeriod"/>
+              </a:pPr>
+              <a:r>
+                <a:rPr lang="en-AU" sz="1600" dirty="0">
+                  <a:solidFill>
+                    <a:schemeClr val="bg1">
+                      <a:lumMod val="65000"/>
+                    </a:schemeClr>
+                  </a:solidFill>
+                </a:rPr>
+                <a:t>    WriteLine("Hello");</a:t>
+              </a:r>
+            </a:p>
+            <a:p>
+              <a:pPr marL="342900" indent="-342900" rtl="0">
+                <a:buFont typeface="+mj-lt"/>
+                <a:buAutoNum type="arabicPeriod"/>
+              </a:pPr>
+              <a:r>
+                <a:rPr lang="en-AU" sz="1600" dirty="0">
+                  <a:solidFill>
+                    <a:schemeClr val="bg1">
+                      <a:lumMod val="65000"/>
+                    </a:schemeClr>
+                  </a:solidFill>
+                </a:rPr>
+                <a:t>    Write("Again: ");</a:t>
+              </a:r>
+            </a:p>
+            <a:p>
+              <a:pPr marL="342900" indent="-342900" rtl="0">
+                <a:buFont typeface="+mj-lt"/>
+                <a:buAutoNum type="arabicPeriod"/>
+              </a:pPr>
+              <a:r>
+                <a:rPr lang="en-AU" sz="1600" dirty="0">
+                  <a:solidFill>
+                    <a:schemeClr val="bg1">
+                      <a:lumMod val="65000"/>
+                    </a:schemeClr>
+                  </a:solidFill>
+                </a:rPr>
+                <a:t>     again = </a:t>
+              </a:r>
+              <a:r>
+                <a:rPr lang="en-AU" sz="1600" dirty="0" err="1">
+                  <a:solidFill>
+                    <a:schemeClr val="bg1">
+                      <a:lumMod val="65000"/>
+                    </a:schemeClr>
+                  </a:solidFill>
+                </a:rPr>
+                <a:t>ReadLine</a:t>
+              </a:r>
+              <a:r>
+                <a:rPr lang="en-AU" sz="1600" dirty="0">
+                  <a:solidFill>
+                    <a:schemeClr val="bg1">
+                      <a:lumMod val="65000"/>
+                    </a:schemeClr>
+                  </a:solidFill>
+                </a:rPr>
+                <a:t>();</a:t>
+              </a:r>
+            </a:p>
+            <a:p>
+              <a:pPr marL="342900" indent="-342900" rtl="0">
+                <a:buFont typeface="+mj-lt"/>
+                <a:buAutoNum type="arabicPeriod"/>
+              </a:pPr>
+              <a:r>
+                <a:rPr lang="en-AU" sz="1600" dirty="0">
+                  <a:solidFill>
+                    <a:schemeClr val="bg1">
+                      <a:lumMod val="65000"/>
+                    </a:schemeClr>
+                  </a:solidFill>
+                </a:rPr>
+                <a:t>} (again == "y” || again == ”Y”);</a:t>
+              </a:r>
+              <a:br>
+                <a:rPr lang="en-AU" sz="1600" dirty="0">
+                  <a:solidFill>
+                    <a:schemeClr val="bg1">
+                      <a:lumMod val="65000"/>
+                    </a:schemeClr>
+                  </a:solidFill>
+                </a:rPr>
+              </a:br>
+              <a:endParaRPr lang="en-AU" sz="1600" dirty="0">
+                <a:solidFill>
+                  <a:schemeClr val="bg1">
+                    <a:lumMod val="65000"/>
+                  </a:schemeClr>
+                </a:solidFill>
+              </a:endParaRPr>
+            </a:p>
+            <a:p>
+              <a:pPr marL="342900" indent="-342900" rtl="0">
+                <a:buFont typeface="+mj-lt"/>
+                <a:buAutoNum type="arabicPeriod"/>
+              </a:pPr>
+              <a:r>
+                <a:rPr lang="en-AU" sz="1600" dirty="0"/>
+                <a:t>WriteLine("Bye…");</a:t>
+              </a:r>
+            </a:p>
+          </p:txBody>
+        </p:sp>
+        <p:grpSp>
+          <p:nvGrpSpPr>
+            <p:cNvPr id="37" name="Group 36">
+              <a:extLst>
+                <a:ext uri="{FF2B5EF4-FFF2-40B4-BE49-F238E27FC236}">
+                  <a16:creationId xmlns:a16="http://schemas.microsoft.com/office/drawing/2014/main" id="{2DBCA10F-924D-E145-7FF6-9A1953DEE281}"/>
+                </a:ext>
+              </a:extLst>
+            </p:cNvPr>
+            <p:cNvGrpSpPr/>
+            <p:nvPr/>
+          </p:nvGrpSpPr>
+          <p:grpSpPr>
+            <a:xfrm>
+              <a:off x="231271" y="917189"/>
+              <a:ext cx="1274409" cy="625877"/>
+              <a:chOff x="1357821" y="4757683"/>
+              <a:chExt cx="1274409" cy="625877"/>
+            </a:xfrm>
+          </p:grpSpPr>
+          <p:pic>
+            <p:nvPicPr>
+              <p:cNvPr id="13" name="Picture 12" descr="A black square with white lines&#10;&#10;Description automatically generated">
+                <a:extLst>
+                  <a:ext uri="{FF2B5EF4-FFF2-40B4-BE49-F238E27FC236}">
+                    <a16:creationId xmlns:a16="http://schemas.microsoft.com/office/drawing/2014/main" id="{9975BC6B-61F7-6B1E-178A-EB5A5CF8412C}"/>
+                  </a:ext>
+                </a:extLst>
+              </p:cNvPr>
+              <p:cNvPicPr>
+                <a:picLocks noChangeAspect="1"/>
+              </p:cNvPicPr>
+              <p:nvPr/>
+            </p:nvPicPr>
+            <p:blipFill>
+              <a:blip r:embed="rId3">
+                <a:alphaModFix amt="30000"/>
+              </a:blip>
+              <a:stretch>
+                <a:fillRect/>
+              </a:stretch>
+            </p:blipFill>
+            <p:spPr>
+              <a:xfrm>
+                <a:off x="1950895" y="4757683"/>
+                <a:ext cx="681335" cy="625877"/>
+              </a:xfrm>
+              <a:prstGeom prst="rect">
+                <a:avLst/>
+              </a:prstGeom>
+            </p:spPr>
+          </p:pic>
+          <p:sp>
+            <p:nvSpPr>
+              <p:cNvPr id="18" name="TextBox 17">
+                <a:extLst>
+                  <a:ext uri="{FF2B5EF4-FFF2-40B4-BE49-F238E27FC236}">
+                    <a16:creationId xmlns:a16="http://schemas.microsoft.com/office/drawing/2014/main" id="{21E6B770-730F-7A2F-0BCC-DFD2371C6F55}"/>
+                  </a:ext>
+                </a:extLst>
+              </p:cNvPr>
+              <p:cNvSpPr txBox="1"/>
+              <p:nvPr/>
+            </p:nvSpPr>
+            <p:spPr>
+              <a:xfrm>
+                <a:off x="1357821" y="4843378"/>
+                <a:ext cx="554960" cy="369332"/>
+              </a:xfrm>
+              <a:prstGeom prst="rect">
+                <a:avLst/>
+              </a:prstGeom>
+              <a:noFill/>
+            </p:spPr>
+            <p:txBody>
+              <a:bodyPr wrap="none" rtlCol="0">
+                <a:spAutoFit/>
+              </a:bodyPr>
+              <a:lstStyle/>
+              <a:p>
+                <a:r>
+                  <a:rPr lang="en-US" dirty="0">
+                    <a:latin typeface="Gaegu" pitchFamily="2" charset="0"/>
+                  </a:rPr>
+                  <a:t>CPU</a:t>
+                </a:r>
+              </a:p>
+            </p:txBody>
+          </p:sp>
+        </p:grpSp>
+        <p:sp>
+          <p:nvSpPr>
+            <p:cNvPr id="2" name="TextBox 1">
+              <a:extLst>
+                <a:ext uri="{FF2B5EF4-FFF2-40B4-BE49-F238E27FC236}">
+                  <a16:creationId xmlns:a16="http://schemas.microsoft.com/office/drawing/2014/main" id="{7896A7BA-08CF-32E6-6836-EBE01A61209D}"/>
+                </a:ext>
+              </a:extLst>
+            </p:cNvPr>
+            <p:cNvSpPr txBox="1"/>
+            <p:nvPr/>
+          </p:nvSpPr>
+          <p:spPr>
+            <a:xfrm>
+              <a:off x="487351" y="-2537265"/>
+              <a:ext cx="1119217" cy="369332"/>
+            </a:xfrm>
+            <a:prstGeom prst="rect">
+              <a:avLst/>
+            </a:prstGeom>
+            <a:noFill/>
+          </p:spPr>
+          <p:txBody>
+            <a:bodyPr wrap="none" rtlCol="0">
+              <a:spAutoFit/>
+            </a:bodyPr>
+            <a:lstStyle/>
+            <a:p>
+              <a:r>
+                <a:rPr lang="en-US" dirty="0">
+                  <a:latin typeface="Gaegu" pitchFamily="2" charset="0"/>
+                </a:rPr>
+                <a:t>The Stack</a:t>
+              </a:r>
+            </a:p>
+          </p:txBody>
+        </p:sp>
+        <p:grpSp>
+          <p:nvGrpSpPr>
+            <p:cNvPr id="52" name="Group 51">
+              <a:extLst>
+                <a:ext uri="{FF2B5EF4-FFF2-40B4-BE49-F238E27FC236}">
+                  <a16:creationId xmlns:a16="http://schemas.microsoft.com/office/drawing/2014/main" id="{31F76148-6180-4659-D4A7-BBA4F34A68D0}"/>
+                </a:ext>
+              </a:extLst>
+            </p:cNvPr>
+            <p:cNvGrpSpPr/>
+            <p:nvPr/>
+          </p:nvGrpSpPr>
+          <p:grpSpPr>
+            <a:xfrm>
+              <a:off x="239330" y="-2544837"/>
+              <a:ext cx="7081019" cy="2633707"/>
+              <a:chOff x="239327" y="704652"/>
+              <a:chExt cx="7081020" cy="7128375"/>
+            </a:xfrm>
+          </p:grpSpPr>
+          <p:cxnSp>
+            <p:nvCxnSpPr>
+              <p:cNvPr id="5" name="Straight Connector 4">
+                <a:extLst>
+                  <a:ext uri="{FF2B5EF4-FFF2-40B4-BE49-F238E27FC236}">
+                    <a16:creationId xmlns:a16="http://schemas.microsoft.com/office/drawing/2014/main" id="{34E695AC-7393-02EF-35F2-A6C76AC72756}"/>
+                  </a:ext>
+                </a:extLst>
+              </p:cNvPr>
+              <p:cNvCxnSpPr>
+                <a:cxnSpLocks/>
+              </p:cNvCxnSpPr>
+              <p:nvPr/>
+            </p:nvCxnSpPr>
+            <p:spPr>
+              <a:xfrm>
+                <a:off x="2208417" y="789175"/>
+                <a:ext cx="0" cy="7043852"/>
+              </a:xfrm>
+              <a:prstGeom prst="line">
+                <a:avLst/>
+              </a:prstGeom>
+              <a:ln w="15875">
+                <a:solidFill>
+                  <a:schemeClr val="tx1">
+                    <a:lumMod val="50000"/>
+                    <a:lumOff val="50000"/>
+                  </a:schemeClr>
+                </a:solidFill>
+                <a:prstDash val="dashDot"/>
+              </a:ln>
+            </p:spPr>
+            <p:style>
+              <a:lnRef idx="1">
+                <a:schemeClr val="accent1"/>
+              </a:lnRef>
+              <a:fillRef idx="0">
+                <a:schemeClr val="accent1"/>
+              </a:fillRef>
+              <a:effectRef idx="0">
+                <a:schemeClr val="accent1"/>
+              </a:effectRef>
+              <a:fontRef idx="minor">
+                <a:schemeClr val="tx1"/>
+              </a:fontRef>
+            </p:style>
+          </p:cxnSp>
+          <p:sp>
+            <p:nvSpPr>
+              <p:cNvPr id="21" name="Rectangle 20">
+                <a:extLst>
+                  <a:ext uri="{FF2B5EF4-FFF2-40B4-BE49-F238E27FC236}">
+                    <a16:creationId xmlns:a16="http://schemas.microsoft.com/office/drawing/2014/main" id="{99972E63-2ADF-1620-345A-182BFBAF91AF}"/>
+                  </a:ext>
+                </a:extLst>
+              </p:cNvPr>
+              <p:cNvSpPr/>
+              <p:nvPr/>
+            </p:nvSpPr>
+            <p:spPr>
+              <a:xfrm>
+                <a:off x="239327" y="704652"/>
+                <a:ext cx="7081020" cy="7128375"/>
+              </a:xfrm>
+              <a:custGeom>
+                <a:avLst/>
+                <a:gdLst>
+                  <a:gd name="connsiteX0" fmla="*/ 0 w 7081020"/>
+                  <a:gd name="connsiteY0" fmla="*/ 0 h 7128375"/>
+                  <a:gd name="connsiteX1" fmla="*/ 572919 w 7081020"/>
+                  <a:gd name="connsiteY1" fmla="*/ 0 h 7128375"/>
+                  <a:gd name="connsiteX2" fmla="*/ 1004217 w 7081020"/>
+                  <a:gd name="connsiteY2" fmla="*/ 0 h 7128375"/>
+                  <a:gd name="connsiteX3" fmla="*/ 1789567 w 7081020"/>
+                  <a:gd name="connsiteY3" fmla="*/ 0 h 7128375"/>
+                  <a:gd name="connsiteX4" fmla="*/ 2362486 w 7081020"/>
+                  <a:gd name="connsiteY4" fmla="*/ 0 h 7128375"/>
+                  <a:gd name="connsiteX5" fmla="*/ 2935405 w 7081020"/>
+                  <a:gd name="connsiteY5" fmla="*/ 0 h 7128375"/>
+                  <a:gd name="connsiteX6" fmla="*/ 3720754 w 7081020"/>
+                  <a:gd name="connsiteY6" fmla="*/ 0 h 7128375"/>
+                  <a:gd name="connsiteX7" fmla="*/ 4222863 w 7081020"/>
+                  <a:gd name="connsiteY7" fmla="*/ 0 h 7128375"/>
+                  <a:gd name="connsiteX8" fmla="*/ 5008212 w 7081020"/>
+                  <a:gd name="connsiteY8" fmla="*/ 0 h 7128375"/>
+                  <a:gd name="connsiteX9" fmla="*/ 5793562 w 7081020"/>
+                  <a:gd name="connsiteY9" fmla="*/ 0 h 7128375"/>
+                  <a:gd name="connsiteX10" fmla="*/ 6437291 w 7081020"/>
+                  <a:gd name="connsiteY10" fmla="*/ 0 h 7128375"/>
+                  <a:gd name="connsiteX11" fmla="*/ 7081020 w 7081020"/>
+                  <a:gd name="connsiteY11" fmla="*/ 0 h 7128375"/>
+                  <a:gd name="connsiteX12" fmla="*/ 7081020 w 7081020"/>
+                  <a:gd name="connsiteY12" fmla="*/ 576750 h 7128375"/>
+                  <a:gd name="connsiteX13" fmla="*/ 7081020 w 7081020"/>
+                  <a:gd name="connsiteY13" fmla="*/ 1010933 h 7128375"/>
+                  <a:gd name="connsiteX14" fmla="*/ 7081020 w 7081020"/>
+                  <a:gd name="connsiteY14" fmla="*/ 1658967 h 7128375"/>
+                  <a:gd name="connsiteX15" fmla="*/ 7081020 w 7081020"/>
+                  <a:gd name="connsiteY15" fmla="*/ 2307001 h 7128375"/>
+                  <a:gd name="connsiteX16" fmla="*/ 7081020 w 7081020"/>
+                  <a:gd name="connsiteY16" fmla="*/ 2955035 h 7128375"/>
+                  <a:gd name="connsiteX17" fmla="*/ 7081020 w 7081020"/>
+                  <a:gd name="connsiteY17" fmla="*/ 3674353 h 7128375"/>
+                  <a:gd name="connsiteX18" fmla="*/ 7081020 w 7081020"/>
+                  <a:gd name="connsiteY18" fmla="*/ 4393671 h 7128375"/>
+                  <a:gd name="connsiteX19" fmla="*/ 7081020 w 7081020"/>
+                  <a:gd name="connsiteY19" fmla="*/ 5112989 h 7128375"/>
+                  <a:gd name="connsiteX20" fmla="*/ 7081020 w 7081020"/>
+                  <a:gd name="connsiteY20" fmla="*/ 5547172 h 7128375"/>
+                  <a:gd name="connsiteX21" fmla="*/ 7081020 w 7081020"/>
+                  <a:gd name="connsiteY21" fmla="*/ 6052638 h 7128375"/>
+                  <a:gd name="connsiteX22" fmla="*/ 7081020 w 7081020"/>
+                  <a:gd name="connsiteY22" fmla="*/ 7128375 h 7128375"/>
+                  <a:gd name="connsiteX23" fmla="*/ 6508101 w 7081020"/>
+                  <a:gd name="connsiteY23" fmla="*/ 7128375 h 7128375"/>
+                  <a:gd name="connsiteX24" fmla="*/ 5864372 w 7081020"/>
+                  <a:gd name="connsiteY24" fmla="*/ 7128375 h 7128375"/>
+                  <a:gd name="connsiteX25" fmla="*/ 5433074 w 7081020"/>
+                  <a:gd name="connsiteY25" fmla="*/ 7128375 h 7128375"/>
+                  <a:gd name="connsiteX26" fmla="*/ 5001775 w 7081020"/>
+                  <a:gd name="connsiteY26" fmla="*/ 7128375 h 7128375"/>
+                  <a:gd name="connsiteX27" fmla="*/ 4358046 w 7081020"/>
+                  <a:gd name="connsiteY27" fmla="*/ 7128375 h 7128375"/>
+                  <a:gd name="connsiteX28" fmla="*/ 3855937 w 7081020"/>
+                  <a:gd name="connsiteY28" fmla="*/ 7128375 h 7128375"/>
+                  <a:gd name="connsiteX29" fmla="*/ 3141398 w 7081020"/>
+                  <a:gd name="connsiteY29" fmla="*/ 7128375 h 7128375"/>
+                  <a:gd name="connsiteX30" fmla="*/ 2639289 w 7081020"/>
+                  <a:gd name="connsiteY30" fmla="*/ 7128375 h 7128375"/>
+                  <a:gd name="connsiteX31" fmla="*/ 1924750 w 7081020"/>
+                  <a:gd name="connsiteY31" fmla="*/ 7128375 h 7128375"/>
+                  <a:gd name="connsiteX32" fmla="*/ 1493451 w 7081020"/>
+                  <a:gd name="connsiteY32" fmla="*/ 7128375 h 7128375"/>
+                  <a:gd name="connsiteX33" fmla="*/ 778912 w 7081020"/>
+                  <a:gd name="connsiteY33" fmla="*/ 7128375 h 7128375"/>
+                  <a:gd name="connsiteX34" fmla="*/ 0 w 7081020"/>
+                  <a:gd name="connsiteY34" fmla="*/ 7128375 h 7128375"/>
+                  <a:gd name="connsiteX35" fmla="*/ 0 w 7081020"/>
+                  <a:gd name="connsiteY35" fmla="*/ 6694192 h 7128375"/>
+                  <a:gd name="connsiteX36" fmla="*/ 0 w 7081020"/>
+                  <a:gd name="connsiteY36" fmla="*/ 6117442 h 7128375"/>
+                  <a:gd name="connsiteX37" fmla="*/ 0 w 7081020"/>
+                  <a:gd name="connsiteY37" fmla="*/ 5326840 h 7128375"/>
+                  <a:gd name="connsiteX38" fmla="*/ 0 w 7081020"/>
+                  <a:gd name="connsiteY38" fmla="*/ 4821374 h 7128375"/>
+                  <a:gd name="connsiteX39" fmla="*/ 0 w 7081020"/>
+                  <a:gd name="connsiteY39" fmla="*/ 4387191 h 7128375"/>
+                  <a:gd name="connsiteX40" fmla="*/ 0 w 7081020"/>
+                  <a:gd name="connsiteY40" fmla="*/ 3953008 h 7128375"/>
+                  <a:gd name="connsiteX41" fmla="*/ 0 w 7081020"/>
+                  <a:gd name="connsiteY41" fmla="*/ 3233690 h 7128375"/>
+                  <a:gd name="connsiteX42" fmla="*/ 0 w 7081020"/>
+                  <a:gd name="connsiteY42" fmla="*/ 2799507 h 7128375"/>
+                  <a:gd name="connsiteX43" fmla="*/ 0 w 7081020"/>
+                  <a:gd name="connsiteY43" fmla="*/ 2151473 h 7128375"/>
+                  <a:gd name="connsiteX44" fmla="*/ 0 w 7081020"/>
+                  <a:gd name="connsiteY44" fmla="*/ 1646007 h 7128375"/>
+                  <a:gd name="connsiteX45" fmla="*/ 0 w 7081020"/>
+                  <a:gd name="connsiteY45" fmla="*/ 997972 h 7128375"/>
+                  <a:gd name="connsiteX46" fmla="*/ 0 w 7081020"/>
+                  <a:gd name="connsiteY46" fmla="*/ 0 h 7128375"/>
+                </a:gdLst>
+                <a:ahLst/>
+                <a:cxnLst>
+                  <a:cxn ang="0">
+                    <a:pos x="connsiteX0" y="connsiteY0"/>
+                  </a:cxn>
+                  <a:cxn ang="0">
+                    <a:pos x="connsiteX1" y="connsiteY1"/>
+                  </a:cxn>
+                  <a:cxn ang="0">
+                    <a:pos x="connsiteX2" y="connsiteY2"/>
+                  </a:cxn>
+                  <a:cxn ang="0">
+                    <a:pos x="connsiteX3" y="connsiteY3"/>
+                  </a:cxn>
+                  <a:cxn ang="0">
+                    <a:pos x="connsiteX4" y="connsiteY4"/>
+                  </a:cxn>
+                  <a:cxn ang="0">
+                    <a:pos x="connsiteX5" y="connsiteY5"/>
+                  </a:cxn>
+                  <a:cxn ang="0">
+                    <a:pos x="connsiteX6" y="connsiteY6"/>
+                  </a:cxn>
+                  <a:cxn ang="0">
+                    <a:pos x="connsiteX7" y="connsiteY7"/>
+                  </a:cxn>
+                  <a:cxn ang="0">
+                    <a:pos x="connsiteX8" y="connsiteY8"/>
+                  </a:cxn>
+                  <a:cxn ang="0">
+                    <a:pos x="connsiteX9" y="connsiteY9"/>
+                  </a:cxn>
+                  <a:cxn ang="0">
+                    <a:pos x="connsiteX10" y="connsiteY10"/>
+                  </a:cxn>
+                  <a:cxn ang="0">
+                    <a:pos x="connsiteX11" y="connsiteY11"/>
+                  </a:cxn>
+                  <a:cxn ang="0">
+                    <a:pos x="connsiteX12" y="connsiteY12"/>
+                  </a:cxn>
+                  <a:cxn ang="0">
+                    <a:pos x="connsiteX13" y="connsiteY13"/>
+                  </a:cxn>
+                  <a:cxn ang="0">
+                    <a:pos x="connsiteX14" y="connsiteY14"/>
+                  </a:cxn>
+                  <a:cxn ang="0">
+                    <a:pos x="connsiteX15" y="connsiteY15"/>
+                  </a:cxn>
+                  <a:cxn ang="0">
+                    <a:pos x="connsiteX16" y="connsiteY16"/>
+                  </a:cxn>
+                  <a:cxn ang="0">
+                    <a:pos x="connsiteX17" y="connsiteY17"/>
+                  </a:cxn>
+                  <a:cxn ang="0">
+                    <a:pos x="connsiteX18" y="connsiteY18"/>
+                  </a:cxn>
+                  <a:cxn ang="0">
+                    <a:pos x="connsiteX19" y="connsiteY19"/>
+                  </a:cxn>
+                  <a:cxn ang="0">
+                    <a:pos x="connsiteX20" y="connsiteY20"/>
+                  </a:cxn>
+                  <a:cxn ang="0">
+                    <a:pos x="connsiteX21" y="connsiteY21"/>
+                  </a:cxn>
+                  <a:cxn ang="0">
+                    <a:pos x="connsiteX22" y="connsiteY22"/>
+                  </a:cxn>
+                  <a:cxn ang="0">
+                    <a:pos x="connsiteX23" y="connsiteY23"/>
+                  </a:cxn>
+                  <a:cxn ang="0">
+                    <a:pos x="connsiteX24" y="connsiteY24"/>
+                  </a:cxn>
+                  <a:cxn ang="0">
+                    <a:pos x="connsiteX25" y="connsiteY25"/>
+                  </a:cxn>
+                  <a:cxn ang="0">
+                    <a:pos x="connsiteX26" y="connsiteY26"/>
+                  </a:cxn>
+                  <a:cxn ang="0">
+                    <a:pos x="connsiteX27" y="connsiteY27"/>
+                  </a:cxn>
+                  <a:cxn ang="0">
+                    <a:pos x="connsiteX28" y="connsiteY28"/>
+                  </a:cxn>
+                  <a:cxn ang="0">
+                    <a:pos x="connsiteX29" y="connsiteY29"/>
+                  </a:cxn>
+                  <a:cxn ang="0">
+                    <a:pos x="connsiteX30" y="connsiteY30"/>
+                  </a:cxn>
+                  <a:cxn ang="0">
+                    <a:pos x="connsiteX31" y="connsiteY31"/>
+                  </a:cxn>
+                  <a:cxn ang="0">
+                    <a:pos x="connsiteX32" y="connsiteY32"/>
+                  </a:cxn>
+                  <a:cxn ang="0">
+                    <a:pos x="connsiteX33" y="connsiteY33"/>
+                  </a:cxn>
+                  <a:cxn ang="0">
+                    <a:pos x="connsiteX34" y="connsiteY34"/>
+                  </a:cxn>
+                  <a:cxn ang="0">
+                    <a:pos x="connsiteX35" y="connsiteY35"/>
+                  </a:cxn>
+                  <a:cxn ang="0">
+                    <a:pos x="connsiteX36" y="connsiteY36"/>
+                  </a:cxn>
+                  <a:cxn ang="0">
+                    <a:pos x="connsiteX37" y="connsiteY37"/>
+                  </a:cxn>
+                  <a:cxn ang="0">
+                    <a:pos x="connsiteX38" y="connsiteY38"/>
+                  </a:cxn>
+                  <a:cxn ang="0">
+                    <a:pos x="connsiteX39" y="connsiteY39"/>
+                  </a:cxn>
+                  <a:cxn ang="0">
+                    <a:pos x="connsiteX40" y="connsiteY40"/>
+                  </a:cxn>
+                  <a:cxn ang="0">
+                    <a:pos x="connsiteX41" y="connsiteY41"/>
+                  </a:cxn>
+                  <a:cxn ang="0">
+                    <a:pos x="connsiteX42" y="connsiteY42"/>
+                  </a:cxn>
+                  <a:cxn ang="0">
+                    <a:pos x="connsiteX43" y="connsiteY43"/>
+                  </a:cxn>
+                  <a:cxn ang="0">
+                    <a:pos x="connsiteX44" y="connsiteY44"/>
+                  </a:cxn>
+                  <a:cxn ang="0">
+                    <a:pos x="connsiteX45" y="connsiteY45"/>
+                  </a:cxn>
+                  <a:cxn ang="0">
+                    <a:pos x="connsiteX46" y="connsiteY46"/>
+                  </a:cxn>
+                </a:cxnLst>
+                <a:rect l="l" t="t" r="r" b="b"/>
+                <a:pathLst>
+                  <a:path w="7081020" h="7128375" extrusionOk="0">
+                    <a:moveTo>
+                      <a:pt x="0" y="0"/>
+                    </a:moveTo>
+                    <a:cubicBezTo>
+                      <a:pt x="210263" y="22018"/>
+                      <a:pt x="413341" y="21500"/>
+                      <a:pt x="572919" y="0"/>
+                    </a:cubicBezTo>
+                    <a:cubicBezTo>
+                      <a:pt x="732497" y="-21500"/>
+                      <a:pt x="792396" y="690"/>
+                      <a:pt x="1004217" y="0"/>
+                    </a:cubicBezTo>
+                    <a:cubicBezTo>
+                      <a:pt x="1216038" y="-690"/>
+                      <a:pt x="1615716" y="10174"/>
+                      <a:pt x="1789567" y="0"/>
+                    </a:cubicBezTo>
+                    <a:cubicBezTo>
+                      <a:pt x="1963418" y="-10174"/>
+                      <a:pt x="2244829" y="4874"/>
+                      <a:pt x="2362486" y="0"/>
+                    </a:cubicBezTo>
+                    <a:cubicBezTo>
+                      <a:pt x="2480143" y="-4874"/>
+                      <a:pt x="2735114" y="-20363"/>
+                      <a:pt x="2935405" y="0"/>
+                    </a:cubicBezTo>
+                    <a:cubicBezTo>
+                      <a:pt x="3135696" y="20363"/>
+                      <a:pt x="3436871" y="-29544"/>
+                      <a:pt x="3720754" y="0"/>
+                    </a:cubicBezTo>
+                    <a:cubicBezTo>
+                      <a:pt x="4004637" y="29544"/>
+                      <a:pt x="4028634" y="1501"/>
+                      <a:pt x="4222863" y="0"/>
+                    </a:cubicBezTo>
+                    <a:cubicBezTo>
+                      <a:pt x="4417092" y="-1501"/>
+                      <a:pt x="4654536" y="13421"/>
+                      <a:pt x="5008212" y="0"/>
+                    </a:cubicBezTo>
+                    <a:cubicBezTo>
+                      <a:pt x="5361888" y="-13421"/>
+                      <a:pt x="5558134" y="-3460"/>
+                      <a:pt x="5793562" y="0"/>
+                    </a:cubicBezTo>
+                    <a:cubicBezTo>
+                      <a:pt x="6028990" y="3460"/>
+                      <a:pt x="6283140" y="-18066"/>
+                      <a:pt x="6437291" y="0"/>
+                    </a:cubicBezTo>
+                    <a:cubicBezTo>
+                      <a:pt x="6591442" y="18066"/>
+                      <a:pt x="6828068" y="20319"/>
+                      <a:pt x="7081020" y="0"/>
+                    </a:cubicBezTo>
+                    <a:cubicBezTo>
+                      <a:pt x="7086679" y="197309"/>
+                      <a:pt x="7052409" y="340961"/>
+                      <a:pt x="7081020" y="576750"/>
+                    </a:cubicBezTo>
+                    <a:cubicBezTo>
+                      <a:pt x="7109632" y="812539"/>
+                      <a:pt x="7078751" y="855081"/>
+                      <a:pt x="7081020" y="1010933"/>
+                    </a:cubicBezTo>
+                    <a:cubicBezTo>
+                      <a:pt x="7083289" y="1166785"/>
+                      <a:pt x="7071237" y="1407724"/>
+                      <a:pt x="7081020" y="1658967"/>
+                    </a:cubicBezTo>
+                    <a:cubicBezTo>
+                      <a:pt x="7090803" y="1910210"/>
+                      <a:pt x="7062603" y="2032907"/>
+                      <a:pt x="7081020" y="2307001"/>
+                    </a:cubicBezTo>
+                    <a:cubicBezTo>
+                      <a:pt x="7099437" y="2581095"/>
+                      <a:pt x="7090470" y="2745162"/>
+                      <a:pt x="7081020" y="2955035"/>
+                    </a:cubicBezTo>
+                    <a:cubicBezTo>
+                      <a:pt x="7071570" y="3164908"/>
+                      <a:pt x="7066660" y="3460273"/>
+                      <a:pt x="7081020" y="3674353"/>
+                    </a:cubicBezTo>
+                    <a:cubicBezTo>
+                      <a:pt x="7095380" y="3888433"/>
+                      <a:pt x="7101845" y="4088684"/>
+                      <a:pt x="7081020" y="4393671"/>
+                    </a:cubicBezTo>
+                    <a:cubicBezTo>
+                      <a:pt x="7060195" y="4698658"/>
+                      <a:pt x="7045749" y="4754912"/>
+                      <a:pt x="7081020" y="5112989"/>
+                    </a:cubicBezTo>
+                    <a:cubicBezTo>
+                      <a:pt x="7116291" y="5471066"/>
+                      <a:pt x="7081173" y="5404600"/>
+                      <a:pt x="7081020" y="5547172"/>
+                    </a:cubicBezTo>
+                    <a:cubicBezTo>
+                      <a:pt x="7080867" y="5689744"/>
+                      <a:pt x="7067424" y="5891982"/>
+                      <a:pt x="7081020" y="6052638"/>
+                    </a:cubicBezTo>
+                    <a:cubicBezTo>
+                      <a:pt x="7094616" y="6213294"/>
+                      <a:pt x="7107647" y="6614038"/>
+                      <a:pt x="7081020" y="7128375"/>
+                    </a:cubicBezTo>
+                    <a:cubicBezTo>
+                      <a:pt x="6954770" y="7122103"/>
+                      <a:pt x="6779392" y="7110310"/>
+                      <a:pt x="6508101" y="7128375"/>
+                    </a:cubicBezTo>
+                    <a:cubicBezTo>
+                      <a:pt x="6236810" y="7146440"/>
+                      <a:pt x="6026138" y="7145017"/>
+                      <a:pt x="5864372" y="7128375"/>
+                    </a:cubicBezTo>
+                    <a:cubicBezTo>
+                      <a:pt x="5702606" y="7111733"/>
+                      <a:pt x="5551602" y="7148973"/>
+                      <a:pt x="5433074" y="7128375"/>
+                    </a:cubicBezTo>
+                    <a:cubicBezTo>
+                      <a:pt x="5314546" y="7107777"/>
+                      <a:pt x="5146991" y="7129476"/>
+                      <a:pt x="5001775" y="7128375"/>
+                    </a:cubicBezTo>
+                    <a:cubicBezTo>
+                      <a:pt x="4856559" y="7127274"/>
+                      <a:pt x="4630755" y="7126059"/>
+                      <a:pt x="4358046" y="7128375"/>
+                    </a:cubicBezTo>
+                    <a:cubicBezTo>
+                      <a:pt x="4085337" y="7130691"/>
+                      <a:pt x="3967138" y="7142143"/>
+                      <a:pt x="3855937" y="7128375"/>
+                    </a:cubicBezTo>
+                    <a:cubicBezTo>
+                      <a:pt x="3744736" y="7114607"/>
+                      <a:pt x="3452305" y="7132533"/>
+                      <a:pt x="3141398" y="7128375"/>
+                    </a:cubicBezTo>
+                    <a:cubicBezTo>
+                      <a:pt x="2830491" y="7124217"/>
+                      <a:pt x="2779193" y="7123189"/>
+                      <a:pt x="2639289" y="7128375"/>
+                    </a:cubicBezTo>
+                    <a:cubicBezTo>
+                      <a:pt x="2499385" y="7133561"/>
+                      <a:pt x="2173760" y="7093547"/>
+                      <a:pt x="1924750" y="7128375"/>
+                    </a:cubicBezTo>
+                    <a:cubicBezTo>
+                      <a:pt x="1675740" y="7163203"/>
+                      <a:pt x="1667255" y="7133285"/>
+                      <a:pt x="1493451" y="7128375"/>
+                    </a:cubicBezTo>
+                    <a:cubicBezTo>
+                      <a:pt x="1319647" y="7123465"/>
+                      <a:pt x="928836" y="7162812"/>
+                      <a:pt x="778912" y="7128375"/>
+                    </a:cubicBezTo>
+                    <a:cubicBezTo>
+                      <a:pt x="628988" y="7093938"/>
+                      <a:pt x="182251" y="7126729"/>
+                      <a:pt x="0" y="7128375"/>
+                    </a:cubicBezTo>
+                    <a:cubicBezTo>
+                      <a:pt x="17581" y="6957036"/>
+                      <a:pt x="19306" y="6836112"/>
+                      <a:pt x="0" y="6694192"/>
+                    </a:cubicBezTo>
+                    <a:cubicBezTo>
+                      <a:pt x="-19306" y="6552272"/>
+                      <a:pt x="-27487" y="6330951"/>
+                      <a:pt x="0" y="6117442"/>
+                    </a:cubicBezTo>
+                    <a:cubicBezTo>
+                      <a:pt x="27487" y="5903933"/>
+                      <a:pt x="34445" y="5603571"/>
+                      <a:pt x="0" y="5326840"/>
+                    </a:cubicBezTo>
+                    <a:cubicBezTo>
+                      <a:pt x="-34445" y="5050109"/>
+                      <a:pt x="22424" y="5011072"/>
+                      <a:pt x="0" y="4821374"/>
+                    </a:cubicBezTo>
+                    <a:cubicBezTo>
+                      <a:pt x="-22424" y="4631676"/>
+                      <a:pt x="-9224" y="4579426"/>
+                      <a:pt x="0" y="4387191"/>
+                    </a:cubicBezTo>
+                    <a:cubicBezTo>
+                      <a:pt x="9224" y="4194956"/>
+                      <a:pt x="12046" y="4059739"/>
+                      <a:pt x="0" y="3953008"/>
+                    </a:cubicBezTo>
+                    <a:cubicBezTo>
+                      <a:pt x="-12046" y="3846277"/>
+                      <a:pt x="-2171" y="3399792"/>
+                      <a:pt x="0" y="3233690"/>
+                    </a:cubicBezTo>
+                    <a:cubicBezTo>
+                      <a:pt x="2171" y="3067588"/>
+                      <a:pt x="-5609" y="2974591"/>
+                      <a:pt x="0" y="2799507"/>
+                    </a:cubicBezTo>
+                    <a:cubicBezTo>
+                      <a:pt x="5609" y="2624423"/>
+                      <a:pt x="-28770" y="2289599"/>
+                      <a:pt x="0" y="2151473"/>
+                    </a:cubicBezTo>
+                    <a:cubicBezTo>
+                      <a:pt x="28770" y="2013347"/>
+                      <a:pt x="-2451" y="1763400"/>
+                      <a:pt x="0" y="1646007"/>
+                    </a:cubicBezTo>
+                    <a:cubicBezTo>
+                      <a:pt x="2451" y="1528614"/>
+                      <a:pt x="-5029" y="1223026"/>
+                      <a:pt x="0" y="997972"/>
+                    </a:cubicBezTo>
+                    <a:cubicBezTo>
+                      <a:pt x="5029" y="772919"/>
+                      <a:pt x="-35205" y="296777"/>
+                      <a:pt x="0" y="0"/>
+                    </a:cubicBezTo>
+                    <a:close/>
+                  </a:path>
+                </a:pathLst>
+              </a:custGeom>
+              <a:noFill/>
+              <a:ln w="25400">
+                <a:solidFill>
+                  <a:schemeClr val="tx1"/>
+                </a:solidFill>
+                <a:extLst>
+                  <a:ext uri="{C807C97D-BFC1-408E-A445-0C87EB9F89A2}">
+                    <ask:lineSketchStyleProps xmlns:ask="http://schemas.microsoft.com/office/drawing/2018/sketchyshapes" sd="1219033472">
+                      <a:prstGeom prst="rect">
+                        <a:avLst/>
+                      </a:prstGeom>
+                      <ask:type>
+                        <ask:lineSketchFreehand/>
+                      </ask:type>
+                    </ask:lineSketchStyleProps>
+                  </a:ext>
+                </a:extLst>
+              </a:ln>
+            </p:spPr>
+            <p:style>
+              <a:lnRef idx="2">
+                <a:schemeClr val="accent1">
+                  <a:shade val="15000"/>
+                </a:schemeClr>
+              </a:lnRef>
+              <a:fillRef idx="1">
+                <a:schemeClr val="accent1"/>
+              </a:fillRef>
+              <a:effectRef idx="0">
+                <a:schemeClr val="accent1"/>
+              </a:effectRef>
+              <a:fontRef idx="minor">
+                <a:schemeClr val="lt1"/>
+              </a:fontRef>
+            </p:style>
+            <p:txBody>
+              <a:bodyPr rtlCol="0" anchor="ctr"/>
+              <a:lstStyle/>
+              <a:p>
+                <a:pPr algn="ctr"/>
+                <a:endParaRPr lang="en-US" sz="2229"/>
+              </a:p>
+            </p:txBody>
+          </p:sp>
+        </p:grpSp>
+        <p:grpSp>
+          <p:nvGrpSpPr>
+            <p:cNvPr id="44" name="Group 43">
+              <a:extLst>
+                <a:ext uri="{FF2B5EF4-FFF2-40B4-BE49-F238E27FC236}">
+                  <a16:creationId xmlns:a16="http://schemas.microsoft.com/office/drawing/2014/main" id="{57041239-5E19-1885-DBBA-360623883237}"/>
+                </a:ext>
+              </a:extLst>
+            </p:cNvPr>
+            <p:cNvGrpSpPr/>
+            <p:nvPr/>
+          </p:nvGrpSpPr>
+          <p:grpSpPr>
+            <a:xfrm>
+              <a:off x="3336640" y="180531"/>
+              <a:ext cx="3996218" cy="1532972"/>
+              <a:chOff x="4993885" y="4429523"/>
+              <a:chExt cx="6705679" cy="1876412"/>
+            </a:xfrm>
+          </p:grpSpPr>
+          <p:sp>
+            <p:nvSpPr>
+              <p:cNvPr id="3" name="Rectangle 2">
+                <a:extLst>
+                  <a:ext uri="{FF2B5EF4-FFF2-40B4-BE49-F238E27FC236}">
+                    <a16:creationId xmlns:a16="http://schemas.microsoft.com/office/drawing/2014/main" id="{F87659A1-007A-5A1A-3C43-D31914FA600E}"/>
+                  </a:ext>
+                </a:extLst>
+              </p:cNvPr>
+              <p:cNvSpPr/>
+              <p:nvPr/>
+            </p:nvSpPr>
+            <p:spPr>
+              <a:xfrm>
+                <a:off x="4993886" y="4490436"/>
+                <a:ext cx="6685443" cy="1815499"/>
+              </a:xfrm>
+              <a:custGeom>
+                <a:avLst/>
+                <a:gdLst>
+                  <a:gd name="connsiteX0" fmla="*/ 0 w 6685443"/>
+                  <a:gd name="connsiteY0" fmla="*/ 0 h 1815499"/>
+                  <a:gd name="connsiteX1" fmla="*/ 601690 w 6685443"/>
+                  <a:gd name="connsiteY1" fmla="*/ 0 h 1815499"/>
+                  <a:gd name="connsiteX2" fmla="*/ 1069671 w 6685443"/>
+                  <a:gd name="connsiteY2" fmla="*/ 0 h 1815499"/>
+                  <a:gd name="connsiteX3" fmla="*/ 1871924 w 6685443"/>
+                  <a:gd name="connsiteY3" fmla="*/ 0 h 1815499"/>
+                  <a:gd name="connsiteX4" fmla="*/ 2473614 w 6685443"/>
+                  <a:gd name="connsiteY4" fmla="*/ 0 h 1815499"/>
+                  <a:gd name="connsiteX5" fmla="*/ 3075304 w 6685443"/>
+                  <a:gd name="connsiteY5" fmla="*/ 0 h 1815499"/>
+                  <a:gd name="connsiteX6" fmla="*/ 3877557 w 6685443"/>
+                  <a:gd name="connsiteY6" fmla="*/ 0 h 1815499"/>
+                  <a:gd name="connsiteX7" fmla="*/ 4412392 w 6685443"/>
+                  <a:gd name="connsiteY7" fmla="*/ 0 h 1815499"/>
+                  <a:gd name="connsiteX8" fmla="*/ 5214646 w 6685443"/>
+                  <a:gd name="connsiteY8" fmla="*/ 0 h 1815499"/>
+                  <a:gd name="connsiteX9" fmla="*/ 6016899 w 6685443"/>
+                  <a:gd name="connsiteY9" fmla="*/ 0 h 1815499"/>
+                  <a:gd name="connsiteX10" fmla="*/ 6685443 w 6685443"/>
+                  <a:gd name="connsiteY10" fmla="*/ 0 h 1815499"/>
+                  <a:gd name="connsiteX11" fmla="*/ 6685443 w 6685443"/>
+                  <a:gd name="connsiteY11" fmla="*/ 641476 h 1815499"/>
+                  <a:gd name="connsiteX12" fmla="*/ 6685443 w 6685443"/>
+                  <a:gd name="connsiteY12" fmla="*/ 1264798 h 1815499"/>
+                  <a:gd name="connsiteX13" fmla="*/ 6685443 w 6685443"/>
+                  <a:gd name="connsiteY13" fmla="*/ 1815499 h 1815499"/>
+                  <a:gd name="connsiteX14" fmla="*/ 6016899 w 6685443"/>
+                  <a:gd name="connsiteY14" fmla="*/ 1815499 h 1815499"/>
+                  <a:gd name="connsiteX15" fmla="*/ 5482063 w 6685443"/>
+                  <a:gd name="connsiteY15" fmla="*/ 1815499 h 1815499"/>
+                  <a:gd name="connsiteX16" fmla="*/ 4813519 w 6685443"/>
+                  <a:gd name="connsiteY16" fmla="*/ 1815499 h 1815499"/>
+                  <a:gd name="connsiteX17" fmla="*/ 4011266 w 6685443"/>
+                  <a:gd name="connsiteY17" fmla="*/ 1815499 h 1815499"/>
+                  <a:gd name="connsiteX18" fmla="*/ 3342722 w 6685443"/>
+                  <a:gd name="connsiteY18" fmla="*/ 1815499 h 1815499"/>
+                  <a:gd name="connsiteX19" fmla="*/ 2874740 w 6685443"/>
+                  <a:gd name="connsiteY19" fmla="*/ 1815499 h 1815499"/>
+                  <a:gd name="connsiteX20" fmla="*/ 2339905 w 6685443"/>
+                  <a:gd name="connsiteY20" fmla="*/ 1815499 h 1815499"/>
+                  <a:gd name="connsiteX21" fmla="*/ 1537652 w 6685443"/>
+                  <a:gd name="connsiteY21" fmla="*/ 1815499 h 1815499"/>
+                  <a:gd name="connsiteX22" fmla="*/ 869108 w 6685443"/>
+                  <a:gd name="connsiteY22" fmla="*/ 1815499 h 1815499"/>
+                  <a:gd name="connsiteX23" fmla="*/ 0 w 6685443"/>
+                  <a:gd name="connsiteY23" fmla="*/ 1815499 h 1815499"/>
+                  <a:gd name="connsiteX24" fmla="*/ 0 w 6685443"/>
+                  <a:gd name="connsiteY24" fmla="*/ 1210333 h 1815499"/>
+                  <a:gd name="connsiteX25" fmla="*/ 0 w 6685443"/>
+                  <a:gd name="connsiteY25" fmla="*/ 659631 h 1815499"/>
+                  <a:gd name="connsiteX26" fmla="*/ 0 w 6685443"/>
+                  <a:gd name="connsiteY26" fmla="*/ 0 h 1815499"/>
+                </a:gdLst>
+                <a:ahLst/>
+                <a:cxnLst>
+                  <a:cxn ang="0">
+                    <a:pos x="connsiteX0" y="connsiteY0"/>
+                  </a:cxn>
+                  <a:cxn ang="0">
+                    <a:pos x="connsiteX1" y="connsiteY1"/>
+                  </a:cxn>
+                  <a:cxn ang="0">
+                    <a:pos x="connsiteX2" y="connsiteY2"/>
+                  </a:cxn>
+                  <a:cxn ang="0">
+                    <a:pos x="connsiteX3" y="connsiteY3"/>
+                  </a:cxn>
+                  <a:cxn ang="0">
+                    <a:pos x="connsiteX4" y="connsiteY4"/>
+                  </a:cxn>
+                  <a:cxn ang="0">
+                    <a:pos x="connsiteX5" y="connsiteY5"/>
+                  </a:cxn>
+                  <a:cxn ang="0">
+                    <a:pos x="connsiteX6" y="connsiteY6"/>
+                  </a:cxn>
+                  <a:cxn ang="0">
+                    <a:pos x="connsiteX7" y="connsiteY7"/>
+                  </a:cxn>
+                  <a:cxn ang="0">
+                    <a:pos x="connsiteX8" y="connsiteY8"/>
+                  </a:cxn>
+                  <a:cxn ang="0">
+                    <a:pos x="connsiteX9" y="connsiteY9"/>
+                  </a:cxn>
+                  <a:cxn ang="0">
+                    <a:pos x="connsiteX10" y="connsiteY10"/>
+                  </a:cxn>
+                  <a:cxn ang="0">
+                    <a:pos x="connsiteX11" y="connsiteY11"/>
+                  </a:cxn>
+                  <a:cxn ang="0">
+                    <a:pos x="connsiteX12" y="connsiteY12"/>
+                  </a:cxn>
+                  <a:cxn ang="0">
+                    <a:pos x="connsiteX13" y="connsiteY13"/>
+                  </a:cxn>
+                  <a:cxn ang="0">
+                    <a:pos x="connsiteX14" y="connsiteY14"/>
+                  </a:cxn>
+                  <a:cxn ang="0">
+                    <a:pos x="connsiteX15" y="connsiteY15"/>
+                  </a:cxn>
+                  <a:cxn ang="0">
+                    <a:pos x="connsiteX16" y="connsiteY16"/>
+                  </a:cxn>
+                  <a:cxn ang="0">
+                    <a:pos x="connsiteX17" y="connsiteY17"/>
+                  </a:cxn>
+                  <a:cxn ang="0">
+                    <a:pos x="connsiteX18" y="connsiteY18"/>
+                  </a:cxn>
+                  <a:cxn ang="0">
+                    <a:pos x="connsiteX19" y="connsiteY19"/>
+                  </a:cxn>
+                  <a:cxn ang="0">
+                    <a:pos x="connsiteX20" y="connsiteY20"/>
+                  </a:cxn>
+                  <a:cxn ang="0">
+                    <a:pos x="connsiteX21" y="connsiteY21"/>
+                  </a:cxn>
+                  <a:cxn ang="0">
+                    <a:pos x="connsiteX22" y="connsiteY22"/>
+                  </a:cxn>
+                  <a:cxn ang="0">
+                    <a:pos x="connsiteX23" y="connsiteY23"/>
+                  </a:cxn>
+                  <a:cxn ang="0">
+                    <a:pos x="connsiteX24" y="connsiteY24"/>
+                  </a:cxn>
+                  <a:cxn ang="0">
+                    <a:pos x="connsiteX25" y="connsiteY25"/>
+                  </a:cxn>
+                  <a:cxn ang="0">
+                    <a:pos x="connsiteX26" y="connsiteY26"/>
+                  </a:cxn>
+                </a:cxnLst>
+                <a:rect l="l" t="t" r="r" b="b"/>
+                <a:pathLst>
+                  <a:path w="6685443" h="1815499" extrusionOk="0">
+                    <a:moveTo>
+                      <a:pt x="0" y="0"/>
+                    </a:moveTo>
+                    <a:cubicBezTo>
+                      <a:pt x="197687" y="5421"/>
+                      <a:pt x="392637" y="-27165"/>
+                      <a:pt x="601690" y="0"/>
+                    </a:cubicBezTo>
+                    <a:cubicBezTo>
+                      <a:pt x="810743" y="27165"/>
+                      <a:pt x="967174" y="20034"/>
+                      <a:pt x="1069671" y="0"/>
+                    </a:cubicBezTo>
+                    <a:cubicBezTo>
+                      <a:pt x="1172168" y="-20034"/>
+                      <a:pt x="1481114" y="26288"/>
+                      <a:pt x="1871924" y="0"/>
+                    </a:cubicBezTo>
+                    <a:cubicBezTo>
+                      <a:pt x="2262734" y="-26288"/>
+                      <a:pt x="2275646" y="9816"/>
+                      <a:pt x="2473614" y="0"/>
+                    </a:cubicBezTo>
+                    <a:cubicBezTo>
+                      <a:pt x="2671582" y="-9816"/>
+                      <a:pt x="2837715" y="-16866"/>
+                      <a:pt x="3075304" y="0"/>
+                    </a:cubicBezTo>
+                    <a:cubicBezTo>
+                      <a:pt x="3312893" y="16866"/>
+                      <a:pt x="3565082" y="13656"/>
+                      <a:pt x="3877557" y="0"/>
+                    </a:cubicBezTo>
+                    <a:cubicBezTo>
+                      <a:pt x="4190032" y="-13656"/>
+                      <a:pt x="4275680" y="23045"/>
+                      <a:pt x="4412392" y="0"/>
+                    </a:cubicBezTo>
+                    <a:cubicBezTo>
+                      <a:pt x="4549105" y="-23045"/>
+                      <a:pt x="4974381" y="13533"/>
+                      <a:pt x="5214646" y="0"/>
+                    </a:cubicBezTo>
+                    <a:cubicBezTo>
+                      <a:pt x="5454911" y="-13533"/>
+                      <a:pt x="5621382" y="6072"/>
+                      <a:pt x="6016899" y="0"/>
+                    </a:cubicBezTo>
+                    <a:cubicBezTo>
+                      <a:pt x="6412416" y="-6072"/>
+                      <a:pt x="6368099" y="-22480"/>
+                      <a:pt x="6685443" y="0"/>
+                    </a:cubicBezTo>
+                    <a:cubicBezTo>
+                      <a:pt x="6675060" y="141143"/>
+                      <a:pt x="6688790" y="422707"/>
+                      <a:pt x="6685443" y="641476"/>
+                    </a:cubicBezTo>
+                    <a:cubicBezTo>
+                      <a:pt x="6682096" y="860245"/>
+                      <a:pt x="6676921" y="1110529"/>
+                      <a:pt x="6685443" y="1264798"/>
+                    </a:cubicBezTo>
+                    <a:cubicBezTo>
+                      <a:pt x="6693965" y="1419067"/>
+                      <a:pt x="6712438" y="1626237"/>
+                      <a:pt x="6685443" y="1815499"/>
+                    </a:cubicBezTo>
+                    <a:cubicBezTo>
+                      <a:pt x="6531485" y="1826631"/>
+                      <a:pt x="6258288" y="1826162"/>
+                      <a:pt x="6016899" y="1815499"/>
+                    </a:cubicBezTo>
+                    <a:cubicBezTo>
+                      <a:pt x="5775510" y="1804836"/>
+                      <a:pt x="5635687" y="1808580"/>
+                      <a:pt x="5482063" y="1815499"/>
+                    </a:cubicBezTo>
+                    <a:cubicBezTo>
+                      <a:pt x="5328439" y="1822418"/>
+                      <a:pt x="4969533" y="1798322"/>
+                      <a:pt x="4813519" y="1815499"/>
+                    </a:cubicBezTo>
+                    <a:cubicBezTo>
+                      <a:pt x="4657505" y="1832676"/>
+                      <a:pt x="4277484" y="1797792"/>
+                      <a:pt x="4011266" y="1815499"/>
+                    </a:cubicBezTo>
+                    <a:cubicBezTo>
+                      <a:pt x="3745048" y="1833206"/>
+                      <a:pt x="3503887" y="1798854"/>
+                      <a:pt x="3342722" y="1815499"/>
+                    </a:cubicBezTo>
+                    <a:cubicBezTo>
+                      <a:pt x="3181557" y="1832144"/>
+                      <a:pt x="3094655" y="1808958"/>
+                      <a:pt x="2874740" y="1815499"/>
+                    </a:cubicBezTo>
+                    <a:cubicBezTo>
+                      <a:pt x="2654825" y="1822040"/>
+                      <a:pt x="2552356" y="1810430"/>
+                      <a:pt x="2339905" y="1815499"/>
+                    </a:cubicBezTo>
+                    <a:cubicBezTo>
+                      <a:pt x="2127454" y="1820568"/>
+                      <a:pt x="1825409" y="1807327"/>
+                      <a:pt x="1537652" y="1815499"/>
+                    </a:cubicBezTo>
+                    <a:cubicBezTo>
+                      <a:pt x="1249895" y="1823671"/>
+                      <a:pt x="1086879" y="1834794"/>
+                      <a:pt x="869108" y="1815499"/>
+                    </a:cubicBezTo>
+                    <a:cubicBezTo>
+                      <a:pt x="651337" y="1796204"/>
+                      <a:pt x="264417" y="1828267"/>
+                      <a:pt x="0" y="1815499"/>
+                    </a:cubicBezTo>
+                    <a:cubicBezTo>
+                      <a:pt x="8313" y="1520428"/>
+                      <a:pt x="-1936" y="1449694"/>
+                      <a:pt x="0" y="1210333"/>
+                    </a:cubicBezTo>
+                    <a:cubicBezTo>
+                      <a:pt x="1936" y="970972"/>
+                      <a:pt x="16209" y="905402"/>
+                      <a:pt x="0" y="659631"/>
+                    </a:cubicBezTo>
+                    <a:cubicBezTo>
+                      <a:pt x="-16209" y="413860"/>
+                      <a:pt x="-15680" y="309233"/>
+                      <a:pt x="0" y="0"/>
+                    </a:cubicBezTo>
+                    <a:close/>
+                  </a:path>
+                </a:pathLst>
+              </a:custGeom>
+              <a:noFill/>
+              <a:ln w="25400">
+                <a:solidFill>
+                  <a:schemeClr val="tx1"/>
+                </a:solidFill>
+                <a:extLst>
+                  <a:ext uri="{C807C97D-BFC1-408E-A445-0C87EB9F89A2}">
+                    <ask:lineSketchStyleProps xmlns:ask="http://schemas.microsoft.com/office/drawing/2018/sketchyshapes" sd="1219033472">
+                      <a:prstGeom prst="rect">
+                        <a:avLst/>
+                      </a:prstGeom>
+                      <ask:type>
+                        <ask:lineSketchFreehand/>
+                      </ask:type>
+                    </ask:lineSketchStyleProps>
+                  </a:ext>
+                </a:extLst>
+              </a:ln>
+            </p:spPr>
+            <p:style>
+              <a:lnRef idx="2">
+                <a:schemeClr val="accent1">
+                  <a:shade val="15000"/>
+                </a:schemeClr>
+              </a:lnRef>
+              <a:fillRef idx="1">
+                <a:schemeClr val="accent1"/>
+              </a:fillRef>
+              <a:effectRef idx="0">
+                <a:schemeClr val="accent1"/>
+              </a:effectRef>
+              <a:fontRef idx="minor">
+                <a:schemeClr val="lt1"/>
+              </a:fontRef>
+            </p:style>
+            <p:txBody>
+              <a:bodyPr rtlCol="0" anchor="ctr"/>
+              <a:lstStyle/>
+              <a:p>
+                <a:pPr algn="ctr"/>
+                <a:endParaRPr lang="en-US" sz="2229"/>
+              </a:p>
+            </p:txBody>
+          </p:sp>
+          <p:cxnSp>
+            <p:nvCxnSpPr>
+              <p:cNvPr id="26" name="Straight Connector 25">
+                <a:extLst>
+                  <a:ext uri="{FF2B5EF4-FFF2-40B4-BE49-F238E27FC236}">
+                    <a16:creationId xmlns:a16="http://schemas.microsoft.com/office/drawing/2014/main" id="{D66AC27D-B429-2C64-1CB1-4E16FBF1C232}"/>
+                  </a:ext>
+                </a:extLst>
+              </p:cNvPr>
+              <p:cNvCxnSpPr>
+                <a:cxnSpLocks/>
+              </p:cNvCxnSpPr>
+              <p:nvPr/>
+            </p:nvCxnSpPr>
+            <p:spPr>
+              <a:xfrm flipH="1">
+                <a:off x="4993885" y="4799489"/>
+                <a:ext cx="6705679" cy="17685"/>
+              </a:xfrm>
+              <a:prstGeom prst="line">
+                <a:avLst/>
+              </a:prstGeom>
+              <a:ln w="25400">
+                <a:solidFill>
+                  <a:schemeClr val="tx1"/>
+                </a:solidFill>
+              </a:ln>
+            </p:spPr>
+            <p:style>
+              <a:lnRef idx="1">
+                <a:schemeClr val="accent1"/>
+              </a:lnRef>
+              <a:fillRef idx="0">
+                <a:schemeClr val="accent1"/>
+              </a:fillRef>
+              <a:effectRef idx="0">
+                <a:schemeClr val="accent1"/>
+              </a:effectRef>
+              <a:fontRef idx="minor">
+                <a:schemeClr val="tx1"/>
+              </a:fontRef>
+            </p:style>
+          </p:cxnSp>
+          <p:sp>
+            <p:nvSpPr>
+              <p:cNvPr id="31" name="TextBox 30">
+                <a:extLst>
+                  <a:ext uri="{FF2B5EF4-FFF2-40B4-BE49-F238E27FC236}">
+                    <a16:creationId xmlns:a16="http://schemas.microsoft.com/office/drawing/2014/main" id="{A3B4A587-7240-6AD2-F254-3221EEE6D709}"/>
+                  </a:ext>
+                </a:extLst>
+              </p:cNvPr>
+              <p:cNvSpPr txBox="1"/>
+              <p:nvPr/>
+            </p:nvSpPr>
+            <p:spPr>
+              <a:xfrm>
+                <a:off x="5830910" y="4429523"/>
+                <a:ext cx="1689764" cy="452075"/>
+              </a:xfrm>
+              <a:prstGeom prst="rect">
+                <a:avLst/>
+              </a:prstGeom>
+              <a:noFill/>
+            </p:spPr>
+            <p:txBody>
+              <a:bodyPr wrap="none" rtlCol="0">
+                <a:spAutoFit/>
+              </a:bodyPr>
+              <a:lstStyle/>
+              <a:p>
+                <a:r>
+                  <a:rPr lang="en-US" dirty="0">
+                    <a:latin typeface="Gaegu" pitchFamily="2" charset="0"/>
+                  </a:rPr>
+                  <a:t>Terminal</a:t>
+                </a:r>
+              </a:p>
+            </p:txBody>
+          </p:sp>
+        </p:grpSp>
+        <p:sp>
+          <p:nvSpPr>
+            <p:cNvPr id="58" name="Rectangle 57">
+              <a:extLst>
+                <a:ext uri="{FF2B5EF4-FFF2-40B4-BE49-F238E27FC236}">
+                  <a16:creationId xmlns:a16="http://schemas.microsoft.com/office/drawing/2014/main" id="{185C1771-9148-68B9-A280-04E3AC16818D}"/>
+                </a:ext>
+              </a:extLst>
+            </p:cNvPr>
+            <p:cNvSpPr/>
+            <p:nvPr/>
+          </p:nvSpPr>
+          <p:spPr>
+            <a:xfrm>
+              <a:off x="1949880" y="721827"/>
+              <a:ext cx="286544" cy="35418"/>
+            </a:xfrm>
+            <a:prstGeom prst="rect">
+              <a:avLst/>
+            </a:prstGeom>
+            <a:noFill/>
+            <a:ln>
+              <a:noFill/>
+            </a:ln>
+          </p:spPr>
+          <p:style>
+            <a:lnRef idx="2">
+              <a:schemeClr val="accent1">
+                <a:shade val="15000"/>
+              </a:schemeClr>
+            </a:lnRef>
+            <a:fillRef idx="1">
+              <a:schemeClr val="accent1"/>
+            </a:fillRef>
+            <a:effectRef idx="0">
+              <a:schemeClr val="accent1"/>
+            </a:effectRef>
+            <a:fontRef idx="minor">
+              <a:schemeClr val="lt1"/>
+            </a:fontRef>
+          </p:style>
+          <p:txBody>
+            <a:bodyPr rtlCol="0" anchor="ctr"/>
+            <a:lstStyle/>
+            <a:p>
+              <a:pPr algn="ctr"/>
+              <a:endParaRPr lang="en-US"/>
+            </a:p>
+          </p:txBody>
+        </p:sp>
+        <p:grpSp>
+          <p:nvGrpSpPr>
+            <p:cNvPr id="14" name="Group 13">
+              <a:extLst>
+                <a:ext uri="{FF2B5EF4-FFF2-40B4-BE49-F238E27FC236}">
+                  <a16:creationId xmlns:a16="http://schemas.microsoft.com/office/drawing/2014/main" id="{CF99B1D7-71EB-E496-288D-D8E0582D3C14}"/>
+                </a:ext>
+              </a:extLst>
+            </p:cNvPr>
+            <p:cNvGrpSpPr/>
+            <p:nvPr/>
+          </p:nvGrpSpPr>
+          <p:grpSpPr>
+            <a:xfrm>
+              <a:off x="540489" y="274648"/>
+              <a:ext cx="1721392" cy="523220"/>
+              <a:chOff x="-130005" y="3475016"/>
+              <a:chExt cx="1721392" cy="523221"/>
+            </a:xfrm>
+          </p:grpSpPr>
+          <p:sp>
+            <p:nvSpPr>
+              <p:cNvPr id="15" name="TextBox 14">
+                <a:extLst>
+                  <a:ext uri="{FF2B5EF4-FFF2-40B4-BE49-F238E27FC236}">
+                    <a16:creationId xmlns:a16="http://schemas.microsoft.com/office/drawing/2014/main" id="{1F26C3E5-5F49-EEF2-7A70-013C462FCF7D}"/>
+                  </a:ext>
+                </a:extLst>
+              </p:cNvPr>
+              <p:cNvSpPr txBox="1"/>
+              <p:nvPr/>
+            </p:nvSpPr>
+            <p:spPr>
+              <a:xfrm>
+                <a:off x="-130005" y="3475016"/>
+                <a:ext cx="788999" cy="523221"/>
+              </a:xfrm>
+              <a:prstGeom prst="rect">
+                <a:avLst/>
+              </a:prstGeom>
+              <a:noFill/>
+            </p:spPr>
+            <p:txBody>
+              <a:bodyPr wrap="none" rtlCol="0">
+                <a:spAutoFit/>
+              </a:bodyPr>
+              <a:lstStyle/>
+              <a:p>
+                <a:r>
+                  <a:rPr lang="en-US" sz="1400" dirty="0"/>
+                  <a:t>Program</a:t>
+                </a:r>
+              </a:p>
+              <a:p>
+                <a:r>
+                  <a:rPr lang="en-US" sz="1400" dirty="0"/>
+                  <a:t>Counter</a:t>
+                </a:r>
+              </a:p>
+            </p:txBody>
+          </p:sp>
+          <p:sp>
+            <p:nvSpPr>
+              <p:cNvPr id="17" name="Rectangle 16">
+                <a:extLst>
+                  <a:ext uri="{FF2B5EF4-FFF2-40B4-BE49-F238E27FC236}">
+                    <a16:creationId xmlns:a16="http://schemas.microsoft.com/office/drawing/2014/main" id="{EB0EE411-0245-D51A-35B4-5FF329DF6E34}"/>
+                  </a:ext>
+                </a:extLst>
+              </p:cNvPr>
+              <p:cNvSpPr/>
+              <p:nvPr/>
+            </p:nvSpPr>
+            <p:spPr>
+              <a:xfrm>
+                <a:off x="737093" y="3620838"/>
+                <a:ext cx="854294" cy="307777"/>
+              </a:xfrm>
+              <a:custGeom>
+                <a:avLst/>
+                <a:gdLst>
+                  <a:gd name="connsiteX0" fmla="*/ 0 w 854294"/>
+                  <a:gd name="connsiteY0" fmla="*/ 0 h 307777"/>
+                  <a:gd name="connsiteX1" fmla="*/ 418604 w 854294"/>
+                  <a:gd name="connsiteY1" fmla="*/ 0 h 307777"/>
+                  <a:gd name="connsiteX2" fmla="*/ 854294 w 854294"/>
+                  <a:gd name="connsiteY2" fmla="*/ 0 h 307777"/>
+                  <a:gd name="connsiteX3" fmla="*/ 854294 w 854294"/>
+                  <a:gd name="connsiteY3" fmla="*/ 307777 h 307777"/>
+                  <a:gd name="connsiteX4" fmla="*/ 427147 w 854294"/>
+                  <a:gd name="connsiteY4" fmla="*/ 307777 h 307777"/>
+                  <a:gd name="connsiteX5" fmla="*/ 0 w 854294"/>
+                  <a:gd name="connsiteY5" fmla="*/ 307777 h 307777"/>
+                  <a:gd name="connsiteX6" fmla="*/ 0 w 854294"/>
+                  <a:gd name="connsiteY6" fmla="*/ 0 h 307777"/>
+                </a:gdLst>
+                <a:ahLst/>
+                <a:cxnLst>
+                  <a:cxn ang="0">
+                    <a:pos x="connsiteX0" y="connsiteY0"/>
+                  </a:cxn>
+                  <a:cxn ang="0">
+                    <a:pos x="connsiteX1" y="connsiteY1"/>
+                  </a:cxn>
+                  <a:cxn ang="0">
+                    <a:pos x="connsiteX2" y="connsiteY2"/>
+                  </a:cxn>
+                  <a:cxn ang="0">
+                    <a:pos x="connsiteX3" y="connsiteY3"/>
+                  </a:cxn>
+                  <a:cxn ang="0">
+                    <a:pos x="connsiteX4" y="connsiteY4"/>
+                  </a:cxn>
+                  <a:cxn ang="0">
+                    <a:pos x="connsiteX5" y="connsiteY5"/>
+                  </a:cxn>
+                  <a:cxn ang="0">
+                    <a:pos x="connsiteX6" y="connsiteY6"/>
+                  </a:cxn>
+                </a:cxnLst>
+                <a:rect l="l" t="t" r="r" b="b"/>
+                <a:pathLst>
+                  <a:path w="854294" h="307777" extrusionOk="0">
+                    <a:moveTo>
+                      <a:pt x="0" y="0"/>
+                    </a:moveTo>
+                    <a:cubicBezTo>
+                      <a:pt x="173209" y="4046"/>
+                      <a:pt x="303085" y="10214"/>
+                      <a:pt x="418604" y="0"/>
+                    </a:cubicBezTo>
+                    <a:cubicBezTo>
+                      <a:pt x="534123" y="-10214"/>
+                      <a:pt x="722488" y="-9036"/>
+                      <a:pt x="854294" y="0"/>
+                    </a:cubicBezTo>
+                    <a:cubicBezTo>
+                      <a:pt x="843460" y="62246"/>
+                      <a:pt x="843276" y="219189"/>
+                      <a:pt x="854294" y="307777"/>
+                    </a:cubicBezTo>
+                    <a:cubicBezTo>
+                      <a:pt x="762963" y="302806"/>
+                      <a:pt x="592541" y="323160"/>
+                      <a:pt x="427147" y="307777"/>
+                    </a:cubicBezTo>
+                    <a:cubicBezTo>
+                      <a:pt x="261753" y="292394"/>
+                      <a:pt x="133192" y="320592"/>
+                      <a:pt x="0" y="307777"/>
+                    </a:cubicBezTo>
+                    <a:cubicBezTo>
+                      <a:pt x="9866" y="171271"/>
+                      <a:pt x="-8953" y="65853"/>
+                      <a:pt x="0" y="0"/>
+                    </a:cubicBezTo>
+                    <a:close/>
+                  </a:path>
+                </a:pathLst>
+              </a:custGeom>
+              <a:noFill/>
+              <a:ln w="25400">
+                <a:solidFill>
+                  <a:schemeClr val="tx1"/>
+                </a:solidFill>
+                <a:extLst>
+                  <a:ext uri="{C807C97D-BFC1-408E-A445-0C87EB9F89A2}">
+                    <ask:lineSketchStyleProps xmlns:ask="http://schemas.microsoft.com/office/drawing/2018/sketchyshapes" sd="1219033472">
+                      <a:prstGeom prst="rect">
+                        <a:avLst/>
+                      </a:prstGeom>
+                      <ask:type>
+                        <ask:lineSketchFreehand/>
+                      </ask:type>
+                    </ask:lineSketchStyleProps>
+                  </a:ext>
+                </a:extLst>
+              </a:ln>
+            </p:spPr>
+            <p:style>
+              <a:lnRef idx="2">
+                <a:schemeClr val="accent1">
+                  <a:shade val="15000"/>
+                </a:schemeClr>
+              </a:lnRef>
+              <a:fillRef idx="1">
+                <a:schemeClr val="accent1"/>
+              </a:fillRef>
+              <a:effectRef idx="0">
+                <a:schemeClr val="accent1"/>
+              </a:effectRef>
+              <a:fontRef idx="minor">
+                <a:schemeClr val="lt1"/>
+              </a:fontRef>
+            </p:style>
+            <p:txBody>
+              <a:bodyPr rtlCol="0" anchor="ctr"/>
+              <a:lstStyle/>
+              <a:p>
+                <a:pPr algn="ctr"/>
+                <a:endParaRPr lang="en-US">
+                  <a:solidFill>
+                    <a:schemeClr val="tx1"/>
+                  </a:solidFill>
+                </a:endParaRPr>
+              </a:p>
+            </p:txBody>
+          </p:sp>
+        </p:grpSp>
+        <p:sp>
+          <p:nvSpPr>
+            <p:cNvPr id="19" name="TextBox 18">
+              <a:extLst>
+                <a:ext uri="{FF2B5EF4-FFF2-40B4-BE49-F238E27FC236}">
+                  <a16:creationId xmlns:a16="http://schemas.microsoft.com/office/drawing/2014/main" id="{8256C8B2-FAA4-4876-FCF6-6BCE539AF519}"/>
+                </a:ext>
+              </a:extLst>
+            </p:cNvPr>
+            <p:cNvSpPr txBox="1"/>
+            <p:nvPr/>
+          </p:nvSpPr>
+          <p:spPr>
+            <a:xfrm>
+              <a:off x="1387767" y="385491"/>
+              <a:ext cx="854294" cy="369332"/>
+            </a:xfrm>
+            <a:prstGeom prst="rect">
+              <a:avLst/>
+            </a:prstGeom>
+            <a:noFill/>
+          </p:spPr>
+          <p:txBody>
+            <a:bodyPr wrap="square" rtlCol="0">
+              <a:spAutoFit/>
+            </a:bodyPr>
+            <a:lstStyle/>
+            <a:p>
+              <a:pPr algn="ctr"/>
+              <a:r>
+                <a:rPr lang="en-US" dirty="0"/>
+                <a:t>8</a:t>
+              </a:r>
+            </a:p>
+          </p:txBody>
+        </p:sp>
+        <p:grpSp>
+          <p:nvGrpSpPr>
+            <p:cNvPr id="4" name="Group 3">
+              <a:extLst>
+                <a:ext uri="{FF2B5EF4-FFF2-40B4-BE49-F238E27FC236}">
+                  <a16:creationId xmlns:a16="http://schemas.microsoft.com/office/drawing/2014/main" id="{EDBBF7B3-5291-3612-28CC-E30BFC7C494F}"/>
+                </a:ext>
+              </a:extLst>
+            </p:cNvPr>
+            <p:cNvGrpSpPr/>
+            <p:nvPr/>
+          </p:nvGrpSpPr>
+          <p:grpSpPr>
+            <a:xfrm>
+              <a:off x="297435" y="-800115"/>
+              <a:ext cx="1503543" cy="671651"/>
+              <a:chOff x="515794" y="3612564"/>
+              <a:chExt cx="1748764" cy="671651"/>
+            </a:xfrm>
+          </p:grpSpPr>
+          <p:sp>
+            <p:nvSpPr>
+              <p:cNvPr id="7" name="TextBox 6">
+                <a:extLst>
+                  <a:ext uri="{FF2B5EF4-FFF2-40B4-BE49-F238E27FC236}">
+                    <a16:creationId xmlns:a16="http://schemas.microsoft.com/office/drawing/2014/main" id="{1DFFEA24-10B8-A617-947D-C29E5AB26B71}"/>
+                  </a:ext>
+                </a:extLst>
+              </p:cNvPr>
+              <p:cNvSpPr txBox="1"/>
+              <p:nvPr/>
+            </p:nvSpPr>
+            <p:spPr>
+              <a:xfrm>
+                <a:off x="515794" y="3612564"/>
+                <a:ext cx="797088" cy="369332"/>
+              </a:xfrm>
+              <a:prstGeom prst="rect">
+                <a:avLst/>
+              </a:prstGeom>
+              <a:noFill/>
+            </p:spPr>
+            <p:txBody>
+              <a:bodyPr wrap="none" rtlCol="0">
+                <a:spAutoFit/>
+              </a:bodyPr>
+              <a:lstStyle/>
+              <a:p>
+                <a:r>
+                  <a:rPr lang="en-US" dirty="0">
+                    <a:solidFill>
+                      <a:schemeClr val="bg1">
+                        <a:lumMod val="65000"/>
+                      </a:schemeClr>
+                    </a:solidFill>
+                  </a:rPr>
+                  <a:t>again</a:t>
+                </a:r>
+              </a:p>
+            </p:txBody>
+          </p:sp>
+          <p:sp>
+            <p:nvSpPr>
+              <p:cNvPr id="8" name="Rectangle 7">
+                <a:extLst>
+                  <a:ext uri="{FF2B5EF4-FFF2-40B4-BE49-F238E27FC236}">
+                    <a16:creationId xmlns:a16="http://schemas.microsoft.com/office/drawing/2014/main" id="{DF244664-7F2F-C0CD-7388-F7D8C585C4CA}"/>
+                  </a:ext>
+                </a:extLst>
+              </p:cNvPr>
+              <p:cNvSpPr/>
+              <p:nvPr/>
+            </p:nvSpPr>
+            <p:spPr>
+              <a:xfrm>
+                <a:off x="577150" y="3976438"/>
+                <a:ext cx="1687408" cy="307777"/>
+              </a:xfrm>
+              <a:custGeom>
+                <a:avLst/>
+                <a:gdLst>
+                  <a:gd name="connsiteX0" fmla="*/ 0 w 1687408"/>
+                  <a:gd name="connsiteY0" fmla="*/ 0 h 307777"/>
+                  <a:gd name="connsiteX1" fmla="*/ 545595 w 1687408"/>
+                  <a:gd name="connsiteY1" fmla="*/ 0 h 307777"/>
+                  <a:gd name="connsiteX2" fmla="*/ 1057442 w 1687408"/>
+                  <a:gd name="connsiteY2" fmla="*/ 0 h 307777"/>
+                  <a:gd name="connsiteX3" fmla="*/ 1687408 w 1687408"/>
+                  <a:gd name="connsiteY3" fmla="*/ 0 h 307777"/>
+                  <a:gd name="connsiteX4" fmla="*/ 1687408 w 1687408"/>
+                  <a:gd name="connsiteY4" fmla="*/ 307777 h 307777"/>
+                  <a:gd name="connsiteX5" fmla="*/ 1158687 w 1687408"/>
+                  <a:gd name="connsiteY5" fmla="*/ 307777 h 307777"/>
+                  <a:gd name="connsiteX6" fmla="*/ 562469 w 1687408"/>
+                  <a:gd name="connsiteY6" fmla="*/ 307777 h 307777"/>
+                  <a:gd name="connsiteX7" fmla="*/ 0 w 1687408"/>
+                  <a:gd name="connsiteY7" fmla="*/ 307777 h 307777"/>
+                  <a:gd name="connsiteX8" fmla="*/ 0 w 1687408"/>
+                  <a:gd name="connsiteY8" fmla="*/ 0 h 307777"/>
+                </a:gdLst>
+                <a:ahLst/>
+                <a:cxnLst>
+                  <a:cxn ang="0">
+                    <a:pos x="connsiteX0" y="connsiteY0"/>
+                  </a:cxn>
+                  <a:cxn ang="0">
+                    <a:pos x="connsiteX1" y="connsiteY1"/>
+                  </a:cxn>
+                  <a:cxn ang="0">
+                    <a:pos x="connsiteX2" y="connsiteY2"/>
+                  </a:cxn>
+                  <a:cxn ang="0">
+                    <a:pos x="connsiteX3" y="connsiteY3"/>
+                  </a:cxn>
+                  <a:cxn ang="0">
+                    <a:pos x="connsiteX4" y="connsiteY4"/>
+                  </a:cxn>
+                  <a:cxn ang="0">
+                    <a:pos x="connsiteX5" y="connsiteY5"/>
+                  </a:cxn>
+                  <a:cxn ang="0">
+                    <a:pos x="connsiteX6" y="connsiteY6"/>
+                  </a:cxn>
+                  <a:cxn ang="0">
+                    <a:pos x="connsiteX7" y="connsiteY7"/>
+                  </a:cxn>
+                  <a:cxn ang="0">
+                    <a:pos x="connsiteX8" y="connsiteY8"/>
+                  </a:cxn>
+                </a:cxnLst>
+                <a:rect l="l" t="t" r="r" b="b"/>
+                <a:pathLst>
+                  <a:path w="1687408" h="307777" extrusionOk="0">
+                    <a:moveTo>
+                      <a:pt x="0" y="0"/>
+                    </a:moveTo>
+                    <a:cubicBezTo>
+                      <a:pt x="128936" y="6660"/>
+                      <a:pt x="319593" y="-22133"/>
+                      <a:pt x="545595" y="0"/>
+                    </a:cubicBezTo>
+                    <a:cubicBezTo>
+                      <a:pt x="771597" y="22133"/>
+                      <a:pt x="809002" y="-23071"/>
+                      <a:pt x="1057442" y="0"/>
+                    </a:cubicBezTo>
+                    <a:cubicBezTo>
+                      <a:pt x="1305882" y="23071"/>
+                      <a:pt x="1451336" y="-20848"/>
+                      <a:pt x="1687408" y="0"/>
+                    </a:cubicBezTo>
+                    <a:cubicBezTo>
+                      <a:pt x="1692846" y="133970"/>
+                      <a:pt x="1683251" y="197125"/>
+                      <a:pt x="1687408" y="307777"/>
+                    </a:cubicBezTo>
+                    <a:cubicBezTo>
+                      <a:pt x="1482592" y="292155"/>
+                      <a:pt x="1308745" y="293224"/>
+                      <a:pt x="1158687" y="307777"/>
+                    </a:cubicBezTo>
+                    <a:cubicBezTo>
+                      <a:pt x="1008629" y="322330"/>
+                      <a:pt x="799311" y="298125"/>
+                      <a:pt x="562469" y="307777"/>
+                    </a:cubicBezTo>
+                    <a:cubicBezTo>
+                      <a:pt x="325627" y="317429"/>
+                      <a:pt x="126178" y="279914"/>
+                      <a:pt x="0" y="307777"/>
+                    </a:cubicBezTo>
+                    <a:cubicBezTo>
+                      <a:pt x="-6096" y="178844"/>
+                      <a:pt x="1978" y="79401"/>
+                      <a:pt x="0" y="0"/>
+                    </a:cubicBezTo>
+                    <a:close/>
+                  </a:path>
+                </a:pathLst>
+              </a:custGeom>
+              <a:noFill/>
+              <a:ln w="25400">
+                <a:solidFill>
+                  <a:schemeClr val="bg1">
+                    <a:lumMod val="65000"/>
+                  </a:schemeClr>
                 </a:solidFill>
                 <a:extLst>
                   <a:ext uri="{C807C97D-BFC1-408E-A445-0C87EB9F89A2}">
@@ -26756,7 +26505,7 @@
           </p:nvPicPr>
           <p:blipFill>
             <a:blip r:embed="rId4">
-              <a:alphaModFix amt="30000"/>
+              <a:alphaModFix/>
             </a:blip>
             <a:stretch>
               <a:fillRect/>
@@ -26958,61 +26707,99 @@
           <a:lstStyle/>
           <a:p>
             <a:r>
-              <a:rPr lang="en-US" dirty="0"/>
+              <a:rPr lang="en-US" dirty="0">
+                <a:solidFill>
+                  <a:schemeClr val="bg1">
+                    <a:lumMod val="65000"/>
+                  </a:schemeClr>
+                </a:solidFill>
+              </a:rPr>
               <a:t>n</a:t>
             </a:r>
           </a:p>
         </p:txBody>
       </p:sp>
-      <p:cxnSp>
-        <p:nvCxnSpPr>
-          <p:cNvPr id="10" name="Curved Connector 9">
+      <p:sp>
+        <p:nvSpPr>
+          <p:cNvPr id="24" name="TextBox 23">
             <a:extLst>
               <a:ext uri="{FF2B5EF4-FFF2-40B4-BE49-F238E27FC236}">
-                <a16:creationId xmlns:a16="http://schemas.microsoft.com/office/drawing/2014/main" id="{6DB49321-9560-87F6-22E4-1C4BE5C91C8B}"/>
+                <a16:creationId xmlns:a16="http://schemas.microsoft.com/office/drawing/2014/main" id="{C2C535E0-F805-C0EA-B4AF-4B9C56471C95}"/>
               </a:ext>
             </a:extLst>
           </p:cNvPr>
-          <p:cNvCxnSpPr>
-            <a:cxnSpLocks/>
-          </p:cNvCxnSpPr>
+          <p:cNvSpPr txBox="1"/>
           <p:nvPr/>
-        </p:nvCxnSpPr>
+        </p:nvSpPr>
         <p:spPr>
           <a:xfrm>
-            <a:off x="1347531" y="2839085"/>
-            <a:ext cx="1357168" cy="153073"/>
+            <a:off x="3343353" y="3614412"/>
+            <a:ext cx="3678061" cy="1200329"/>
           </a:xfrm>
-          <a:prstGeom prst="curvedConnector3">
-            <a:avLst>
-              <a:gd name="adj1" fmla="val 82624"/>
-            </a:avLst>
+          <a:prstGeom prst="rect">
+            <a:avLst/>
           </a:prstGeom>
-          <a:ln w="38100">
-            <a:solidFill>
-              <a:schemeClr val="accent2">
-                <a:lumMod val="75000"/>
-              </a:schemeClr>
-            </a:solidFill>
-            <a:headEnd type="arrow"/>
-            <a:tailEnd type="arrow"/>
-          </a:ln>
+          <a:noFill/>
         </p:spPr>
-        <p:style>
-          <a:lnRef idx="1">
-            <a:schemeClr val="accent1"/>
-          </a:lnRef>
-          <a:fillRef idx="0">
-            <a:schemeClr val="accent1"/>
-          </a:fillRef>
-          <a:effectRef idx="0">
-            <a:schemeClr val="accent1"/>
-          </a:effectRef>
-          <a:fontRef idx="minor">
-            <a:schemeClr val="tx1"/>
-          </a:fontRef>
-        </p:style>
-      </p:cxnSp>
+        <p:txBody>
+          <a:bodyPr wrap="square" rtlCol="0">
+            <a:spAutoFit/>
+          </a:bodyPr>
+          <a:lstStyle/>
+          <a:p>
+            <a:r>
+              <a:rPr lang="en-US" dirty="0">
+                <a:solidFill>
+                  <a:schemeClr val="bg1">
+                    <a:lumMod val="65000"/>
+                  </a:schemeClr>
+                </a:solidFill>
+              </a:rPr>
+              <a:t>...</a:t>
+            </a:r>
+          </a:p>
+          <a:p>
+            <a:r>
+              <a:rPr lang="en-US" dirty="0">
+                <a:solidFill>
+                  <a:schemeClr val="bg1">
+                    <a:lumMod val="65000"/>
+                  </a:schemeClr>
+                </a:solidFill>
+              </a:rPr>
+              <a:t>Hello</a:t>
+            </a:r>
+          </a:p>
+          <a:p>
+            <a:r>
+              <a:rPr lang="en-US" dirty="0">
+                <a:solidFill>
+                  <a:schemeClr val="bg1">
+                    <a:lumMod val="65000"/>
+                  </a:schemeClr>
+                </a:solidFill>
+              </a:rPr>
+              <a:t>Again: n</a:t>
+            </a:r>
+          </a:p>
+          <a:p>
+            <a:r>
+              <a:rPr lang="en-US" dirty="0"/>
+              <a:t>Bye…</a:t>
+            </a:r>
+            <a:r>
+              <a:rPr lang="en-US" dirty="0">
+                <a:solidFill>
+                  <a:schemeClr val="bg1">
+                    <a:lumMod val="65000"/>
+                  </a:schemeClr>
+                </a:solidFill>
+              </a:rPr>
+              <a:t> </a:t>
+            </a:r>
+          </a:p>
+        </p:txBody>
+      </p:sp>
     </p:spTree>
     <p:extLst>
       <p:ext uri="{BB962C8B-B14F-4D97-AF65-F5344CB8AC3E}">

--- a/resources/ppt-slides/control-flow-do-while-loop.pptx
+++ b/resources/ppt-slides/control-flow-do-while-loop.pptx
@@ -251,7 +251,7 @@
           <a:p>
             <a:fld id="{964302DC-9F53-934F-AE4D-0F1F197008C1}" type="datetimeFigureOut">
               <a:rPr lang="en-US" smtClean="0"/>
-              <a:t>10/19/23</a:t>
+              <a:t>2/9/24</a:t>
             </a:fld>
             <a:endParaRPr lang="en-US"/>
           </a:p>
@@ -421,7 +421,7 @@
           <a:p>
             <a:fld id="{964302DC-9F53-934F-AE4D-0F1F197008C1}" type="datetimeFigureOut">
               <a:rPr lang="en-US" smtClean="0"/>
-              <a:t>10/19/23</a:t>
+              <a:t>2/9/24</a:t>
             </a:fld>
             <a:endParaRPr lang="en-US"/>
           </a:p>
@@ -601,7 +601,7 @@
           <a:p>
             <a:fld id="{964302DC-9F53-934F-AE4D-0F1F197008C1}" type="datetimeFigureOut">
               <a:rPr lang="en-US" smtClean="0"/>
-              <a:t>10/19/23</a:t>
+              <a:t>2/9/24</a:t>
             </a:fld>
             <a:endParaRPr lang="en-US"/>
           </a:p>
@@ -771,7 +771,7 @@
           <a:p>
             <a:fld id="{964302DC-9F53-934F-AE4D-0F1F197008C1}" type="datetimeFigureOut">
               <a:rPr lang="en-US" smtClean="0"/>
-              <a:t>10/19/23</a:t>
+              <a:t>2/9/24</a:t>
             </a:fld>
             <a:endParaRPr lang="en-US"/>
           </a:p>
@@ -1015,7 +1015,7 @@
           <a:p>
             <a:fld id="{964302DC-9F53-934F-AE4D-0F1F197008C1}" type="datetimeFigureOut">
               <a:rPr lang="en-US" smtClean="0"/>
-              <a:t>10/19/23</a:t>
+              <a:t>2/9/24</a:t>
             </a:fld>
             <a:endParaRPr lang="en-US"/>
           </a:p>
@@ -1247,7 +1247,7 @@
           <a:p>
             <a:fld id="{964302DC-9F53-934F-AE4D-0F1F197008C1}" type="datetimeFigureOut">
               <a:rPr lang="en-US" smtClean="0"/>
-              <a:t>10/19/23</a:t>
+              <a:t>2/9/24</a:t>
             </a:fld>
             <a:endParaRPr lang="en-US"/>
           </a:p>
@@ -1614,7 +1614,7 @@
           <a:p>
             <a:fld id="{964302DC-9F53-934F-AE4D-0F1F197008C1}" type="datetimeFigureOut">
               <a:rPr lang="en-US" smtClean="0"/>
-              <a:t>10/19/23</a:t>
+              <a:t>2/9/24</a:t>
             </a:fld>
             <a:endParaRPr lang="en-US"/>
           </a:p>
@@ -1732,7 +1732,7 @@
           <a:p>
             <a:fld id="{964302DC-9F53-934F-AE4D-0F1F197008C1}" type="datetimeFigureOut">
               <a:rPr lang="en-US" smtClean="0"/>
-              <a:t>10/19/23</a:t>
+              <a:t>2/9/24</a:t>
             </a:fld>
             <a:endParaRPr lang="en-US"/>
           </a:p>
@@ -1827,7 +1827,7 @@
           <a:p>
             <a:fld id="{964302DC-9F53-934F-AE4D-0F1F197008C1}" type="datetimeFigureOut">
               <a:rPr lang="en-US" smtClean="0"/>
-              <a:t>10/19/23</a:t>
+              <a:t>2/9/24</a:t>
             </a:fld>
             <a:endParaRPr lang="en-US"/>
           </a:p>
@@ -2104,7 +2104,7 @@
           <a:p>
             <a:fld id="{964302DC-9F53-934F-AE4D-0F1F197008C1}" type="datetimeFigureOut">
               <a:rPr lang="en-US" smtClean="0"/>
-              <a:t>10/19/23</a:t>
+              <a:t>2/9/24</a:t>
             </a:fld>
             <a:endParaRPr lang="en-US"/>
           </a:p>
@@ -2361,7 +2361,7 @@
           <a:p>
             <a:fld id="{964302DC-9F53-934F-AE4D-0F1F197008C1}" type="datetimeFigureOut">
               <a:rPr lang="en-US" smtClean="0"/>
-              <a:t>10/19/23</a:t>
+              <a:t>2/9/24</a:t>
             </a:fld>
             <a:endParaRPr lang="en-US"/>
           </a:p>
@@ -2426,9 +2426,18 @@
 <p:sldMaster xmlns:a="http://schemas.openxmlformats.org/drawingml/2006/main" xmlns:r="http://schemas.openxmlformats.org/officeDocument/2006/relationships" xmlns:p="http://schemas.openxmlformats.org/presentationml/2006/main">
   <p:cSld>
     <p:bg>
-      <p:bgRef idx="1001">
-        <a:schemeClr val="bg1"/>
-      </p:bgRef>
+      <p:bgPr>
+        <a:blipFill dpi="0" rotWithShape="1">
+          <a:blip r:embed="rId13">
+            <a:lum/>
+          </a:blip>
+          <a:srcRect/>
+          <a:stretch>
+            <a:fillRect/>
+          </a:stretch>
+        </a:blipFill>
+        <a:effectLst/>
+      </p:bgPr>
     </p:bg>
     <p:spTree>
       <p:nvGrpSpPr>
@@ -2574,7 +2583,7 @@
           <a:p>
             <a:fld id="{964302DC-9F53-934F-AE4D-0F1F197008C1}" type="datetimeFigureOut">
               <a:rPr lang="en-US" smtClean="0"/>
-              <a:t>10/19/23</a:t>
+              <a:t>2/9/24</a:t>
             </a:fld>
             <a:endParaRPr lang="en-US"/>
           </a:p>
@@ -2965,20 +2974,6 @@
 <file path=ppt/slides/slide1.xml><?xml version="1.0" encoding="utf-8"?>
 <p:sld xmlns:a="http://schemas.openxmlformats.org/drawingml/2006/main" xmlns:r="http://schemas.openxmlformats.org/officeDocument/2006/relationships" xmlns:p="http://schemas.openxmlformats.org/presentationml/2006/main">
   <p:cSld>
-    <p:bg>
-      <p:bgPr>
-        <a:blipFill dpi="0" rotWithShape="1">
-          <a:blip r:embed="rId2">
-            <a:lum/>
-          </a:blip>
-          <a:srcRect/>
-          <a:stretch>
-            <a:fillRect/>
-          </a:stretch>
-        </a:blipFill>
-        <a:effectLst/>
-      </p:bgPr>
-    </p:bg>
     <p:spTree>
       <p:nvGrpSpPr>
         <p:cNvPr id="1" name=""/>
@@ -3099,7 +3094,7 @@
                     </a:schemeClr>
                   </a:solidFill>
                 </a:rPr>
-                <a:t>    WriteLine("Hello");</a:t>
+                <a:t>      WriteLine("Hello");</a:t>
               </a:r>
             </a:p>
             <a:p>
@@ -3115,7 +3110,7 @@
                     </a:schemeClr>
                   </a:solidFill>
                 </a:rPr>
-                <a:t>    Write("Again: ");</a:t>
+                <a:t>      Write("Again: ");</a:t>
               </a:r>
             </a:p>
             <a:p>
@@ -3131,7 +3126,7 @@
                     </a:schemeClr>
                   </a:solidFill>
                 </a:rPr>
-                <a:t>     again = </a:t>
+                <a:t>      again = </a:t>
               </a:r>
               <a:r>
                 <a:rPr lang="en-AU" sz="1600" dirty="0" err="1">
@@ -3167,7 +3162,7 @@
                     </a:schemeClr>
                   </a:solidFill>
                 </a:rPr>
-                <a:t>} (again == "y” || again == ”Y”);</a:t>
+                <a:t>} while (again == "y" || again == "Y");</a:t>
               </a:r>
               <a:br>
                 <a:rPr lang="en-AU" sz="1600" dirty="0">
@@ -3239,7 +3234,7 @@
               <p:nvPr/>
             </p:nvPicPr>
             <p:blipFill>
-              <a:blip r:embed="rId3">
+              <a:blip r:embed="rId2">
                 <a:alphaModFix amt="30000"/>
               </a:blip>
               <a:stretch>
@@ -5329,7 +5324,7 @@
             <p:nvPr/>
           </p:nvPicPr>
           <p:blipFill>
-            <a:blip r:embed="rId4">
+            <a:blip r:embed="rId3">
               <a:alphaModFix amt="30000"/>
             </a:blip>
             <a:stretch>
@@ -5567,20 +5562,6 @@
 <file path=ppt/slides/slide2.xml><?xml version="1.0" encoding="utf-8"?>
 <p:sld xmlns:a="http://schemas.openxmlformats.org/drawingml/2006/main" xmlns:r="http://schemas.openxmlformats.org/officeDocument/2006/relationships" xmlns:p="http://schemas.openxmlformats.org/presentationml/2006/main">
   <p:cSld>
-    <p:bg>
-      <p:bgPr>
-        <a:blipFill dpi="0" rotWithShape="1">
-          <a:blip r:embed="rId2">
-            <a:lum/>
-          </a:blip>
-          <a:srcRect/>
-          <a:stretch>
-            <a:fillRect/>
-          </a:stretch>
-        </a:blipFill>
-        <a:effectLst/>
-      </p:bgPr>
-    </p:bg>
     <p:spTree>
       <p:nvGrpSpPr>
         <p:cNvPr id="1" name=""/>
@@ -5713,7 +5694,7 @@
                     </a:schemeClr>
                   </a:solidFill>
                 </a:rPr>
-                <a:t>    WriteLine("Hello");</a:t>
+                <a:t>      WriteLine("Hello");</a:t>
               </a:r>
             </a:p>
             <a:p>
@@ -5729,7 +5710,7 @@
                     </a:schemeClr>
                   </a:solidFill>
                 </a:rPr>
-                <a:t>    Write("Again: ");</a:t>
+                <a:t>      Write("Again: ");</a:t>
               </a:r>
             </a:p>
             <a:p>
@@ -5745,7 +5726,7 @@
                     </a:schemeClr>
                   </a:solidFill>
                 </a:rPr>
-                <a:t>     again = </a:t>
+                <a:t>      again = </a:t>
               </a:r>
               <a:r>
                 <a:rPr lang="en-AU" sz="1600" dirty="0" err="1">
@@ -5781,7 +5762,7 @@
                     </a:schemeClr>
                   </a:solidFill>
                 </a:rPr>
-                <a:t>} (again == "y” || again == ”Y”);</a:t>
+                <a:t>} while (again == "y" || again == "Y");</a:t>
               </a:r>
               <a:br>
                 <a:rPr lang="en-AU" sz="1600" dirty="0">
@@ -5853,7 +5834,7 @@
               <p:nvPr/>
             </p:nvPicPr>
             <p:blipFill>
-              <a:blip r:embed="rId3">
+              <a:blip r:embed="rId2">
                 <a:alphaModFix amt="30000"/>
               </a:blip>
               <a:stretch>
@@ -7951,7 +7932,7 @@
             <p:nvPr/>
           </p:nvPicPr>
           <p:blipFill>
-            <a:blip r:embed="rId4">
+            <a:blip r:embed="rId3">
               <a:alphaModFix amt="30000"/>
             </a:blip>
             <a:stretch>
@@ -8141,20 +8122,6 @@
 <file path=ppt/slides/slide3.xml><?xml version="1.0" encoding="utf-8"?>
 <p:sld xmlns:a="http://schemas.openxmlformats.org/drawingml/2006/main" xmlns:r="http://schemas.openxmlformats.org/officeDocument/2006/relationships" xmlns:p="http://schemas.openxmlformats.org/presentationml/2006/main">
   <p:cSld>
-    <p:bg>
-      <p:bgPr>
-        <a:blipFill dpi="0" rotWithShape="1">
-          <a:blip r:embed="rId2">
-            <a:lum/>
-          </a:blip>
-          <a:srcRect/>
-          <a:stretch>
-            <a:fillRect/>
-          </a:stretch>
-        </a:blipFill>
-        <a:effectLst/>
-      </p:bgPr>
-    </p:bg>
     <p:spTree>
       <p:nvGrpSpPr>
         <p:cNvPr id="1" name=""/>
@@ -8322,7 +8289,7 @@
               </a:pPr>
               <a:r>
                 <a:rPr lang="en-AU" sz="1600" dirty="0"/>
-                <a:t>    WriteLine("Hello");</a:t>
+                <a:t>      WriteLine("Hello");</a:t>
               </a:r>
             </a:p>
             <a:p>
@@ -8332,7 +8299,7 @@
               </a:pPr>
               <a:r>
                 <a:rPr lang="en-AU" sz="1600" dirty="0"/>
-                <a:t>    Write("Again: ");</a:t>
+                <a:t>      Write("Again: ");</a:t>
               </a:r>
             </a:p>
             <a:p>
@@ -8342,7 +8309,7 @@
               </a:pPr>
               <a:r>
                 <a:rPr lang="en-AU" sz="1600" dirty="0"/>
-                <a:t>     again = </a:t>
+                <a:t>      again = </a:t>
               </a:r>
               <a:r>
                 <a:rPr lang="en-AU" sz="1600" dirty="0" err="1"/>
@@ -8366,7 +8333,7 @@
                     </a:schemeClr>
                   </a:solidFill>
                 </a:rPr>
-                <a:t>} (again == "y” || again == ”Y”);</a:t>
+                <a:t>} while (again == "y" || again == "Y");</a:t>
               </a:r>
               <a:br>
                 <a:rPr lang="en-AU" sz="1600" dirty="0">
@@ -8438,7 +8405,7 @@
               <p:nvPr/>
             </p:nvPicPr>
             <p:blipFill>
-              <a:blip r:embed="rId3">
+              <a:blip r:embed="rId2">
                 <a:alphaModFix amt="30000"/>
               </a:blip>
               <a:stretch>
@@ -10517,7 +10484,7 @@
             <p:nvPr/>
           </p:nvPicPr>
           <p:blipFill>
-            <a:blip r:embed="rId4">
+            <a:blip r:embed="rId3">
               <a:alphaModFix/>
             </a:blip>
             <a:stretch>
@@ -10793,20 +10760,6 @@
 <file path=ppt/slides/slide4.xml><?xml version="1.0" encoding="utf-8"?>
 <p:sld xmlns:a="http://schemas.openxmlformats.org/drawingml/2006/main" xmlns:r="http://schemas.openxmlformats.org/officeDocument/2006/relationships" xmlns:p="http://schemas.openxmlformats.org/presentationml/2006/main">
   <p:cSld>
-    <p:bg>
-      <p:bgPr>
-        <a:blipFill dpi="0" rotWithShape="1">
-          <a:blip r:embed="rId2">
-            <a:lum/>
-          </a:blip>
-          <a:srcRect/>
-          <a:stretch>
-            <a:fillRect/>
-          </a:stretch>
-        </a:blipFill>
-        <a:effectLst/>
-      </p:bgPr>
-    </p:bg>
     <p:spTree>
       <p:nvGrpSpPr>
         <p:cNvPr id="1" name=""/>
@@ -10998,7 +10951,7 @@
                     </a:schemeClr>
                   </a:solidFill>
                 </a:rPr>
-                <a:t>    WriteLine("Hello");</a:t>
+                <a:t>      WriteLine("Hello");</a:t>
               </a:r>
             </a:p>
             <a:p>
@@ -11014,7 +10967,7 @@
                     </a:schemeClr>
                   </a:solidFill>
                 </a:rPr>
-                <a:t>    Write("Again: ");</a:t>
+                <a:t>      Write("Again: ");</a:t>
               </a:r>
             </a:p>
             <a:p>
@@ -11030,7 +10983,7 @@
                     </a:schemeClr>
                   </a:solidFill>
                 </a:rPr>
-                <a:t>     again = </a:t>
+                <a:t>      again = </a:t>
               </a:r>
               <a:r>
                 <a:rPr lang="en-AU" sz="1600" dirty="0" err="1">
@@ -11060,7 +11013,7 @@
               </a:pPr>
               <a:r>
                 <a:rPr lang="en-AU" sz="1600" dirty="0"/>
-                <a:t>} (again == "y” || again == ”Y”);</a:t>
+                <a:t>} while (again == "y" || again == "Y");</a:t>
               </a:r>
               <a:br>
                 <a:rPr lang="en-AU" sz="1600" dirty="0">
@@ -11132,7 +11085,7 @@
               <p:nvPr/>
             </p:nvPicPr>
             <p:blipFill>
-              <a:blip r:embed="rId3">
+              <a:blip r:embed="rId2">
                 <a:alphaModFix amt="30000"/>
               </a:blip>
               <a:stretch>
@@ -13222,7 +13175,7 @@
             <p:nvPr/>
           </p:nvPicPr>
           <p:blipFill>
-            <a:blip r:embed="rId4">
+            <a:blip r:embed="rId3">
               <a:alphaModFix amt="30000"/>
             </a:blip>
             <a:stretch>
@@ -13496,20 +13449,6 @@
 <file path=ppt/slides/slide5.xml><?xml version="1.0" encoding="utf-8"?>
 <p:sld xmlns:a="http://schemas.openxmlformats.org/drawingml/2006/main" xmlns:r="http://schemas.openxmlformats.org/officeDocument/2006/relationships" xmlns:p="http://schemas.openxmlformats.org/presentationml/2006/main">
   <p:cSld>
-    <p:bg>
-      <p:bgPr>
-        <a:blipFill dpi="0" rotWithShape="1">
-          <a:blip r:embed="rId2">
-            <a:lum/>
-          </a:blip>
-          <a:srcRect/>
-          <a:stretch>
-            <a:fillRect/>
-          </a:stretch>
-        </a:blipFill>
-        <a:effectLst/>
-      </p:bgPr>
-    </p:bg>
     <p:spTree>
       <p:nvGrpSpPr>
         <p:cNvPr id="1" name=""/>
@@ -13701,7 +13640,7 @@
               </a:pPr>
               <a:r>
                 <a:rPr lang="en-AU" sz="1600" dirty="0"/>
-                <a:t>    WriteLine("Hello");</a:t>
+                <a:t>      WriteLine("Hello");</a:t>
               </a:r>
             </a:p>
             <a:p>
@@ -13711,7 +13650,7 @@
               </a:pPr>
               <a:r>
                 <a:rPr lang="en-AU" sz="1600" dirty="0"/>
-                <a:t>    Write("Again: ");</a:t>
+                <a:t>      Write("Again: ");</a:t>
               </a:r>
             </a:p>
             <a:p>
@@ -13721,7 +13660,7 @@
               </a:pPr>
               <a:r>
                 <a:rPr lang="en-AU" sz="1600" dirty="0"/>
-                <a:t>     again = </a:t>
+                <a:t>      again = </a:t>
               </a:r>
               <a:r>
                 <a:rPr lang="en-AU" sz="1600" dirty="0" err="1"/>
@@ -13745,7 +13684,7 @@
                     </a:schemeClr>
                   </a:solidFill>
                 </a:rPr>
-                <a:t>} (again == "y” || again == ”Y”);</a:t>
+                <a:t>} while (again == "y" || again == "Y");</a:t>
               </a:r>
               <a:br>
                 <a:rPr lang="en-AU" sz="1600" dirty="0">
@@ -13817,7 +13756,7 @@
               <p:nvPr/>
             </p:nvPicPr>
             <p:blipFill>
-              <a:blip r:embed="rId3">
+              <a:blip r:embed="rId2">
                 <a:alphaModFix amt="30000"/>
               </a:blip>
               <a:stretch>
@@ -15853,7 +15792,7 @@
             <p:nvPr/>
           </p:nvPicPr>
           <p:blipFill>
-            <a:blip r:embed="rId4">
+            <a:blip r:embed="rId3">
               <a:alphaModFix/>
             </a:blip>
             <a:stretch>
@@ -16129,20 +16068,6 @@
 <file path=ppt/slides/slide6.xml><?xml version="1.0" encoding="utf-8"?>
 <p:sld xmlns:a="http://schemas.openxmlformats.org/drawingml/2006/main" xmlns:r="http://schemas.openxmlformats.org/officeDocument/2006/relationships" xmlns:p="http://schemas.openxmlformats.org/presentationml/2006/main">
   <p:cSld>
-    <p:bg>
-      <p:bgPr>
-        <a:blipFill dpi="0" rotWithShape="1">
-          <a:blip r:embed="rId2">
-            <a:lum/>
-          </a:blip>
-          <a:srcRect/>
-          <a:stretch>
-            <a:fillRect/>
-          </a:stretch>
-        </a:blipFill>
-        <a:effectLst/>
-      </p:bgPr>
-    </p:bg>
     <p:spTree>
       <p:nvGrpSpPr>
         <p:cNvPr id="1" name=""/>
@@ -16281,7 +16206,7 @@
                     </a:schemeClr>
                   </a:solidFill>
                 </a:rPr>
-                <a:t>    WriteLine("Hello");</a:t>
+                <a:t>      WriteLine("Hello");</a:t>
               </a:r>
             </a:p>
             <a:p>
@@ -16297,7 +16222,7 @@
                     </a:schemeClr>
                   </a:solidFill>
                 </a:rPr>
-                <a:t>    Write("Again: ");</a:t>
+                <a:t>      Write("Again: ");</a:t>
               </a:r>
             </a:p>
             <a:p>
@@ -16313,7 +16238,7 @@
                     </a:schemeClr>
                   </a:solidFill>
                 </a:rPr>
-                <a:t>     again = </a:t>
+                <a:t>      again = </a:t>
               </a:r>
               <a:r>
                 <a:rPr lang="en-AU" sz="1600" dirty="0" err="1">
@@ -16343,7 +16268,7 @@
               </a:pPr>
               <a:r>
                 <a:rPr lang="en-AU" sz="1600" dirty="0"/>
-                <a:t>} (again == "y” || again == ”Y”);</a:t>
+                <a:t>} while (again == "y" || again == "Y");</a:t>
               </a:r>
               <a:br>
                 <a:rPr lang="en-AU" sz="1600" dirty="0">
@@ -16415,7 +16340,7 @@
               <p:nvPr/>
             </p:nvPicPr>
             <p:blipFill>
-              <a:blip r:embed="rId3">
+              <a:blip r:embed="rId2">
                 <a:alphaModFix amt="30000"/>
               </a:blip>
               <a:stretch>
@@ -18460,7 +18385,7 @@
             <p:nvPr/>
           </p:nvPicPr>
           <p:blipFill>
-            <a:blip r:embed="rId4">
+            <a:blip r:embed="rId3">
               <a:alphaModFix amt="30000"/>
             </a:blip>
             <a:stretch>
@@ -18811,20 +18736,6 @@
 <file path=ppt/slides/slide7.xml><?xml version="1.0" encoding="utf-8"?>
 <p:sld xmlns:a="http://schemas.openxmlformats.org/drawingml/2006/main" xmlns:r="http://schemas.openxmlformats.org/officeDocument/2006/relationships" xmlns:p="http://schemas.openxmlformats.org/presentationml/2006/main">
   <p:cSld>
-    <p:bg>
-      <p:bgPr>
-        <a:blipFill dpi="0" rotWithShape="1">
-          <a:blip r:embed="rId2">
-            <a:lum/>
-          </a:blip>
-          <a:srcRect/>
-          <a:stretch>
-            <a:fillRect/>
-          </a:stretch>
-        </a:blipFill>
-        <a:effectLst/>
-      </p:bgPr>
-    </p:bg>
     <p:spTree>
       <p:nvGrpSpPr>
         <p:cNvPr id="1" name=""/>
@@ -18951,7 +18862,7 @@
               </a:pPr>
               <a:r>
                 <a:rPr lang="en-AU" sz="1600" dirty="0"/>
-                <a:t>    WriteLine("Hello");</a:t>
+                <a:t>      WriteLine("Hello");</a:t>
               </a:r>
             </a:p>
             <a:p>
@@ -18961,7 +18872,7 @@
               </a:pPr>
               <a:r>
                 <a:rPr lang="en-AU" sz="1600" dirty="0"/>
-                <a:t>    Write("Again: ");</a:t>
+                <a:t>      Write("Again: ");</a:t>
               </a:r>
             </a:p>
             <a:p>
@@ -18971,7 +18882,7 @@
               </a:pPr>
               <a:r>
                 <a:rPr lang="en-AU" sz="1600" dirty="0"/>
-                <a:t>     again = </a:t>
+                <a:t>      again = </a:t>
               </a:r>
               <a:r>
                 <a:rPr lang="en-AU" sz="1600" dirty="0" err="1"/>
@@ -18995,7 +18906,7 @@
                     </a:schemeClr>
                   </a:solidFill>
                 </a:rPr>
-                <a:t>} (again == "y” || again == ”Y”);</a:t>
+                <a:t>} while (again == "y" || again == "Y");</a:t>
               </a:r>
               <a:br>
                 <a:rPr lang="en-AU" sz="1600" dirty="0">
@@ -19067,7 +18978,7 @@
               <p:nvPr/>
             </p:nvPicPr>
             <p:blipFill>
-              <a:blip r:embed="rId3">
+              <a:blip r:embed="rId2">
                 <a:alphaModFix amt="30000"/>
               </a:blip>
               <a:stretch>
@@ -21103,7 +21014,7 @@
             <p:nvPr/>
           </p:nvPicPr>
           <p:blipFill>
-            <a:blip r:embed="rId4">
+            <a:blip r:embed="rId3">
               <a:alphaModFix/>
             </a:blip>
             <a:stretch>
@@ -21468,20 +21379,6 @@
 <file path=ppt/slides/slide8.xml><?xml version="1.0" encoding="utf-8"?>
 <p:sld xmlns:a="http://schemas.openxmlformats.org/drawingml/2006/main" xmlns:r="http://schemas.openxmlformats.org/officeDocument/2006/relationships" xmlns:p="http://schemas.openxmlformats.org/presentationml/2006/main">
   <p:cSld>
-    <p:bg>
-      <p:bgPr>
-        <a:blipFill dpi="0" rotWithShape="1">
-          <a:blip r:embed="rId2">
-            <a:lum/>
-          </a:blip>
-          <a:srcRect/>
-          <a:stretch>
-            <a:fillRect/>
-          </a:stretch>
-        </a:blipFill>
-        <a:effectLst/>
-      </p:bgPr>
-    </p:bg>
     <p:spTree>
       <p:nvGrpSpPr>
         <p:cNvPr id="1" name=""/>
@@ -21620,7 +21517,7 @@
                     </a:schemeClr>
                   </a:solidFill>
                 </a:rPr>
-                <a:t>    WriteLine("Hello");</a:t>
+                <a:t>      WriteLine("Hello");</a:t>
               </a:r>
             </a:p>
             <a:p>
@@ -21636,7 +21533,7 @@
                     </a:schemeClr>
                   </a:solidFill>
                 </a:rPr>
-                <a:t>    Write("Again: ");</a:t>
+                <a:t>      Write("Again: ");</a:t>
               </a:r>
             </a:p>
             <a:p>
@@ -21652,7 +21549,7 @@
                     </a:schemeClr>
                   </a:solidFill>
                 </a:rPr>
-                <a:t>     again = </a:t>
+                <a:t>      again = </a:t>
               </a:r>
               <a:r>
                 <a:rPr lang="en-AU" sz="1600" dirty="0" err="1">
@@ -21682,7 +21579,7 @@
               </a:pPr>
               <a:r>
                 <a:rPr lang="en-AU" sz="1600" dirty="0"/>
-                <a:t>} (again == "y” || again == ”Y”);</a:t>
+                <a:t>} while (again == "y" || again == "Y");</a:t>
               </a:r>
               <a:br>
                 <a:rPr lang="en-AU" sz="1600" dirty="0">
@@ -21754,7 +21651,7 @@
               <p:nvPr/>
             </p:nvPicPr>
             <p:blipFill>
-              <a:blip r:embed="rId3">
+              <a:blip r:embed="rId2">
                 <a:alphaModFix amt="30000"/>
               </a:blip>
               <a:stretch>
@@ -23799,7 +23696,7 @@
             <p:nvPr/>
           </p:nvPicPr>
           <p:blipFill>
-            <a:blip r:embed="rId4">
+            <a:blip r:embed="rId3">
               <a:alphaModFix amt="30000"/>
             </a:blip>
             <a:stretch>
@@ -24174,20 +24071,6 @@
 <file path=ppt/slides/slide9.xml><?xml version="1.0" encoding="utf-8"?>
 <p:sld xmlns:a="http://schemas.openxmlformats.org/drawingml/2006/main" xmlns:r="http://schemas.openxmlformats.org/officeDocument/2006/relationships" xmlns:p="http://schemas.openxmlformats.org/presentationml/2006/main">
   <p:cSld>
-    <p:bg>
-      <p:bgPr>
-        <a:blipFill dpi="0" rotWithShape="1">
-          <a:blip r:embed="rId2">
-            <a:lum/>
-          </a:blip>
-          <a:srcRect/>
-          <a:stretch>
-            <a:fillRect/>
-          </a:stretch>
-        </a:blipFill>
-        <a:effectLst/>
-      </p:bgPr>
-    </p:bg>
     <p:spTree>
       <p:nvGrpSpPr>
         <p:cNvPr id="1" name=""/>
@@ -24326,7 +24209,7 @@
                     </a:schemeClr>
                   </a:solidFill>
                 </a:rPr>
-                <a:t>    WriteLine("Hello");</a:t>
+                <a:t>      WriteLine("Hello");</a:t>
               </a:r>
             </a:p>
             <a:p>
@@ -24342,7 +24225,7 @@
                     </a:schemeClr>
                   </a:solidFill>
                 </a:rPr>
-                <a:t>    Write("Again: ");</a:t>
+                <a:t>      Write("Again: ");</a:t>
               </a:r>
             </a:p>
             <a:p>
@@ -24358,7 +24241,7 @@
                     </a:schemeClr>
                   </a:solidFill>
                 </a:rPr>
-                <a:t>     again = </a:t>
+                <a:t>       again = </a:t>
               </a:r>
               <a:r>
                 <a:rPr lang="en-AU" sz="1600" dirty="0" err="1">
@@ -24394,7 +24277,7 @@
                     </a:schemeClr>
                   </a:solidFill>
                 </a:rPr>
-                <a:t>} (again == "y” || again == ”Y”);</a:t>
+                <a:t>} while (again == "y" || again == "Y");</a:t>
               </a:r>
               <a:br>
                 <a:rPr lang="en-AU" sz="1600" dirty="0">
@@ -24460,7 +24343,7 @@
               <p:nvPr/>
             </p:nvPicPr>
             <p:blipFill>
-              <a:blip r:embed="rId3">
+              <a:blip r:embed="rId2">
                 <a:alphaModFix amt="30000"/>
               </a:blip>
               <a:stretch>
@@ -26504,7 +26387,7 @@
             <p:nvPr/>
           </p:nvPicPr>
           <p:blipFill>
-            <a:blip r:embed="rId4">
+            <a:blip r:embed="rId3">
               <a:alphaModFix/>
             </a:blip>
             <a:stretch>

--- a/resources/ppt-slides/control-flow-do-while-loop.pptx
+++ b/resources/ppt-slides/control-flow-do-while-loop.pptx
@@ -3094,7 +3094,7 @@
                     </a:schemeClr>
                   </a:solidFill>
                 </a:rPr>
-                <a:t>      WriteLine("Hello");</a:t>
+                <a:t>      write_line("Hello");</a:t>
               </a:r>
             </a:p>
             <a:p>
@@ -3110,7 +3110,7 @@
                     </a:schemeClr>
                   </a:solidFill>
                 </a:rPr>
-                <a:t>      Write("Again: ");</a:t>
+                <a:t>      write("Again: ");</a:t>
               </a:r>
             </a:p>
             <a:p>
@@ -3136,7 +3136,7 @@
                     </a:schemeClr>
                   </a:solidFill>
                 </a:rPr>
-                <a:t>ReadLine</a:t>
+                <a:t>read_line</a:t>
               </a:r>
               <a:r>
                 <a:rPr lang="en-AU" sz="1600" dirty="0">
@@ -3194,7 +3194,7 @@
                     </a:schemeClr>
                   </a:solidFill>
                 </a:rPr>
-                <a:t>WriteLine("Bye…");</a:t>
+                <a:t>write_line("Bye…");</a:t>
               </a:r>
             </a:p>
           </p:txBody>
@@ -5694,7 +5694,7 @@
                     </a:schemeClr>
                   </a:solidFill>
                 </a:rPr>
-                <a:t>      WriteLine("Hello");</a:t>
+                <a:t>      write_line("Hello");</a:t>
               </a:r>
             </a:p>
             <a:p>
@@ -5710,7 +5710,7 @@
                     </a:schemeClr>
                   </a:solidFill>
                 </a:rPr>
-                <a:t>      Write("Again: ");</a:t>
+                <a:t>      write("Again: ");</a:t>
               </a:r>
             </a:p>
             <a:p>
@@ -5736,7 +5736,7 @@
                     </a:schemeClr>
                   </a:solidFill>
                 </a:rPr>
-                <a:t>ReadLine</a:t>
+                <a:t>read_line</a:t>
               </a:r>
               <a:r>
                 <a:rPr lang="en-AU" sz="1600" dirty="0">
@@ -5794,7 +5794,7 @@
                     </a:schemeClr>
                   </a:solidFill>
                 </a:rPr>
-                <a:t>WriteLine("Bye…");</a:t>
+                <a:t>write_line("Bye…");</a:t>
               </a:r>
             </a:p>
           </p:txBody>
@@ -8289,7 +8289,7 @@
               </a:pPr>
               <a:r>
                 <a:rPr lang="en-AU" sz="1600" dirty="0"/>
-                <a:t>      WriteLine("Hello");</a:t>
+                <a:t>      write_line("Hello");</a:t>
               </a:r>
             </a:p>
             <a:p>
@@ -8299,7 +8299,7 @@
               </a:pPr>
               <a:r>
                 <a:rPr lang="en-AU" sz="1600" dirty="0"/>
-                <a:t>      Write("Again: ");</a:t>
+                <a:t>      write("Again: ");</a:t>
               </a:r>
             </a:p>
             <a:p>
@@ -8313,7 +8313,7 @@
               </a:r>
               <a:r>
                 <a:rPr lang="en-AU" sz="1600" dirty="0" err="1"/>
-                <a:t>ReadLine</a:t>
+                <a:t>read_line</a:t>
               </a:r>
               <a:r>
                 <a:rPr lang="en-AU" sz="1600" dirty="0"/>
@@ -8365,7 +8365,7 @@
                     </a:schemeClr>
                   </a:solidFill>
                 </a:rPr>
-                <a:t>WriteLine("Bye…");</a:t>
+                <a:t>write_line("Bye…");</a:t>
               </a:r>
             </a:p>
           </p:txBody>
@@ -10951,7 +10951,7 @@
                     </a:schemeClr>
                   </a:solidFill>
                 </a:rPr>
-                <a:t>      WriteLine("Hello");</a:t>
+                <a:t>      write_line("Hello");</a:t>
               </a:r>
             </a:p>
             <a:p>
@@ -10967,7 +10967,7 @@
                     </a:schemeClr>
                   </a:solidFill>
                 </a:rPr>
-                <a:t>      Write("Again: ");</a:t>
+                <a:t>      write("Again: ");</a:t>
               </a:r>
             </a:p>
             <a:p>
@@ -10993,7 +10993,7 @@
                     </a:schemeClr>
                   </a:solidFill>
                 </a:rPr>
-                <a:t>ReadLine</a:t>
+                <a:t>read_line</a:t>
               </a:r>
               <a:r>
                 <a:rPr lang="en-AU" sz="1600" dirty="0">
@@ -11045,7 +11045,7 @@
                     </a:schemeClr>
                   </a:solidFill>
                 </a:rPr>
-                <a:t>WriteLine("Bye…");</a:t>
+                <a:t>write_line("Bye…");</a:t>
               </a:r>
             </a:p>
           </p:txBody>
@@ -13640,7 +13640,7 @@
               </a:pPr>
               <a:r>
                 <a:rPr lang="en-AU" sz="1600" dirty="0"/>
-                <a:t>      WriteLine("Hello");</a:t>
+                <a:t>      write_line("Hello");</a:t>
               </a:r>
             </a:p>
             <a:p>
@@ -13650,7 +13650,7 @@
               </a:pPr>
               <a:r>
                 <a:rPr lang="en-AU" sz="1600" dirty="0"/>
-                <a:t>      Write("Again: ");</a:t>
+                <a:t>      write("Again: ");</a:t>
               </a:r>
             </a:p>
             <a:p>
@@ -13664,7 +13664,7 @@
               </a:r>
               <a:r>
                 <a:rPr lang="en-AU" sz="1600" dirty="0" err="1"/>
-                <a:t>ReadLine</a:t>
+                <a:t>read_line</a:t>
               </a:r>
               <a:r>
                 <a:rPr lang="en-AU" sz="1600" dirty="0"/>
@@ -13716,7 +13716,7 @@
                     </a:schemeClr>
                   </a:solidFill>
                 </a:rPr>
-                <a:t>WriteLine("Bye…");</a:t>
+                <a:t>write_line("Bye…");</a:t>
               </a:r>
             </a:p>
           </p:txBody>
@@ -16206,7 +16206,7 @@
                     </a:schemeClr>
                   </a:solidFill>
                 </a:rPr>
-                <a:t>      WriteLine("Hello");</a:t>
+                <a:t>      write_line("Hello");</a:t>
               </a:r>
             </a:p>
             <a:p>
@@ -16222,7 +16222,7 @@
                     </a:schemeClr>
                   </a:solidFill>
                 </a:rPr>
-                <a:t>      Write("Again: ");</a:t>
+                <a:t>      write("Again: ");</a:t>
               </a:r>
             </a:p>
             <a:p>
@@ -16248,7 +16248,7 @@
                     </a:schemeClr>
                   </a:solidFill>
                 </a:rPr>
-                <a:t>ReadLine</a:t>
+                <a:t>read_line</a:t>
               </a:r>
               <a:r>
                 <a:rPr lang="en-AU" sz="1600" dirty="0">
@@ -16300,7 +16300,7 @@
                     </a:schemeClr>
                   </a:solidFill>
                 </a:rPr>
-                <a:t>WriteLine("Bye…");</a:t>
+                <a:t>write_line("Bye…");</a:t>
               </a:r>
             </a:p>
           </p:txBody>
@@ -18862,7 +18862,7 @@
               </a:pPr>
               <a:r>
                 <a:rPr lang="en-AU" sz="1600" dirty="0"/>
-                <a:t>      WriteLine("Hello");</a:t>
+                <a:t>      write_line("Hello");</a:t>
               </a:r>
             </a:p>
             <a:p>
@@ -18872,7 +18872,7 @@
               </a:pPr>
               <a:r>
                 <a:rPr lang="en-AU" sz="1600" dirty="0"/>
-                <a:t>      Write("Again: ");</a:t>
+                <a:t>      write("Again: ");</a:t>
               </a:r>
             </a:p>
             <a:p>
@@ -18886,7 +18886,7 @@
               </a:r>
               <a:r>
                 <a:rPr lang="en-AU" sz="1600" dirty="0" err="1"/>
-                <a:t>ReadLine</a:t>
+                <a:t>read_line</a:t>
               </a:r>
               <a:r>
                 <a:rPr lang="en-AU" sz="1600" dirty="0"/>
@@ -18938,7 +18938,7 @@
                     </a:schemeClr>
                   </a:solidFill>
                 </a:rPr>
-                <a:t>WriteLine("Bye…");</a:t>
+                <a:t>write_line("Bye…");</a:t>
               </a:r>
             </a:p>
           </p:txBody>
@@ -21517,7 +21517,7 @@
                     </a:schemeClr>
                   </a:solidFill>
                 </a:rPr>
-                <a:t>      WriteLine("Hello");</a:t>
+                <a:t>      write_line("Hello");</a:t>
               </a:r>
             </a:p>
             <a:p>
@@ -21533,7 +21533,7 @@
                     </a:schemeClr>
                   </a:solidFill>
                 </a:rPr>
-                <a:t>      Write("Again: ");</a:t>
+                <a:t>      write("Again: ");</a:t>
               </a:r>
             </a:p>
             <a:p>
@@ -21559,7 +21559,7 @@
                     </a:schemeClr>
                   </a:solidFill>
                 </a:rPr>
-                <a:t>ReadLine</a:t>
+                <a:t>read_line</a:t>
               </a:r>
               <a:r>
                 <a:rPr lang="en-AU" sz="1600" dirty="0">
@@ -21611,7 +21611,7 @@
                     </a:schemeClr>
                   </a:solidFill>
                 </a:rPr>
-                <a:t>WriteLine("Bye…");</a:t>
+                <a:t>write_line("Bye…");</a:t>
               </a:r>
             </a:p>
           </p:txBody>
@@ -24209,7 +24209,7 @@
                     </a:schemeClr>
                   </a:solidFill>
                 </a:rPr>
-                <a:t>      WriteLine("Hello");</a:t>
+                <a:t>      write_line("Hello");</a:t>
               </a:r>
             </a:p>
             <a:p>
@@ -24225,7 +24225,7 @@
                     </a:schemeClr>
                   </a:solidFill>
                 </a:rPr>
-                <a:t>      Write("Again: ");</a:t>
+                <a:t>      write("Again: ");</a:t>
               </a:r>
             </a:p>
             <a:p>
@@ -24251,7 +24251,7 @@
                     </a:schemeClr>
                   </a:solidFill>
                 </a:rPr>
-                <a:t>ReadLine</a:t>
+                <a:t>read_line</a:t>
               </a:r>
               <a:r>
                 <a:rPr lang="en-AU" sz="1600" dirty="0">
@@ -24303,7 +24303,7 @@
               </a:pPr>
               <a:r>
                 <a:rPr lang="en-AU" sz="1600" dirty="0"/>
-                <a:t>WriteLine("Bye…");</a:t>
+                <a:t>write_line("Bye…");</a:t>
               </a:r>
             </a:p>
           </p:txBody>
